--- a/images/Johnny Dryman - Phase 4 Project Presentation.pptx
+++ b/images/Johnny Dryman - Phase 4 Project Presentation.pptx
@@ -4,17 +4,22 @@
   <p:sldMasterIdLst>
     <p:sldMasterId id="2147483648" r:id="rId1"/>
   </p:sldMasterIdLst>
+  <p:notesMasterIdLst>
+    <p:notesMasterId r:id="rId14"/>
+  </p:notesMasterIdLst>
   <p:sldIdLst>
     <p:sldId id="256" r:id="rId2"/>
     <p:sldId id="257" r:id="rId3"/>
     <p:sldId id="258" r:id="rId4"/>
     <p:sldId id="259" r:id="rId5"/>
-    <p:sldId id="260" r:id="rId6"/>
-    <p:sldId id="261" r:id="rId7"/>
-    <p:sldId id="262" r:id="rId8"/>
-    <p:sldId id="263" r:id="rId9"/>
-    <p:sldId id="264" r:id="rId10"/>
-    <p:sldId id="265" r:id="rId11"/>
+    <p:sldId id="266" r:id="rId6"/>
+    <p:sldId id="260" r:id="rId7"/>
+    <p:sldId id="267" r:id="rId8"/>
+    <p:sldId id="261" r:id="rId9"/>
+    <p:sldId id="262" r:id="rId10"/>
+    <p:sldId id="263" r:id="rId11"/>
+    <p:sldId id="264" r:id="rId12"/>
+    <p:sldId id="265" r:id="rId13"/>
   </p:sldIdLst>
   <p:sldSz cx="12192000" cy="6858000"/>
   <p:notesSz cx="6858000" cy="9144000"/>
@@ -2948,6 +2953,784 @@
 </dgm:styleDef>
 </file>
 
+<file path=ppt/notesMasters/notesMaster1.xml><?xml version="1.0" encoding="utf-8"?>
+<p:notesMaster xmlns:a="http://schemas.openxmlformats.org/drawingml/2006/main" xmlns:r="http://schemas.openxmlformats.org/officeDocument/2006/relationships" xmlns:p="http://schemas.openxmlformats.org/presentationml/2006/main">
+  <p:cSld>
+    <p:bg>
+      <p:bgRef idx="1001">
+        <a:schemeClr val="bg1"/>
+      </p:bgRef>
+    </p:bg>
+    <p:spTree>
+      <p:nvGrpSpPr>
+        <p:cNvPr id="1" name=""/>
+        <p:cNvGrpSpPr/>
+        <p:nvPr/>
+      </p:nvGrpSpPr>
+      <p:grpSpPr>
+        <a:xfrm>
+          <a:off x="0" y="0"/>
+          <a:ext cx="0" cy="0"/>
+          <a:chOff x="0" y="0"/>
+          <a:chExt cx="0" cy="0"/>
+        </a:xfrm>
+      </p:grpSpPr>
+      <p:sp>
+        <p:nvSpPr>
+          <p:cNvPr id="2" name="Header Placeholder 1"/>
+          <p:cNvSpPr>
+            <a:spLocks noGrp="1"/>
+          </p:cNvSpPr>
+          <p:nvPr>
+            <p:ph type="hdr" sz="quarter"/>
+          </p:nvPr>
+        </p:nvSpPr>
+        <p:spPr>
+          <a:xfrm>
+            <a:off x="0" y="0"/>
+            <a:ext cx="2971800" cy="458788"/>
+          </a:xfrm>
+          <a:prstGeom prst="rect">
+            <a:avLst/>
+          </a:prstGeom>
+        </p:spPr>
+        <p:txBody>
+          <a:bodyPr vert="horz" lIns="91440" tIns="45720" rIns="91440" bIns="45720" rtlCol="0"/>
+          <a:lstStyle>
+            <a:lvl1pPr algn="l">
+              <a:defRPr sz="1200"/>
+            </a:lvl1pPr>
+          </a:lstStyle>
+          <a:p>
+            <a:endParaRPr lang="en-US"/>
+          </a:p>
+        </p:txBody>
+      </p:sp>
+      <p:sp>
+        <p:nvSpPr>
+          <p:cNvPr id="3" name="Date Placeholder 2"/>
+          <p:cNvSpPr>
+            <a:spLocks noGrp="1"/>
+          </p:cNvSpPr>
+          <p:nvPr>
+            <p:ph type="dt" idx="1"/>
+          </p:nvPr>
+        </p:nvSpPr>
+        <p:spPr>
+          <a:xfrm>
+            <a:off x="3884613" y="0"/>
+            <a:ext cx="2971800" cy="458788"/>
+          </a:xfrm>
+          <a:prstGeom prst="rect">
+            <a:avLst/>
+          </a:prstGeom>
+        </p:spPr>
+        <p:txBody>
+          <a:bodyPr vert="horz" lIns="91440" tIns="45720" rIns="91440" bIns="45720" rtlCol="0"/>
+          <a:lstStyle>
+            <a:lvl1pPr algn="r">
+              <a:defRPr sz="1200"/>
+            </a:lvl1pPr>
+          </a:lstStyle>
+          <a:p>
+            <a:fld id="{AEE7BB6E-B879-45AA-BE91-650A8D786718}" type="datetimeFigureOut">
+              <a:rPr lang="en-US" smtClean="0"/>
+              <a:t>6/30/2021</a:t>
+            </a:fld>
+            <a:endParaRPr lang="en-US"/>
+          </a:p>
+        </p:txBody>
+      </p:sp>
+      <p:sp>
+        <p:nvSpPr>
+          <p:cNvPr id="4" name="Slide Image Placeholder 3"/>
+          <p:cNvSpPr>
+            <a:spLocks noGrp="1" noRot="1" noChangeAspect="1"/>
+          </p:cNvSpPr>
+          <p:nvPr>
+            <p:ph type="sldImg" idx="2"/>
+          </p:nvPr>
+        </p:nvSpPr>
+        <p:spPr>
+          <a:xfrm>
+            <a:off x="685800" y="1143000"/>
+            <a:ext cx="5486400" cy="3086100"/>
+          </a:xfrm>
+          <a:prstGeom prst="rect">
+            <a:avLst/>
+          </a:prstGeom>
+          <a:noFill/>
+          <a:ln w="12700">
+            <a:solidFill>
+              <a:prstClr val="black"/>
+            </a:solidFill>
+          </a:ln>
+        </p:spPr>
+        <p:txBody>
+          <a:bodyPr vert="horz" lIns="91440" tIns="45720" rIns="91440" bIns="45720" rtlCol="0" anchor="ctr"/>
+          <a:lstStyle/>
+          <a:p>
+            <a:endParaRPr lang="en-US"/>
+          </a:p>
+        </p:txBody>
+      </p:sp>
+      <p:sp>
+        <p:nvSpPr>
+          <p:cNvPr id="5" name="Notes Placeholder 4"/>
+          <p:cNvSpPr>
+            <a:spLocks noGrp="1"/>
+          </p:cNvSpPr>
+          <p:nvPr>
+            <p:ph type="body" sz="quarter" idx="3"/>
+          </p:nvPr>
+        </p:nvSpPr>
+        <p:spPr>
+          <a:xfrm>
+            <a:off x="685800" y="4400550"/>
+            <a:ext cx="5486400" cy="3600450"/>
+          </a:xfrm>
+          <a:prstGeom prst="rect">
+            <a:avLst/>
+          </a:prstGeom>
+        </p:spPr>
+        <p:txBody>
+          <a:bodyPr vert="horz" lIns="91440" tIns="45720" rIns="91440" bIns="45720" rtlCol="0"/>
+          <a:lstStyle/>
+          <a:p>
+            <a:pPr lvl="0"/>
+            <a:r>
+              <a:rPr lang="en-US"/>
+              <a:t>Click to edit Master text styles</a:t>
+            </a:r>
+          </a:p>
+          <a:p>
+            <a:pPr lvl="1"/>
+            <a:r>
+              <a:rPr lang="en-US"/>
+              <a:t>Second level</a:t>
+            </a:r>
+          </a:p>
+          <a:p>
+            <a:pPr lvl="2"/>
+            <a:r>
+              <a:rPr lang="en-US"/>
+              <a:t>Third level</a:t>
+            </a:r>
+          </a:p>
+          <a:p>
+            <a:pPr lvl="3"/>
+            <a:r>
+              <a:rPr lang="en-US"/>
+              <a:t>Fourth level</a:t>
+            </a:r>
+          </a:p>
+          <a:p>
+            <a:pPr lvl="4"/>
+            <a:r>
+              <a:rPr lang="en-US"/>
+              <a:t>Fifth level</a:t>
+            </a:r>
+          </a:p>
+        </p:txBody>
+      </p:sp>
+      <p:sp>
+        <p:nvSpPr>
+          <p:cNvPr id="6" name="Footer Placeholder 5"/>
+          <p:cNvSpPr>
+            <a:spLocks noGrp="1"/>
+          </p:cNvSpPr>
+          <p:nvPr>
+            <p:ph type="ftr" sz="quarter" idx="4"/>
+          </p:nvPr>
+        </p:nvSpPr>
+        <p:spPr>
+          <a:xfrm>
+            <a:off x="0" y="8685213"/>
+            <a:ext cx="2971800" cy="458787"/>
+          </a:xfrm>
+          <a:prstGeom prst="rect">
+            <a:avLst/>
+          </a:prstGeom>
+        </p:spPr>
+        <p:txBody>
+          <a:bodyPr vert="horz" lIns="91440" tIns="45720" rIns="91440" bIns="45720" rtlCol="0" anchor="b"/>
+          <a:lstStyle>
+            <a:lvl1pPr algn="l">
+              <a:defRPr sz="1200"/>
+            </a:lvl1pPr>
+          </a:lstStyle>
+          <a:p>
+            <a:endParaRPr lang="en-US"/>
+          </a:p>
+        </p:txBody>
+      </p:sp>
+      <p:sp>
+        <p:nvSpPr>
+          <p:cNvPr id="7" name="Slide Number Placeholder 6"/>
+          <p:cNvSpPr>
+            <a:spLocks noGrp="1"/>
+          </p:cNvSpPr>
+          <p:nvPr>
+            <p:ph type="sldNum" sz="quarter" idx="5"/>
+          </p:nvPr>
+        </p:nvSpPr>
+        <p:spPr>
+          <a:xfrm>
+            <a:off x="3884613" y="8685213"/>
+            <a:ext cx="2971800" cy="458787"/>
+          </a:xfrm>
+          <a:prstGeom prst="rect">
+            <a:avLst/>
+          </a:prstGeom>
+        </p:spPr>
+        <p:txBody>
+          <a:bodyPr vert="horz" lIns="91440" tIns="45720" rIns="91440" bIns="45720" rtlCol="0" anchor="b"/>
+          <a:lstStyle>
+            <a:lvl1pPr algn="r">
+              <a:defRPr sz="1200"/>
+            </a:lvl1pPr>
+          </a:lstStyle>
+          <a:p>
+            <a:fld id="{E483A4C9-96E2-4AFF-81BA-7A96A3B9C789}" type="slidenum">
+              <a:rPr lang="en-US" smtClean="0"/>
+              <a:t>‹#›</a:t>
+            </a:fld>
+            <a:endParaRPr lang="en-US"/>
+          </a:p>
+        </p:txBody>
+      </p:sp>
+    </p:spTree>
+    <p:extLst>
+      <p:ext uri="{BB962C8B-B14F-4D97-AF65-F5344CB8AC3E}">
+        <p14:creationId xmlns:p14="http://schemas.microsoft.com/office/powerpoint/2010/main" val="2211580460"/>
+      </p:ext>
+    </p:extLst>
+  </p:cSld>
+  <p:clrMap bg1="lt1" tx1="dk1" bg2="lt2" tx2="dk2" accent1="accent1" accent2="accent2" accent3="accent3" accent4="accent4" accent5="accent5" accent6="accent6" hlink="hlink" folHlink="folHlink"/>
+  <p:notesStyle>
+    <a:lvl1pPr marL="0" algn="l" defTabSz="914400" rtl="0" eaLnBrk="1" latinLnBrk="0" hangingPunct="1">
+      <a:defRPr sz="1200" kern="1200">
+        <a:solidFill>
+          <a:schemeClr val="tx1"/>
+        </a:solidFill>
+        <a:latin typeface="+mn-lt"/>
+        <a:ea typeface="+mn-ea"/>
+        <a:cs typeface="+mn-cs"/>
+      </a:defRPr>
+    </a:lvl1pPr>
+    <a:lvl2pPr marL="457200" algn="l" defTabSz="914400" rtl="0" eaLnBrk="1" latinLnBrk="0" hangingPunct="1">
+      <a:defRPr sz="1200" kern="1200">
+        <a:solidFill>
+          <a:schemeClr val="tx1"/>
+        </a:solidFill>
+        <a:latin typeface="+mn-lt"/>
+        <a:ea typeface="+mn-ea"/>
+        <a:cs typeface="+mn-cs"/>
+      </a:defRPr>
+    </a:lvl2pPr>
+    <a:lvl3pPr marL="914400" algn="l" defTabSz="914400" rtl="0" eaLnBrk="1" latinLnBrk="0" hangingPunct="1">
+      <a:defRPr sz="1200" kern="1200">
+        <a:solidFill>
+          <a:schemeClr val="tx1"/>
+        </a:solidFill>
+        <a:latin typeface="+mn-lt"/>
+        <a:ea typeface="+mn-ea"/>
+        <a:cs typeface="+mn-cs"/>
+      </a:defRPr>
+    </a:lvl3pPr>
+    <a:lvl4pPr marL="1371600" algn="l" defTabSz="914400" rtl="0" eaLnBrk="1" latinLnBrk="0" hangingPunct="1">
+      <a:defRPr sz="1200" kern="1200">
+        <a:solidFill>
+          <a:schemeClr val="tx1"/>
+        </a:solidFill>
+        <a:latin typeface="+mn-lt"/>
+        <a:ea typeface="+mn-ea"/>
+        <a:cs typeface="+mn-cs"/>
+      </a:defRPr>
+    </a:lvl4pPr>
+    <a:lvl5pPr marL="1828800" algn="l" defTabSz="914400" rtl="0" eaLnBrk="1" latinLnBrk="0" hangingPunct="1">
+      <a:defRPr sz="1200" kern="1200">
+        <a:solidFill>
+          <a:schemeClr val="tx1"/>
+        </a:solidFill>
+        <a:latin typeface="+mn-lt"/>
+        <a:ea typeface="+mn-ea"/>
+        <a:cs typeface="+mn-cs"/>
+      </a:defRPr>
+    </a:lvl5pPr>
+    <a:lvl6pPr marL="2286000" algn="l" defTabSz="914400" rtl="0" eaLnBrk="1" latinLnBrk="0" hangingPunct="1">
+      <a:defRPr sz="1200" kern="1200">
+        <a:solidFill>
+          <a:schemeClr val="tx1"/>
+        </a:solidFill>
+        <a:latin typeface="+mn-lt"/>
+        <a:ea typeface="+mn-ea"/>
+        <a:cs typeface="+mn-cs"/>
+      </a:defRPr>
+    </a:lvl6pPr>
+    <a:lvl7pPr marL="2743200" algn="l" defTabSz="914400" rtl="0" eaLnBrk="1" latinLnBrk="0" hangingPunct="1">
+      <a:defRPr sz="1200" kern="1200">
+        <a:solidFill>
+          <a:schemeClr val="tx1"/>
+        </a:solidFill>
+        <a:latin typeface="+mn-lt"/>
+        <a:ea typeface="+mn-ea"/>
+        <a:cs typeface="+mn-cs"/>
+      </a:defRPr>
+    </a:lvl7pPr>
+    <a:lvl8pPr marL="3200400" algn="l" defTabSz="914400" rtl="0" eaLnBrk="1" latinLnBrk="0" hangingPunct="1">
+      <a:defRPr sz="1200" kern="1200">
+        <a:solidFill>
+          <a:schemeClr val="tx1"/>
+        </a:solidFill>
+        <a:latin typeface="+mn-lt"/>
+        <a:ea typeface="+mn-ea"/>
+        <a:cs typeface="+mn-cs"/>
+      </a:defRPr>
+    </a:lvl8pPr>
+    <a:lvl9pPr marL="3657600" algn="l" defTabSz="914400" rtl="0" eaLnBrk="1" latinLnBrk="0" hangingPunct="1">
+      <a:defRPr sz="1200" kern="1200">
+        <a:solidFill>
+          <a:schemeClr val="tx1"/>
+        </a:solidFill>
+        <a:latin typeface="+mn-lt"/>
+        <a:ea typeface="+mn-ea"/>
+        <a:cs typeface="+mn-cs"/>
+      </a:defRPr>
+    </a:lvl9pPr>
+  </p:notesStyle>
+</p:notesMaster>
+</file>
+
+<file path=ppt/notesSlides/notesSlide1.xml><?xml version="1.0" encoding="utf-8"?>
+<p:notes xmlns:a="http://schemas.openxmlformats.org/drawingml/2006/main" xmlns:r="http://schemas.openxmlformats.org/officeDocument/2006/relationships" xmlns:p="http://schemas.openxmlformats.org/presentationml/2006/main">
+  <p:cSld>
+    <p:spTree>
+      <p:nvGrpSpPr>
+        <p:cNvPr id="1" name=""/>
+        <p:cNvGrpSpPr/>
+        <p:nvPr/>
+      </p:nvGrpSpPr>
+      <p:grpSpPr>
+        <a:xfrm>
+          <a:off x="0" y="0"/>
+          <a:ext cx="0" cy="0"/>
+          <a:chOff x="0" y="0"/>
+          <a:chExt cx="0" cy="0"/>
+        </a:xfrm>
+      </p:grpSpPr>
+      <p:sp>
+        <p:nvSpPr>
+          <p:cNvPr id="2" name="Slide Image Placeholder 1"/>
+          <p:cNvSpPr>
+            <a:spLocks noGrp="1" noRot="1" noChangeAspect="1"/>
+          </p:cNvSpPr>
+          <p:nvPr>
+            <p:ph type="sldImg"/>
+          </p:nvPr>
+        </p:nvSpPr>
+        <p:spPr/>
+      </p:sp>
+      <p:sp>
+        <p:nvSpPr>
+          <p:cNvPr id="3" name="Notes Placeholder 2"/>
+          <p:cNvSpPr>
+            <a:spLocks noGrp="1"/>
+          </p:cNvSpPr>
+          <p:nvPr>
+            <p:ph type="body" idx="1"/>
+          </p:nvPr>
+        </p:nvSpPr>
+        <p:spPr/>
+        <p:txBody>
+          <a:bodyPr/>
+          <a:lstStyle/>
+          <a:p>
+            <a:endParaRPr lang="en-US" dirty="0"/>
+          </a:p>
+        </p:txBody>
+      </p:sp>
+      <p:sp>
+        <p:nvSpPr>
+          <p:cNvPr id="4" name="Slide Number Placeholder 3"/>
+          <p:cNvSpPr>
+            <a:spLocks noGrp="1"/>
+          </p:cNvSpPr>
+          <p:nvPr>
+            <p:ph type="sldNum" sz="quarter" idx="5"/>
+          </p:nvPr>
+        </p:nvSpPr>
+        <p:spPr/>
+        <p:txBody>
+          <a:bodyPr/>
+          <a:lstStyle/>
+          <a:p>
+            <a:fld id="{E483A4C9-96E2-4AFF-81BA-7A96A3B9C789}" type="slidenum">
+              <a:rPr lang="en-US" smtClean="0"/>
+              <a:t>1</a:t>
+            </a:fld>
+            <a:endParaRPr lang="en-US"/>
+          </a:p>
+        </p:txBody>
+      </p:sp>
+    </p:spTree>
+    <p:extLst>
+      <p:ext uri="{BB962C8B-B14F-4D97-AF65-F5344CB8AC3E}">
+        <p14:creationId xmlns:p14="http://schemas.microsoft.com/office/powerpoint/2010/main" val="2173575447"/>
+      </p:ext>
+    </p:extLst>
+  </p:cSld>
+  <p:clrMapOvr>
+    <a:masterClrMapping/>
+  </p:clrMapOvr>
+</p:notes>
+</file>
+
+<file path=ppt/notesSlides/notesSlide2.xml><?xml version="1.0" encoding="utf-8"?>
+<p:notes xmlns:a="http://schemas.openxmlformats.org/drawingml/2006/main" xmlns:r="http://schemas.openxmlformats.org/officeDocument/2006/relationships" xmlns:p="http://schemas.openxmlformats.org/presentationml/2006/main">
+  <p:cSld>
+    <p:spTree>
+      <p:nvGrpSpPr>
+        <p:cNvPr id="1" name=""/>
+        <p:cNvGrpSpPr/>
+        <p:nvPr/>
+      </p:nvGrpSpPr>
+      <p:grpSpPr>
+        <a:xfrm>
+          <a:off x="0" y="0"/>
+          <a:ext cx="0" cy="0"/>
+          <a:chOff x="0" y="0"/>
+          <a:chExt cx="0" cy="0"/>
+        </a:xfrm>
+      </p:grpSpPr>
+      <p:sp>
+        <p:nvSpPr>
+          <p:cNvPr id="2" name="Slide Image Placeholder 1"/>
+          <p:cNvSpPr>
+            <a:spLocks noGrp="1" noRot="1" noChangeAspect="1"/>
+          </p:cNvSpPr>
+          <p:nvPr>
+            <p:ph type="sldImg"/>
+          </p:nvPr>
+        </p:nvSpPr>
+        <p:spPr/>
+      </p:sp>
+      <p:sp>
+        <p:nvSpPr>
+          <p:cNvPr id="3" name="Notes Placeholder 2"/>
+          <p:cNvSpPr>
+            <a:spLocks noGrp="1"/>
+          </p:cNvSpPr>
+          <p:nvPr>
+            <p:ph type="body" idx="1"/>
+          </p:nvPr>
+        </p:nvSpPr>
+        <p:spPr/>
+        <p:txBody>
+          <a:bodyPr/>
+          <a:lstStyle/>
+          <a:p>
+            <a:endParaRPr lang="en-US" dirty="0"/>
+          </a:p>
+        </p:txBody>
+      </p:sp>
+      <p:sp>
+        <p:nvSpPr>
+          <p:cNvPr id="4" name="Slide Number Placeholder 3"/>
+          <p:cNvSpPr>
+            <a:spLocks noGrp="1"/>
+          </p:cNvSpPr>
+          <p:nvPr>
+            <p:ph type="sldNum" sz="quarter" idx="5"/>
+          </p:nvPr>
+        </p:nvSpPr>
+        <p:spPr/>
+        <p:txBody>
+          <a:bodyPr/>
+          <a:lstStyle/>
+          <a:p>
+            <a:fld id="{E483A4C9-96E2-4AFF-81BA-7A96A3B9C789}" type="slidenum">
+              <a:rPr lang="en-US" smtClean="0"/>
+              <a:t>2</a:t>
+            </a:fld>
+            <a:endParaRPr lang="en-US"/>
+          </a:p>
+        </p:txBody>
+      </p:sp>
+    </p:spTree>
+    <p:extLst>
+      <p:ext uri="{BB962C8B-B14F-4D97-AF65-F5344CB8AC3E}">
+        <p14:creationId xmlns:p14="http://schemas.microsoft.com/office/powerpoint/2010/main" val="4001061449"/>
+      </p:ext>
+    </p:extLst>
+  </p:cSld>
+  <p:clrMapOvr>
+    <a:masterClrMapping/>
+  </p:clrMapOvr>
+</p:notes>
+</file>
+
+<file path=ppt/notesSlides/notesSlide3.xml><?xml version="1.0" encoding="utf-8"?>
+<p:notes xmlns:a="http://schemas.openxmlformats.org/drawingml/2006/main" xmlns:r="http://schemas.openxmlformats.org/officeDocument/2006/relationships" xmlns:p="http://schemas.openxmlformats.org/presentationml/2006/main">
+  <p:cSld>
+    <p:spTree>
+      <p:nvGrpSpPr>
+        <p:cNvPr id="1" name=""/>
+        <p:cNvGrpSpPr/>
+        <p:nvPr/>
+      </p:nvGrpSpPr>
+      <p:grpSpPr>
+        <a:xfrm>
+          <a:off x="0" y="0"/>
+          <a:ext cx="0" cy="0"/>
+          <a:chOff x="0" y="0"/>
+          <a:chExt cx="0" cy="0"/>
+        </a:xfrm>
+      </p:grpSpPr>
+      <p:sp>
+        <p:nvSpPr>
+          <p:cNvPr id="2" name="Slide Image Placeholder 1"/>
+          <p:cNvSpPr>
+            <a:spLocks noGrp="1" noRot="1" noChangeAspect="1"/>
+          </p:cNvSpPr>
+          <p:nvPr>
+            <p:ph type="sldImg"/>
+          </p:nvPr>
+        </p:nvSpPr>
+        <p:spPr/>
+      </p:sp>
+      <p:sp>
+        <p:nvSpPr>
+          <p:cNvPr id="3" name="Notes Placeholder 2"/>
+          <p:cNvSpPr>
+            <a:spLocks noGrp="1"/>
+          </p:cNvSpPr>
+          <p:nvPr>
+            <p:ph type="body" idx="1"/>
+          </p:nvPr>
+        </p:nvSpPr>
+        <p:spPr/>
+        <p:txBody>
+          <a:bodyPr/>
+          <a:lstStyle/>
+          <a:p>
+            <a:r>
+              <a:rPr lang="en-US" dirty="0"/>
+              <a:t>Add title or Y label specify which was positive and which was negative.  Change title.  </a:t>
+            </a:r>
+          </a:p>
+        </p:txBody>
+      </p:sp>
+      <p:sp>
+        <p:nvSpPr>
+          <p:cNvPr id="4" name="Slide Number Placeholder 3"/>
+          <p:cNvSpPr>
+            <a:spLocks noGrp="1"/>
+          </p:cNvSpPr>
+          <p:nvPr>
+            <p:ph type="sldNum" sz="quarter" idx="5"/>
+          </p:nvPr>
+        </p:nvSpPr>
+        <p:spPr/>
+        <p:txBody>
+          <a:bodyPr/>
+          <a:lstStyle/>
+          <a:p>
+            <a:fld id="{E483A4C9-96E2-4AFF-81BA-7A96A3B9C789}" type="slidenum">
+              <a:rPr lang="en-US" smtClean="0"/>
+              <a:t>6</a:t>
+            </a:fld>
+            <a:endParaRPr lang="en-US"/>
+          </a:p>
+        </p:txBody>
+      </p:sp>
+    </p:spTree>
+    <p:extLst>
+      <p:ext uri="{BB962C8B-B14F-4D97-AF65-F5344CB8AC3E}">
+        <p14:creationId xmlns:p14="http://schemas.microsoft.com/office/powerpoint/2010/main" val="3373164292"/>
+      </p:ext>
+    </p:extLst>
+  </p:cSld>
+  <p:clrMapOvr>
+    <a:masterClrMapping/>
+  </p:clrMapOvr>
+</p:notes>
+</file>
+
+<file path=ppt/notesSlides/notesSlide4.xml><?xml version="1.0" encoding="utf-8"?>
+<p:notes xmlns:a="http://schemas.openxmlformats.org/drawingml/2006/main" xmlns:r="http://schemas.openxmlformats.org/officeDocument/2006/relationships" xmlns:p="http://schemas.openxmlformats.org/presentationml/2006/main">
+  <p:cSld>
+    <p:spTree>
+      <p:nvGrpSpPr>
+        <p:cNvPr id="1" name=""/>
+        <p:cNvGrpSpPr/>
+        <p:nvPr/>
+      </p:nvGrpSpPr>
+      <p:grpSpPr>
+        <a:xfrm>
+          <a:off x="0" y="0"/>
+          <a:ext cx="0" cy="0"/>
+          <a:chOff x="0" y="0"/>
+          <a:chExt cx="0" cy="0"/>
+        </a:xfrm>
+      </p:grpSpPr>
+      <p:sp>
+        <p:nvSpPr>
+          <p:cNvPr id="2" name="Slide Image Placeholder 1"/>
+          <p:cNvSpPr>
+            <a:spLocks noGrp="1" noRot="1" noChangeAspect="1"/>
+          </p:cNvSpPr>
+          <p:nvPr>
+            <p:ph type="sldImg"/>
+          </p:nvPr>
+        </p:nvSpPr>
+        <p:spPr/>
+      </p:sp>
+      <p:sp>
+        <p:nvSpPr>
+          <p:cNvPr id="3" name="Notes Placeholder 2"/>
+          <p:cNvSpPr>
+            <a:spLocks noGrp="1"/>
+          </p:cNvSpPr>
+          <p:nvPr>
+            <p:ph type="body" idx="1"/>
+          </p:nvPr>
+        </p:nvSpPr>
+        <p:spPr/>
+        <p:txBody>
+          <a:bodyPr/>
+          <a:lstStyle/>
+          <a:p>
+            <a:r>
+              <a:rPr lang="en-US" dirty="0"/>
+              <a:t>Add title or Y label specify which was positive and which was negative.  Change title.  </a:t>
+            </a:r>
+          </a:p>
+        </p:txBody>
+      </p:sp>
+      <p:sp>
+        <p:nvSpPr>
+          <p:cNvPr id="4" name="Slide Number Placeholder 3"/>
+          <p:cNvSpPr>
+            <a:spLocks noGrp="1"/>
+          </p:cNvSpPr>
+          <p:nvPr>
+            <p:ph type="sldNum" sz="quarter" idx="5"/>
+          </p:nvPr>
+        </p:nvSpPr>
+        <p:spPr/>
+        <p:txBody>
+          <a:bodyPr/>
+          <a:lstStyle/>
+          <a:p>
+            <a:fld id="{E483A4C9-96E2-4AFF-81BA-7A96A3B9C789}" type="slidenum">
+              <a:rPr lang="en-US" smtClean="0"/>
+              <a:t>7</a:t>
+            </a:fld>
+            <a:endParaRPr lang="en-US"/>
+          </a:p>
+        </p:txBody>
+      </p:sp>
+    </p:spTree>
+    <p:extLst>
+      <p:ext uri="{BB962C8B-B14F-4D97-AF65-F5344CB8AC3E}">
+        <p14:creationId xmlns:p14="http://schemas.microsoft.com/office/powerpoint/2010/main" val="4159885040"/>
+      </p:ext>
+    </p:extLst>
+  </p:cSld>
+  <p:clrMapOvr>
+    <a:masterClrMapping/>
+  </p:clrMapOvr>
+</p:notes>
+</file>
+
+<file path=ppt/notesSlides/notesSlide5.xml><?xml version="1.0" encoding="utf-8"?>
+<p:notes xmlns:a="http://schemas.openxmlformats.org/drawingml/2006/main" xmlns:r="http://schemas.openxmlformats.org/officeDocument/2006/relationships" xmlns:p="http://schemas.openxmlformats.org/presentationml/2006/main">
+  <p:cSld>
+    <p:spTree>
+      <p:nvGrpSpPr>
+        <p:cNvPr id="1" name=""/>
+        <p:cNvGrpSpPr/>
+        <p:nvPr/>
+      </p:nvGrpSpPr>
+      <p:grpSpPr>
+        <a:xfrm>
+          <a:off x="0" y="0"/>
+          <a:ext cx="0" cy="0"/>
+          <a:chOff x="0" y="0"/>
+          <a:chExt cx="0" cy="0"/>
+        </a:xfrm>
+      </p:grpSpPr>
+      <p:sp>
+        <p:nvSpPr>
+          <p:cNvPr id="2" name="Slide Image Placeholder 1"/>
+          <p:cNvSpPr>
+            <a:spLocks noGrp="1" noRot="1" noChangeAspect="1"/>
+          </p:cNvSpPr>
+          <p:nvPr>
+            <p:ph type="sldImg"/>
+          </p:nvPr>
+        </p:nvSpPr>
+        <p:spPr/>
+      </p:sp>
+      <p:sp>
+        <p:nvSpPr>
+          <p:cNvPr id="3" name="Notes Placeholder 2"/>
+          <p:cNvSpPr>
+            <a:spLocks noGrp="1"/>
+          </p:cNvSpPr>
+          <p:nvPr>
+            <p:ph type="body" idx="1"/>
+          </p:nvPr>
+        </p:nvSpPr>
+        <p:spPr/>
+        <p:txBody>
+          <a:bodyPr/>
+          <a:lstStyle/>
+          <a:p>
+            <a:r>
+              <a:rPr lang="en-US" dirty="0"/>
+              <a:t>Add title to graph.  Positive negative influential words.  </a:t>
+            </a:r>
+          </a:p>
+        </p:txBody>
+      </p:sp>
+      <p:sp>
+        <p:nvSpPr>
+          <p:cNvPr id="4" name="Slide Number Placeholder 3"/>
+          <p:cNvSpPr>
+            <a:spLocks noGrp="1"/>
+          </p:cNvSpPr>
+          <p:nvPr>
+            <p:ph type="sldNum" sz="quarter" idx="5"/>
+          </p:nvPr>
+        </p:nvSpPr>
+        <p:spPr/>
+        <p:txBody>
+          <a:bodyPr/>
+          <a:lstStyle/>
+          <a:p>
+            <a:fld id="{E483A4C9-96E2-4AFF-81BA-7A96A3B9C789}" type="slidenum">
+              <a:rPr lang="en-US" smtClean="0"/>
+              <a:t>8</a:t>
+            </a:fld>
+            <a:endParaRPr lang="en-US"/>
+          </a:p>
+        </p:txBody>
+      </p:sp>
+    </p:spTree>
+    <p:extLst>
+      <p:ext uri="{BB962C8B-B14F-4D97-AF65-F5344CB8AC3E}">
+        <p14:creationId xmlns:p14="http://schemas.microsoft.com/office/powerpoint/2010/main" val="2034590174"/>
+      </p:ext>
+    </p:extLst>
+  </p:cSld>
+  <p:clrMapOvr>
+    <a:masterClrMapping/>
+  </p:clrMapOvr>
+</p:notes>
+</file>
+
 <file path=ppt/slideLayouts/slideLayout1.xml><?xml version="1.0" encoding="utf-8"?>
 <p:sldLayout xmlns:a="http://schemas.openxmlformats.org/drawingml/2006/main" xmlns:r="http://schemas.openxmlformats.org/officeDocument/2006/relationships" xmlns:p="http://schemas.openxmlformats.org/presentationml/2006/main" type="title" preserve="1">
   <p:cSld name="Title Slide">
@@ -3095,7 +3878,7 @@
           <a:p>
             <a:fld id="{D3B60628-DD6A-4A50-A6AA-90FBC363E0C5}" type="datetimeFigureOut">
               <a:rPr lang="en-US" smtClean="0"/>
-              <a:t>6/23/2021</a:t>
+              <a:t>6/30/2021</a:t>
             </a:fld>
             <a:endParaRPr lang="en-US"/>
           </a:p>
@@ -3293,7 +4076,7 @@
           <a:p>
             <a:fld id="{D3B60628-DD6A-4A50-A6AA-90FBC363E0C5}" type="datetimeFigureOut">
               <a:rPr lang="en-US" smtClean="0"/>
-              <a:t>6/23/2021</a:t>
+              <a:t>6/30/2021</a:t>
             </a:fld>
             <a:endParaRPr lang="en-US"/>
           </a:p>
@@ -3501,7 +4284,7 @@
           <a:p>
             <a:fld id="{D3B60628-DD6A-4A50-A6AA-90FBC363E0C5}" type="datetimeFigureOut">
               <a:rPr lang="en-US" smtClean="0"/>
-              <a:t>6/23/2021</a:t>
+              <a:t>6/30/2021</a:t>
             </a:fld>
             <a:endParaRPr lang="en-US"/>
           </a:p>
@@ -3699,7 +4482,7 @@
           <a:p>
             <a:fld id="{D3B60628-DD6A-4A50-A6AA-90FBC363E0C5}" type="datetimeFigureOut">
               <a:rPr lang="en-US" smtClean="0"/>
-              <a:t>6/23/2021</a:t>
+              <a:t>6/30/2021</a:t>
             </a:fld>
             <a:endParaRPr lang="en-US"/>
           </a:p>
@@ -3974,7 +4757,7 @@
           <a:p>
             <a:fld id="{D3B60628-DD6A-4A50-A6AA-90FBC363E0C5}" type="datetimeFigureOut">
               <a:rPr lang="en-US" smtClean="0"/>
-              <a:t>6/23/2021</a:t>
+              <a:t>6/30/2021</a:t>
             </a:fld>
             <a:endParaRPr lang="en-US"/>
           </a:p>
@@ -4239,7 +5022,7 @@
           <a:p>
             <a:fld id="{D3B60628-DD6A-4A50-A6AA-90FBC363E0C5}" type="datetimeFigureOut">
               <a:rPr lang="en-US" smtClean="0"/>
-              <a:t>6/23/2021</a:t>
+              <a:t>6/30/2021</a:t>
             </a:fld>
             <a:endParaRPr lang="en-US"/>
           </a:p>
@@ -4651,7 +5434,7 @@
           <a:p>
             <a:fld id="{D3B60628-DD6A-4A50-A6AA-90FBC363E0C5}" type="datetimeFigureOut">
               <a:rPr lang="en-US" smtClean="0"/>
-              <a:t>6/23/2021</a:t>
+              <a:t>6/30/2021</a:t>
             </a:fld>
             <a:endParaRPr lang="en-US"/>
           </a:p>
@@ -4792,7 +5575,7 @@
           <a:p>
             <a:fld id="{D3B60628-DD6A-4A50-A6AA-90FBC363E0C5}" type="datetimeFigureOut">
               <a:rPr lang="en-US" smtClean="0"/>
-              <a:t>6/23/2021</a:t>
+              <a:t>6/30/2021</a:t>
             </a:fld>
             <a:endParaRPr lang="en-US"/>
           </a:p>
@@ -4905,7 +5688,7 @@
           <a:p>
             <a:fld id="{D3B60628-DD6A-4A50-A6AA-90FBC363E0C5}" type="datetimeFigureOut">
               <a:rPr lang="en-US" smtClean="0"/>
-              <a:t>6/23/2021</a:t>
+              <a:t>6/30/2021</a:t>
             </a:fld>
             <a:endParaRPr lang="en-US"/>
           </a:p>
@@ -5216,7 +5999,7 @@
           <a:p>
             <a:fld id="{D3B60628-DD6A-4A50-A6AA-90FBC363E0C5}" type="datetimeFigureOut">
               <a:rPr lang="en-US" smtClean="0"/>
-              <a:t>6/23/2021</a:t>
+              <a:t>6/30/2021</a:t>
             </a:fld>
             <a:endParaRPr lang="en-US"/>
           </a:p>
@@ -5504,7 +6287,7 @@
           <a:p>
             <a:fld id="{D3B60628-DD6A-4A50-A6AA-90FBC363E0C5}" type="datetimeFigureOut">
               <a:rPr lang="en-US" smtClean="0"/>
-              <a:t>6/23/2021</a:t>
+              <a:t>6/30/2021</a:t>
             </a:fld>
             <a:endParaRPr lang="en-US"/>
           </a:p>
@@ -5745,7 +6528,7 @@
           <a:p>
             <a:fld id="{D3B60628-DD6A-4A50-A6AA-90FBC363E0C5}" type="datetimeFigureOut">
               <a:rPr lang="en-US" smtClean="0"/>
-              <a:t>6/23/2021</a:t>
+              <a:t>6/30/2021</a:t>
             </a:fld>
             <a:endParaRPr lang="en-US"/>
           </a:p>
@@ -6573,7 +7356,7 @@
           <p:nvPr/>
         </p:nvPicPr>
         <p:blipFill>
-          <a:blip r:embed="rId2">
+          <a:blip r:embed="rId3">
             <a:extLst>
               <a:ext uri="{28A0092B-C50C-407E-A947-70E740481C1C}">
                 <a14:useLocalDpi xmlns:a14="http://schemas.microsoft.com/office/drawing/2010/main" val="0"/>
@@ -6931,7 +7714,7 @@
           <p:cNvPr id="8" name="Rectangle 7">
             <a:extLst>
               <a:ext uri="{FF2B5EF4-FFF2-40B4-BE49-F238E27FC236}">
-                <a16:creationId xmlns:a16="http://schemas.microsoft.com/office/drawing/2014/main" id="{934F1179-B481-4F9E-BCA3-AFB972070F83}"/>
+                <a16:creationId xmlns:a16="http://schemas.microsoft.com/office/drawing/2014/main" id="{DBF61EA3-B236-439E-9C0B-340980D56BEE}"/>
               </a:ext>
               <a:ext uri="{C183D7F6-B498-43B3-948B-1728B52AA6E4}">
                 <adec:decorative xmlns:adec="http://schemas.microsoft.com/office/drawing/2017/decorative" val="1"/>
@@ -6952,7 +7735,7 @@
         <p:spPr>
           <a:xfrm>
             <a:off x="0" y="0"/>
-            <a:ext cx="12192000" cy="6858000"/>
+            <a:ext cx="12191999" cy="6857365"/>
           </a:xfrm>
           <a:prstGeom prst="rect">
             <a:avLst/>
@@ -6988,10 +7771,199 @@
       </p:sp>
       <p:sp>
         <p:nvSpPr>
-          <p:cNvPr id="10" name="Right Triangle 9">
+          <p:cNvPr id="2" name="Title 1">
             <a:extLst>
               <a:ext uri="{FF2B5EF4-FFF2-40B4-BE49-F238E27FC236}">
-                <a16:creationId xmlns:a16="http://schemas.microsoft.com/office/drawing/2014/main" id="{827DC2C4-B485-428A-BF4A-472D2967F47F}"/>
+                <a16:creationId xmlns:a16="http://schemas.microsoft.com/office/drawing/2014/main" id="{D2E5643F-5B77-47DE-81FC-29E7D1799848}"/>
+              </a:ext>
+            </a:extLst>
+          </p:cNvPr>
+          <p:cNvSpPr>
+            <a:spLocks noGrp="1"/>
+          </p:cNvSpPr>
+          <p:nvPr>
+            <p:ph type="title"/>
+          </p:nvPr>
+        </p:nvSpPr>
+        <p:spPr>
+          <a:xfrm>
+            <a:off x="808638" y="386930"/>
+            <a:ext cx="9236700" cy="1188950"/>
+          </a:xfrm>
+        </p:spPr>
+        <p:txBody>
+          <a:bodyPr anchor="b">
+            <a:normAutofit/>
+          </a:bodyPr>
+          <a:lstStyle/>
+          <a:p>
+            <a:r>
+              <a:rPr lang="en-US" sz="5400"/>
+              <a:t>Recommendations</a:t>
+            </a:r>
+          </a:p>
+        </p:txBody>
+      </p:sp>
+      <p:grpSp>
+        <p:nvGrpSpPr>
+          <p:cNvPr id="10" name="Group 9">
+            <a:extLst>
+              <a:ext uri="{FF2B5EF4-FFF2-40B4-BE49-F238E27FC236}">
+                <a16:creationId xmlns:a16="http://schemas.microsoft.com/office/drawing/2014/main" id="{28FAF094-D087-493F-8DF9-A486C2D6BBAA}"/>
+              </a:ext>
+              <a:ext uri="{C183D7F6-B498-43B3-948B-1728B52AA6E4}">
+                <adec:decorative xmlns:adec="http://schemas.microsoft.com/office/drawing/2017/decorative" val="1"/>
+              </a:ext>
+            </a:extLst>
+          </p:cNvPr>
+          <p:cNvGrpSpPr>
+            <a:grpSpLocks noGrp="1" noUngrp="1" noRot="1" noChangeAspect="1" noMove="1" noResize="1"/>
+          </p:cNvGrpSpPr>
+          <p:nvPr>
+            <p:extLst>
+              <p:ext uri="{386F3935-93C4-4BCD-93E2-E3B085C9AB24}">
+                <p16:designElem xmlns:p16="http://schemas.microsoft.com/office/powerpoint/2015/main" val="1"/>
+              </p:ext>
+            </p:extLst>
+          </p:nvPr>
+        </p:nvGrpSpPr>
+        <p:grpSpPr>
+          <a:xfrm>
+            <a:off x="-2" y="1998368"/>
+            <a:ext cx="11695083" cy="782176"/>
+            <a:chOff x="-2" y="1998368"/>
+            <a:chExt cx="11695083" cy="782176"/>
+          </a:xfrm>
+        </p:grpSpPr>
+        <p:sp>
+          <p:nvSpPr>
+            <p:cNvPr id="11" name="Rectangle 10">
+              <a:extLst>
+                <a:ext uri="{FF2B5EF4-FFF2-40B4-BE49-F238E27FC236}">
+                  <a16:creationId xmlns:a16="http://schemas.microsoft.com/office/drawing/2014/main" id="{8D7C88D8-5509-4514-925A-9CE148E5CBD6}"/>
+                </a:ext>
+                <a:ext uri="{C183D7F6-B498-43B3-948B-1728B52AA6E4}">
+                  <adec:decorative xmlns:adec="http://schemas.microsoft.com/office/drawing/2017/decorative" val="1"/>
+                </a:ext>
+              </a:extLst>
+            </p:cNvPr>
+            <p:cNvSpPr/>
+            <p:nvPr>
+              <p:extLst>
+                <p:ext uri="{386F3935-93C4-4BCD-93E2-E3B085C9AB24}">
+                  <p16:designElem xmlns:p16="http://schemas.microsoft.com/office/powerpoint/2015/main" val="1"/>
+                </p:ext>
+              </p:extLst>
+            </p:nvPr>
+          </p:nvSpPr>
+          <p:spPr>
+            <a:xfrm rot="5400000">
+              <a:off x="11228040" y="2313027"/>
+              <a:ext cx="781700" cy="152382"/>
+            </a:xfrm>
+            <a:prstGeom prst="rect">
+              <a:avLst/>
+            </a:prstGeom>
+            <a:solidFill>
+              <a:schemeClr val="accent4"/>
+            </a:solidFill>
+            <a:ln>
+              <a:noFill/>
+            </a:ln>
+          </p:spPr>
+          <p:style>
+            <a:lnRef idx="2">
+              <a:schemeClr val="accent1">
+                <a:shade val="50000"/>
+              </a:schemeClr>
+            </a:lnRef>
+            <a:fillRef idx="1">
+              <a:schemeClr val="accent1"/>
+            </a:fillRef>
+            <a:effectRef idx="0">
+              <a:schemeClr val="accent1"/>
+            </a:effectRef>
+            <a:fontRef idx="minor">
+              <a:schemeClr val="lt1"/>
+            </a:fontRef>
+          </p:style>
+          <p:txBody>
+            <a:bodyPr rtlCol="0" anchor="ctr"/>
+            <a:lstStyle/>
+            <a:p>
+              <a:pPr algn="ctr"/>
+              <a:endParaRPr lang="en-US"/>
+            </a:p>
+          </p:txBody>
+        </p:sp>
+        <p:sp>
+          <p:nvSpPr>
+            <p:cNvPr id="12" name="Rectangle 11">
+              <a:extLst>
+                <a:ext uri="{FF2B5EF4-FFF2-40B4-BE49-F238E27FC236}">
+                  <a16:creationId xmlns:a16="http://schemas.microsoft.com/office/drawing/2014/main" id="{7275593D-F75E-4426-AE3E-2CDEFD228D25}"/>
+                </a:ext>
+                <a:ext uri="{C183D7F6-B498-43B3-948B-1728B52AA6E4}">
+                  <adec:decorative xmlns:adec="http://schemas.microsoft.com/office/drawing/2017/decorative" val="1"/>
+                </a:ext>
+              </a:extLst>
+            </p:cNvPr>
+            <p:cNvSpPr/>
+            <p:nvPr>
+              <p:extLst>
+                <p:ext uri="{386F3935-93C4-4BCD-93E2-E3B085C9AB24}">
+                  <p16:designElem xmlns:p16="http://schemas.microsoft.com/office/powerpoint/2015/main" val="1"/>
+                </p:ext>
+              </p:extLst>
+            </p:nvPr>
+          </p:nvSpPr>
+          <p:spPr>
+            <a:xfrm flipH="1" flipV="1">
+              <a:off x="-2" y="1998845"/>
+              <a:ext cx="11454595" cy="781699"/>
+            </a:xfrm>
+            <a:prstGeom prst="rect">
+              <a:avLst/>
+            </a:prstGeom>
+            <a:solidFill>
+              <a:schemeClr val="accent4"/>
+            </a:solidFill>
+            <a:ln>
+              <a:noFill/>
+            </a:ln>
+          </p:spPr>
+          <p:style>
+            <a:lnRef idx="2">
+              <a:schemeClr val="accent1">
+                <a:shade val="50000"/>
+              </a:schemeClr>
+            </a:lnRef>
+            <a:fillRef idx="1">
+              <a:schemeClr val="accent1"/>
+            </a:fillRef>
+            <a:effectRef idx="0">
+              <a:schemeClr val="accent1"/>
+            </a:effectRef>
+            <a:fontRef idx="minor">
+              <a:schemeClr val="lt1"/>
+            </a:fontRef>
+          </p:style>
+          <p:txBody>
+            <a:bodyPr rtlCol="0" anchor="ctr"/>
+            <a:lstStyle/>
+            <a:p>
+              <a:pPr algn="ctr"/>
+              <a:endParaRPr lang="en-US"/>
+            </a:p>
+          </p:txBody>
+        </p:sp>
+      </p:grpSp>
+      <p:sp>
+        <p:nvSpPr>
+          <p:cNvPr id="14" name="Rectangle 13">
+            <a:extLst>
+              <a:ext uri="{FF2B5EF4-FFF2-40B4-BE49-F238E27FC236}">
+                <a16:creationId xmlns:a16="http://schemas.microsoft.com/office/drawing/2014/main" id="{E659831F-0D9A-4C63-9EBB-8435B85A440F}"/>
               </a:ext>
               <a:ext uri="{C183D7F6-B498-43B3-948B-1728B52AA6E4}">
                 <adec:decorative xmlns:adec="http://schemas.microsoft.com/office/drawing/2017/decorative" val="1"/>
@@ -7010,19 +7982,26 @@
           </p:nvPr>
         </p:nvSpPr>
         <p:spPr>
-          <a:xfrm flipH="1">
-            <a:off x="8576720" y="3335867"/>
-            <a:ext cx="3291840" cy="3200400"/>
+          <a:xfrm>
+            <a:off x="0" y="2203079"/>
+            <a:ext cx="11383362" cy="4147845"/>
           </a:xfrm>
-          <a:prstGeom prst="rtTriangle">
+          <a:prstGeom prst="rect">
             <a:avLst/>
           </a:prstGeom>
           <a:solidFill>
-            <a:schemeClr val="accent4"/>
+            <a:schemeClr val="bg1"/>
           </a:solidFill>
           <a:ln>
             <a:noFill/>
           </a:ln>
+          <a:effectLst>
+            <a:outerShdw blurRad="139700" dist="127000" dir="5400000" algn="t" rotWithShape="0">
+              <a:prstClr val="black">
+                <a:alpha val="15000"/>
+              </a:prstClr>
+            </a:outerShdw>
+          </a:effectLst>
         </p:spPr>
         <p:style>
           <a:lnRef idx="2">
@@ -7045,115 +8024,7 @@
           <a:lstStyle/>
           <a:p>
             <a:pPr algn="ctr"/>
-            <a:endParaRPr lang="en-US" dirty="0"/>
-          </a:p>
-        </p:txBody>
-      </p:sp>
-      <p:sp>
-        <p:nvSpPr>
-          <p:cNvPr id="12" name="Rectangle 11">
-            <a:extLst>
-              <a:ext uri="{FF2B5EF4-FFF2-40B4-BE49-F238E27FC236}">
-                <a16:creationId xmlns:a16="http://schemas.microsoft.com/office/drawing/2014/main" id="{EE04B5EB-F158-4507-90DD-BD23620C7CC9}"/>
-              </a:ext>
-              <a:ext uri="{C183D7F6-B498-43B3-948B-1728B52AA6E4}">
-                <adec:decorative xmlns:adec="http://schemas.microsoft.com/office/drawing/2017/decorative" val="1"/>
-              </a:ext>
-            </a:extLst>
-          </p:cNvPr>
-          <p:cNvSpPr>
-            <a:spLocks noGrp="1" noRot="1" noChangeAspect="1" noMove="1" noResize="1" noEditPoints="1" noAdjustHandles="1" noChangeArrowheads="1" noChangeShapeType="1" noTextEdit="1"/>
-          </p:cNvSpPr>
-          <p:nvPr>
-            <p:extLst>
-              <p:ext uri="{386F3935-93C4-4BCD-93E2-E3B085C9AB24}">
-                <p16:designElem xmlns:p16="http://schemas.microsoft.com/office/powerpoint/2015/main" val="1"/>
-              </p:ext>
-            </p:extLst>
-          </p:nvPr>
-        </p:nvSpPr>
-        <p:spPr>
-          <a:xfrm>
-            <a:off x="641774" y="623275"/>
-            <a:ext cx="10905053" cy="5607882"/>
-          </a:xfrm>
-          <a:prstGeom prst="rect">
-            <a:avLst/>
-          </a:prstGeom>
-          <a:noFill/>
-          <a:ln w="19050">
-            <a:solidFill>
-              <a:schemeClr val="tx1">
-                <a:lumMod val="75000"/>
-                <a:lumOff val="25000"/>
-              </a:schemeClr>
-            </a:solidFill>
-          </a:ln>
-        </p:spPr>
-        <p:style>
-          <a:lnRef idx="2">
-            <a:schemeClr val="accent1">
-              <a:shade val="50000"/>
-            </a:schemeClr>
-          </a:lnRef>
-          <a:fillRef idx="1">
-            <a:schemeClr val="accent1"/>
-          </a:fillRef>
-          <a:effectRef idx="0">
-            <a:schemeClr val="accent1"/>
-          </a:effectRef>
-          <a:fontRef idx="minor">
-            <a:schemeClr val="lt1"/>
-          </a:fontRef>
-        </p:style>
-        <p:txBody>
-          <a:bodyPr rtlCol="0" anchor="ctr"/>
-          <a:lstStyle/>
-          <a:p>
-            <a:pPr algn="ctr"/>
             <a:endParaRPr lang="en-US"/>
-          </a:p>
-        </p:txBody>
-      </p:sp>
-      <p:sp>
-        <p:nvSpPr>
-          <p:cNvPr id="2" name="Title 1">
-            <a:extLst>
-              <a:ext uri="{FF2B5EF4-FFF2-40B4-BE49-F238E27FC236}">
-                <a16:creationId xmlns:a16="http://schemas.microsoft.com/office/drawing/2014/main" id="{B65CA899-DA00-4585-B673-51508B8D9EA8}"/>
-              </a:ext>
-            </a:extLst>
-          </p:cNvPr>
-          <p:cNvSpPr>
-            <a:spLocks noGrp="1"/>
-          </p:cNvSpPr>
-          <p:nvPr>
-            <p:ph type="title"/>
-          </p:nvPr>
-        </p:nvSpPr>
-        <p:spPr>
-          <a:xfrm>
-            <a:off x="1285241" y="1008993"/>
-            <a:ext cx="9231410" cy="3542045"/>
-          </a:xfrm>
-        </p:spPr>
-        <p:txBody>
-          <a:bodyPr vert="horz" lIns="91440" tIns="45720" rIns="91440" bIns="45720" rtlCol="0" anchor="b">
-            <a:normAutofit/>
-          </a:bodyPr>
-          <a:lstStyle/>
-          <a:p>
-            <a:r>
-              <a:rPr lang="en-US" sz="11500" kern="1200" dirty="0">
-                <a:solidFill>
-                  <a:schemeClr val="tx1"/>
-                </a:solidFill>
-                <a:latin typeface="+mj-lt"/>
-                <a:ea typeface="+mj-ea"/>
-                <a:cs typeface="+mj-cs"/>
-              </a:rPr>
-              <a:t>Thanks for your time!</a:t>
-            </a:r>
           </a:p>
         </p:txBody>
       </p:sp>
@@ -7162,7 +8033,7 @@
           <p:cNvPr id="3" name="Content Placeholder 2">
             <a:extLst>
               <a:ext uri="{FF2B5EF4-FFF2-40B4-BE49-F238E27FC236}">
-                <a16:creationId xmlns:a16="http://schemas.microsoft.com/office/drawing/2014/main" id="{76B72B81-4445-49C9-8561-866035739FA5}"/>
+                <a16:creationId xmlns:a16="http://schemas.microsoft.com/office/drawing/2014/main" id="{24484FFC-69F5-4B16-B91A-9F8EDD88B82B}"/>
               </a:ext>
             </a:extLst>
           </p:cNvPr>
@@ -7175,29 +8046,37 @@
         </p:nvSpPr>
         <p:spPr>
           <a:xfrm>
-            <a:off x="1285241" y="4582814"/>
-            <a:ext cx="7132335" cy="1312657"/>
+            <a:off x="793660" y="2599509"/>
+            <a:ext cx="10143668" cy="3435531"/>
           </a:xfrm>
         </p:spPr>
         <p:txBody>
-          <a:bodyPr vert="horz" lIns="91440" tIns="45720" rIns="91440" bIns="45720" rtlCol="0" anchor="t">
+          <a:bodyPr anchor="ctr">
             <a:normAutofit/>
           </a:bodyPr>
           <a:lstStyle/>
           <a:p>
-            <a:pPr marL="0" indent="0">
-              <a:buNone/>
-            </a:pPr>
             <a:r>
-              <a:rPr lang="en-US" sz="2400" kern="1200" dirty="0">
-                <a:solidFill>
-                  <a:schemeClr val="tx1"/>
-                </a:solidFill>
-                <a:latin typeface="+mn-lt"/>
-                <a:ea typeface="+mn-ea"/>
-                <a:cs typeface="+mn-cs"/>
-              </a:rPr>
-              <a:t>Please feel free to ask any questions.</a:t>
+              <a:rPr lang="en-US" sz="2400"/>
+              <a:t>Use ‘positive’ and ‘negative’ sentiment model to calculate new score for all movies in database</a:t>
+            </a:r>
+          </a:p>
+          <a:p>
+            <a:r>
+              <a:rPr lang="en-US" sz="2400"/>
+              <a:t>Compile a new list of top 250 movies</a:t>
+            </a:r>
+          </a:p>
+          <a:p>
+            <a:r>
+              <a:rPr lang="en-US" sz="2400"/>
+              <a:t>Compare user scored top 250 with top 250 as calculated by sentiment analysis</a:t>
+            </a:r>
+          </a:p>
+          <a:p>
+            <a:r>
+              <a:rPr lang="en-US" sz="2400"/>
+              <a:t>Depending on results, release to public</a:t>
             </a:r>
           </a:p>
         </p:txBody>
@@ -7205,7 +8084,7 @@
     </p:spTree>
     <p:extLst>
       <p:ext uri="{BB962C8B-B14F-4D97-AF65-F5344CB8AC3E}">
-        <p14:creationId xmlns:p14="http://schemas.microsoft.com/office/powerpoint/2010/main" val="3942140497"/>
+        <p14:creationId xmlns:p14="http://schemas.microsoft.com/office/powerpoint/2010/main" val="3395450070"/>
       </p:ext>
     </p:extLst>
   </p:cSld>
@@ -7215,7 +8094,7 @@
 </p:sld>
 </file>
 
-<file path=ppt/slides/slide2.xml><?xml version="1.0" encoding="utf-8"?>
+<file path=ppt/slides/slide11.xml><?xml version="1.0" encoding="utf-8"?>
 <p:sld xmlns:a="http://schemas.openxmlformats.org/drawingml/2006/main" xmlns:r="http://schemas.openxmlformats.org/officeDocument/2006/relationships" xmlns:p="http://schemas.openxmlformats.org/presentationml/2006/main">
   <p:cSld>
     <p:bg>
@@ -7245,7 +8124,7 @@
           <p:cNvPr id="2" name="Title 1">
             <a:extLst>
               <a:ext uri="{FF2B5EF4-FFF2-40B4-BE49-F238E27FC236}">
-                <a16:creationId xmlns:a16="http://schemas.microsoft.com/office/drawing/2014/main" id="{AA4CB2FE-8E9F-4E0E-A308-44D40F7CEF2A}"/>
+                <a16:creationId xmlns:a16="http://schemas.microsoft.com/office/drawing/2014/main" id="{D2E5643F-5B77-47DE-81FC-29E7D1799848}"/>
               </a:ext>
             </a:extLst>
           </p:cNvPr>
@@ -7270,7 +8149,7 @@
           <a:p>
             <a:r>
               <a:rPr lang="en-US" dirty="0"/>
-              <a:t>Goals</a:t>
+              <a:t>Next Steps</a:t>
             </a:r>
           </a:p>
         </p:txBody>
@@ -7750,6 +8629,958 @@
           <p:cNvPr id="3" name="Content Placeholder 2">
             <a:extLst>
               <a:ext uri="{FF2B5EF4-FFF2-40B4-BE49-F238E27FC236}">
+                <a16:creationId xmlns:a16="http://schemas.microsoft.com/office/drawing/2014/main" id="{24484FFC-69F5-4B16-B91A-9F8EDD88B82B}"/>
+              </a:ext>
+            </a:extLst>
+          </p:cNvPr>
+          <p:cNvSpPr>
+            <a:spLocks noGrp="1"/>
+          </p:cNvSpPr>
+          <p:nvPr>
+            <p:ph idx="1"/>
+          </p:nvPr>
+        </p:nvSpPr>
+        <p:spPr>
+          <a:xfrm>
+            <a:off x="1653363" y="2176272"/>
+            <a:ext cx="9367204" cy="4041648"/>
+          </a:xfrm>
+        </p:spPr>
+        <p:txBody>
+          <a:bodyPr anchor="t">
+            <a:normAutofit/>
+          </a:bodyPr>
+          <a:lstStyle/>
+          <a:p>
+            <a:r>
+              <a:rPr lang="en-US" sz="2000" dirty="0"/>
+              <a:t>Experiment with different tokenizers, stop word lists, stemming, and lemmatization</a:t>
+            </a:r>
+          </a:p>
+          <a:p>
+            <a:r>
+              <a:rPr lang="en-US" sz="2000" dirty="0"/>
+              <a:t>Reviews were added to dataset based on “highly polar” nature, quantify or qualify what this means</a:t>
+            </a:r>
+          </a:p>
+          <a:p>
+            <a:r>
+              <a:rPr lang="en-US" sz="2000" dirty="0"/>
+              <a:t>Compile new dataset with buckets for multiclassification</a:t>
+            </a:r>
+          </a:p>
+          <a:p>
+            <a:pPr lvl="1"/>
+            <a:r>
+              <a:rPr lang="en-US" sz="2000" dirty="0"/>
+              <a:t>Score of 1-3 / 10 = Negative</a:t>
+            </a:r>
+          </a:p>
+          <a:p>
+            <a:pPr lvl="1"/>
+            <a:r>
+              <a:rPr lang="en-US" sz="2000" dirty="0"/>
+              <a:t>Score of 4-6 / 10 = Neutral</a:t>
+            </a:r>
+          </a:p>
+          <a:p>
+            <a:pPr lvl="1"/>
+            <a:r>
+              <a:rPr lang="en-US" sz="2000" dirty="0"/>
+              <a:t>Score of  7-10 / 10 = Positive</a:t>
+            </a:r>
+          </a:p>
+          <a:p>
+            <a:r>
+              <a:rPr lang="en-US" sz="2000" dirty="0"/>
+              <a:t>Explore alternative machine learning models</a:t>
+            </a:r>
+          </a:p>
+          <a:p>
+            <a:pPr lvl="1"/>
+            <a:r>
+              <a:rPr lang="en-US" sz="2000" dirty="0"/>
+              <a:t>Support vector machines</a:t>
+            </a:r>
+          </a:p>
+          <a:p>
+            <a:pPr lvl="1"/>
+            <a:r>
+              <a:rPr lang="en-US" sz="2000" dirty="0"/>
+              <a:t>K nearest neighbors</a:t>
+            </a:r>
+          </a:p>
+          <a:p>
+            <a:pPr lvl="1"/>
+            <a:r>
+              <a:rPr lang="en-US" sz="2000" dirty="0"/>
+              <a:t>Deep learning / neural network models</a:t>
+            </a:r>
+          </a:p>
+        </p:txBody>
+      </p:sp>
+    </p:spTree>
+    <p:extLst>
+      <p:ext uri="{BB962C8B-B14F-4D97-AF65-F5344CB8AC3E}">
+        <p14:creationId xmlns:p14="http://schemas.microsoft.com/office/powerpoint/2010/main" val="1265478933"/>
+      </p:ext>
+    </p:extLst>
+  </p:cSld>
+  <p:clrMapOvr>
+    <a:masterClrMapping/>
+  </p:clrMapOvr>
+</p:sld>
+</file>
+
+<file path=ppt/slides/slide12.xml><?xml version="1.0" encoding="utf-8"?>
+<p:sld xmlns:a="http://schemas.openxmlformats.org/drawingml/2006/main" xmlns:r="http://schemas.openxmlformats.org/officeDocument/2006/relationships" xmlns:p="http://schemas.openxmlformats.org/presentationml/2006/main">
+  <p:cSld>
+    <p:bg>
+      <p:bgPr>
+        <a:solidFill>
+          <a:schemeClr val="bg1"/>
+        </a:solidFill>
+        <a:effectLst/>
+      </p:bgPr>
+    </p:bg>
+    <p:spTree>
+      <p:nvGrpSpPr>
+        <p:cNvPr id="1" name=""/>
+        <p:cNvGrpSpPr/>
+        <p:nvPr/>
+      </p:nvGrpSpPr>
+      <p:grpSpPr>
+        <a:xfrm>
+          <a:off x="0" y="0"/>
+          <a:ext cx="0" cy="0"/>
+          <a:chOff x="0" y="0"/>
+          <a:chExt cx="0" cy="0"/>
+        </a:xfrm>
+      </p:grpSpPr>
+      <p:sp useBgFill="1">
+        <p:nvSpPr>
+          <p:cNvPr id="8" name="Rectangle 7">
+            <a:extLst>
+              <a:ext uri="{FF2B5EF4-FFF2-40B4-BE49-F238E27FC236}">
+                <a16:creationId xmlns:a16="http://schemas.microsoft.com/office/drawing/2014/main" id="{934F1179-B481-4F9E-BCA3-AFB972070F83}"/>
+              </a:ext>
+              <a:ext uri="{C183D7F6-B498-43B3-948B-1728B52AA6E4}">
+                <adec:decorative xmlns:adec="http://schemas.microsoft.com/office/drawing/2017/decorative" val="1"/>
+              </a:ext>
+            </a:extLst>
+          </p:cNvPr>
+          <p:cNvSpPr>
+            <a:spLocks noGrp="1" noRot="1" noChangeAspect="1" noMove="1" noResize="1" noEditPoints="1" noAdjustHandles="1" noChangeArrowheads="1" noChangeShapeType="1" noTextEdit="1"/>
+          </p:cNvSpPr>
+          <p:nvPr>
+            <p:extLst>
+              <p:ext uri="{386F3935-93C4-4BCD-93E2-E3B085C9AB24}">
+                <p16:designElem xmlns:p16="http://schemas.microsoft.com/office/powerpoint/2015/main" val="1"/>
+              </p:ext>
+            </p:extLst>
+          </p:nvPr>
+        </p:nvSpPr>
+        <p:spPr>
+          <a:xfrm>
+            <a:off x="0" y="0"/>
+            <a:ext cx="12192000" cy="6858000"/>
+          </a:xfrm>
+          <a:prstGeom prst="rect">
+            <a:avLst/>
+          </a:prstGeom>
+          <a:ln>
+            <a:noFill/>
+          </a:ln>
+        </p:spPr>
+        <p:style>
+          <a:lnRef idx="2">
+            <a:schemeClr val="accent1">
+              <a:shade val="50000"/>
+            </a:schemeClr>
+          </a:lnRef>
+          <a:fillRef idx="1">
+            <a:schemeClr val="accent1"/>
+          </a:fillRef>
+          <a:effectRef idx="0">
+            <a:schemeClr val="accent1"/>
+          </a:effectRef>
+          <a:fontRef idx="minor">
+            <a:schemeClr val="lt1"/>
+          </a:fontRef>
+        </p:style>
+        <p:txBody>
+          <a:bodyPr rtlCol="0" anchor="ctr"/>
+          <a:lstStyle/>
+          <a:p>
+            <a:pPr algn="ctr"/>
+            <a:endParaRPr lang="en-US"/>
+          </a:p>
+        </p:txBody>
+      </p:sp>
+      <p:sp>
+        <p:nvSpPr>
+          <p:cNvPr id="10" name="Right Triangle 9">
+            <a:extLst>
+              <a:ext uri="{FF2B5EF4-FFF2-40B4-BE49-F238E27FC236}">
+                <a16:creationId xmlns:a16="http://schemas.microsoft.com/office/drawing/2014/main" id="{827DC2C4-B485-428A-BF4A-472D2967F47F}"/>
+              </a:ext>
+              <a:ext uri="{C183D7F6-B498-43B3-948B-1728B52AA6E4}">
+                <adec:decorative xmlns:adec="http://schemas.microsoft.com/office/drawing/2017/decorative" val="1"/>
+              </a:ext>
+            </a:extLst>
+          </p:cNvPr>
+          <p:cNvSpPr>
+            <a:spLocks noGrp="1" noRot="1" noChangeAspect="1" noMove="1" noResize="1" noEditPoints="1" noAdjustHandles="1" noChangeArrowheads="1" noChangeShapeType="1" noTextEdit="1"/>
+          </p:cNvSpPr>
+          <p:nvPr>
+            <p:extLst>
+              <p:ext uri="{386F3935-93C4-4BCD-93E2-E3B085C9AB24}">
+                <p16:designElem xmlns:p16="http://schemas.microsoft.com/office/powerpoint/2015/main" val="1"/>
+              </p:ext>
+            </p:extLst>
+          </p:nvPr>
+        </p:nvSpPr>
+        <p:spPr>
+          <a:xfrm flipH="1">
+            <a:off x="8576720" y="3335867"/>
+            <a:ext cx="3291840" cy="3200400"/>
+          </a:xfrm>
+          <a:prstGeom prst="rtTriangle">
+            <a:avLst/>
+          </a:prstGeom>
+          <a:solidFill>
+            <a:schemeClr val="accent4"/>
+          </a:solidFill>
+          <a:ln>
+            <a:noFill/>
+          </a:ln>
+        </p:spPr>
+        <p:style>
+          <a:lnRef idx="2">
+            <a:schemeClr val="accent1">
+              <a:shade val="50000"/>
+            </a:schemeClr>
+          </a:lnRef>
+          <a:fillRef idx="1">
+            <a:schemeClr val="accent1"/>
+          </a:fillRef>
+          <a:effectRef idx="0">
+            <a:schemeClr val="accent1"/>
+          </a:effectRef>
+          <a:fontRef idx="minor">
+            <a:schemeClr val="lt1"/>
+          </a:fontRef>
+        </p:style>
+        <p:txBody>
+          <a:bodyPr rtlCol="0" anchor="ctr"/>
+          <a:lstStyle/>
+          <a:p>
+            <a:pPr algn="ctr"/>
+            <a:endParaRPr lang="en-US" dirty="0"/>
+          </a:p>
+        </p:txBody>
+      </p:sp>
+      <p:sp>
+        <p:nvSpPr>
+          <p:cNvPr id="12" name="Rectangle 11">
+            <a:extLst>
+              <a:ext uri="{FF2B5EF4-FFF2-40B4-BE49-F238E27FC236}">
+                <a16:creationId xmlns:a16="http://schemas.microsoft.com/office/drawing/2014/main" id="{EE04B5EB-F158-4507-90DD-BD23620C7CC9}"/>
+              </a:ext>
+              <a:ext uri="{C183D7F6-B498-43B3-948B-1728B52AA6E4}">
+                <adec:decorative xmlns:adec="http://schemas.microsoft.com/office/drawing/2017/decorative" val="1"/>
+              </a:ext>
+            </a:extLst>
+          </p:cNvPr>
+          <p:cNvSpPr>
+            <a:spLocks noGrp="1" noRot="1" noChangeAspect="1" noMove="1" noResize="1" noEditPoints="1" noAdjustHandles="1" noChangeArrowheads="1" noChangeShapeType="1" noTextEdit="1"/>
+          </p:cNvSpPr>
+          <p:nvPr>
+            <p:extLst>
+              <p:ext uri="{386F3935-93C4-4BCD-93E2-E3B085C9AB24}">
+                <p16:designElem xmlns:p16="http://schemas.microsoft.com/office/powerpoint/2015/main" val="1"/>
+              </p:ext>
+            </p:extLst>
+          </p:nvPr>
+        </p:nvSpPr>
+        <p:spPr>
+          <a:xfrm>
+            <a:off x="641774" y="623275"/>
+            <a:ext cx="10905053" cy="5607882"/>
+          </a:xfrm>
+          <a:prstGeom prst="rect">
+            <a:avLst/>
+          </a:prstGeom>
+          <a:noFill/>
+          <a:ln w="19050">
+            <a:solidFill>
+              <a:schemeClr val="tx1">
+                <a:lumMod val="75000"/>
+                <a:lumOff val="25000"/>
+              </a:schemeClr>
+            </a:solidFill>
+          </a:ln>
+        </p:spPr>
+        <p:style>
+          <a:lnRef idx="2">
+            <a:schemeClr val="accent1">
+              <a:shade val="50000"/>
+            </a:schemeClr>
+          </a:lnRef>
+          <a:fillRef idx="1">
+            <a:schemeClr val="accent1"/>
+          </a:fillRef>
+          <a:effectRef idx="0">
+            <a:schemeClr val="accent1"/>
+          </a:effectRef>
+          <a:fontRef idx="minor">
+            <a:schemeClr val="lt1"/>
+          </a:fontRef>
+        </p:style>
+        <p:txBody>
+          <a:bodyPr rtlCol="0" anchor="ctr"/>
+          <a:lstStyle/>
+          <a:p>
+            <a:pPr algn="ctr"/>
+            <a:endParaRPr lang="en-US"/>
+          </a:p>
+        </p:txBody>
+      </p:sp>
+      <p:sp>
+        <p:nvSpPr>
+          <p:cNvPr id="2" name="Title 1">
+            <a:extLst>
+              <a:ext uri="{FF2B5EF4-FFF2-40B4-BE49-F238E27FC236}">
+                <a16:creationId xmlns:a16="http://schemas.microsoft.com/office/drawing/2014/main" id="{B65CA899-DA00-4585-B673-51508B8D9EA8}"/>
+              </a:ext>
+            </a:extLst>
+          </p:cNvPr>
+          <p:cNvSpPr>
+            <a:spLocks noGrp="1"/>
+          </p:cNvSpPr>
+          <p:nvPr>
+            <p:ph type="title"/>
+          </p:nvPr>
+        </p:nvSpPr>
+        <p:spPr>
+          <a:xfrm>
+            <a:off x="1285241" y="1008993"/>
+            <a:ext cx="9231410" cy="3542045"/>
+          </a:xfrm>
+        </p:spPr>
+        <p:txBody>
+          <a:bodyPr vert="horz" lIns="91440" tIns="45720" rIns="91440" bIns="45720" rtlCol="0" anchor="b">
+            <a:normAutofit/>
+          </a:bodyPr>
+          <a:lstStyle/>
+          <a:p>
+            <a:r>
+              <a:rPr lang="en-US" sz="11500" kern="1200" dirty="0">
+                <a:solidFill>
+                  <a:schemeClr val="tx1"/>
+                </a:solidFill>
+                <a:latin typeface="+mj-lt"/>
+                <a:ea typeface="+mj-ea"/>
+                <a:cs typeface="+mj-cs"/>
+              </a:rPr>
+              <a:t>Thanks for your time!</a:t>
+            </a:r>
+          </a:p>
+        </p:txBody>
+      </p:sp>
+      <p:sp>
+        <p:nvSpPr>
+          <p:cNvPr id="3" name="Content Placeholder 2">
+            <a:extLst>
+              <a:ext uri="{FF2B5EF4-FFF2-40B4-BE49-F238E27FC236}">
+                <a16:creationId xmlns:a16="http://schemas.microsoft.com/office/drawing/2014/main" id="{76B72B81-4445-49C9-8561-866035739FA5}"/>
+              </a:ext>
+            </a:extLst>
+          </p:cNvPr>
+          <p:cNvSpPr>
+            <a:spLocks noGrp="1"/>
+          </p:cNvSpPr>
+          <p:nvPr>
+            <p:ph idx="1"/>
+          </p:nvPr>
+        </p:nvSpPr>
+        <p:spPr>
+          <a:xfrm>
+            <a:off x="1285241" y="4582814"/>
+            <a:ext cx="7132335" cy="1312657"/>
+          </a:xfrm>
+        </p:spPr>
+        <p:txBody>
+          <a:bodyPr vert="horz" lIns="91440" tIns="45720" rIns="91440" bIns="45720" rtlCol="0" anchor="t">
+            <a:normAutofit/>
+          </a:bodyPr>
+          <a:lstStyle/>
+          <a:p>
+            <a:pPr marL="0" indent="0">
+              <a:buNone/>
+            </a:pPr>
+            <a:r>
+              <a:rPr lang="en-US" sz="2400" kern="1200" dirty="0">
+                <a:solidFill>
+                  <a:schemeClr val="tx1"/>
+                </a:solidFill>
+                <a:latin typeface="+mn-lt"/>
+                <a:ea typeface="+mn-ea"/>
+                <a:cs typeface="+mn-cs"/>
+              </a:rPr>
+              <a:t>Please feel free to ask any questions.</a:t>
+            </a:r>
+          </a:p>
+        </p:txBody>
+      </p:sp>
+    </p:spTree>
+    <p:extLst>
+      <p:ext uri="{BB962C8B-B14F-4D97-AF65-F5344CB8AC3E}">
+        <p14:creationId xmlns:p14="http://schemas.microsoft.com/office/powerpoint/2010/main" val="3942140497"/>
+      </p:ext>
+    </p:extLst>
+  </p:cSld>
+  <p:clrMapOvr>
+    <a:masterClrMapping/>
+  </p:clrMapOvr>
+</p:sld>
+</file>
+
+<file path=ppt/slides/slide2.xml><?xml version="1.0" encoding="utf-8"?>
+<p:sld xmlns:a="http://schemas.openxmlformats.org/drawingml/2006/main" xmlns:r="http://schemas.openxmlformats.org/officeDocument/2006/relationships" xmlns:p="http://schemas.openxmlformats.org/presentationml/2006/main">
+  <p:cSld>
+    <p:bg>
+      <p:bgPr>
+        <a:solidFill>
+          <a:schemeClr val="bg1"/>
+        </a:solidFill>
+        <a:effectLst/>
+      </p:bgPr>
+    </p:bg>
+    <p:spTree>
+      <p:nvGrpSpPr>
+        <p:cNvPr id="1" name=""/>
+        <p:cNvGrpSpPr/>
+        <p:nvPr/>
+      </p:nvGrpSpPr>
+      <p:grpSpPr>
+        <a:xfrm>
+          <a:off x="0" y="0"/>
+          <a:ext cx="0" cy="0"/>
+          <a:chOff x="0" y="0"/>
+          <a:chExt cx="0" cy="0"/>
+        </a:xfrm>
+      </p:grpSpPr>
+      <p:sp>
+        <p:nvSpPr>
+          <p:cNvPr id="2" name="Title 1">
+            <a:extLst>
+              <a:ext uri="{FF2B5EF4-FFF2-40B4-BE49-F238E27FC236}">
+                <a16:creationId xmlns:a16="http://schemas.microsoft.com/office/drawing/2014/main" id="{AA4CB2FE-8E9F-4E0E-A308-44D40F7CEF2A}"/>
+              </a:ext>
+            </a:extLst>
+          </p:cNvPr>
+          <p:cNvSpPr>
+            <a:spLocks noGrp="1"/>
+          </p:cNvSpPr>
+          <p:nvPr>
+            <p:ph type="title"/>
+          </p:nvPr>
+        </p:nvSpPr>
+        <p:spPr>
+          <a:xfrm>
+            <a:off x="1653363" y="365760"/>
+            <a:ext cx="9367203" cy="1188720"/>
+          </a:xfrm>
+        </p:spPr>
+        <p:txBody>
+          <a:bodyPr>
+            <a:normAutofit/>
+          </a:bodyPr>
+          <a:lstStyle/>
+          <a:p>
+            <a:r>
+              <a:rPr lang="en-US" dirty="0"/>
+              <a:t>Goals</a:t>
+            </a:r>
+          </a:p>
+        </p:txBody>
+      </p:sp>
+      <p:sp>
+        <p:nvSpPr>
+          <p:cNvPr id="8" name="Freeform: Shape 7">
+            <a:extLst>
+              <a:ext uri="{FF2B5EF4-FFF2-40B4-BE49-F238E27FC236}">
+                <a16:creationId xmlns:a16="http://schemas.microsoft.com/office/drawing/2014/main" id="{7CB4857B-ED7C-444D-9F04-2F885114A1C2}"/>
+              </a:ext>
+              <a:ext uri="{C183D7F6-B498-43B3-948B-1728B52AA6E4}">
+                <adec:decorative xmlns:adec="http://schemas.microsoft.com/office/drawing/2017/decorative" val="1"/>
+              </a:ext>
+            </a:extLst>
+          </p:cNvPr>
+          <p:cNvSpPr>
+            <a:spLocks noGrp="1" noRot="1" noChangeAspect="1" noMove="1" noResize="1" noEditPoints="1" noAdjustHandles="1" noChangeArrowheads="1" noChangeShapeType="1" noTextEdit="1"/>
+          </p:cNvSpPr>
+          <p:nvPr>
+            <p:extLst>
+              <p:ext uri="{386F3935-93C4-4BCD-93E2-E3B085C9AB24}">
+                <p16:designElem xmlns:p16="http://schemas.microsoft.com/office/powerpoint/2015/main" val="1"/>
+              </p:ext>
+            </p:extLst>
+          </p:nvPr>
+        </p:nvSpPr>
+        <p:spPr>
+          <a:xfrm>
+            <a:off x="1" y="0"/>
+            <a:ext cx="1764099" cy="1558212"/>
+          </a:xfrm>
+          <a:custGeom>
+            <a:avLst/>
+            <a:gdLst>
+              <a:gd name="connsiteX0" fmla="*/ 0 w 1764099"/>
+              <a:gd name="connsiteY0" fmla="*/ 0 h 1558212"/>
+              <a:gd name="connsiteX1" fmla="*/ 1764099 w 1764099"/>
+              <a:gd name="connsiteY1" fmla="*/ 0 h 1558212"/>
+              <a:gd name="connsiteX2" fmla="*/ 1042087 w 1764099"/>
+              <a:gd name="connsiteY2" fmla="*/ 1558212 h 1558212"/>
+              <a:gd name="connsiteX3" fmla="*/ 0 w 1764099"/>
+              <a:gd name="connsiteY3" fmla="*/ 1558212 h 1558212"/>
+            </a:gdLst>
+            <a:ahLst/>
+            <a:cxnLst>
+              <a:cxn ang="0">
+                <a:pos x="connsiteX0" y="connsiteY0"/>
+              </a:cxn>
+              <a:cxn ang="0">
+                <a:pos x="connsiteX1" y="connsiteY1"/>
+              </a:cxn>
+              <a:cxn ang="0">
+                <a:pos x="connsiteX2" y="connsiteY2"/>
+              </a:cxn>
+              <a:cxn ang="0">
+                <a:pos x="connsiteX3" y="connsiteY3"/>
+              </a:cxn>
+            </a:cxnLst>
+            <a:rect l="l" t="t" r="r" b="b"/>
+            <a:pathLst>
+              <a:path w="1764099" h="1558212">
+                <a:moveTo>
+                  <a:pt x="0" y="0"/>
+                </a:moveTo>
+                <a:lnTo>
+                  <a:pt x="1764099" y="0"/>
+                </a:lnTo>
+                <a:lnTo>
+                  <a:pt x="1042087" y="1558212"/>
+                </a:lnTo>
+                <a:lnTo>
+                  <a:pt x="0" y="1558212"/>
+                </a:lnTo>
+                <a:close/>
+              </a:path>
+            </a:pathLst>
+          </a:custGeom>
+          <a:solidFill>
+            <a:schemeClr val="accent4"/>
+          </a:solidFill>
+          <a:ln>
+            <a:noFill/>
+          </a:ln>
+        </p:spPr>
+        <p:style>
+          <a:lnRef idx="2">
+            <a:schemeClr val="accent1">
+              <a:shade val="50000"/>
+            </a:schemeClr>
+          </a:lnRef>
+          <a:fillRef idx="1">
+            <a:schemeClr val="accent1"/>
+          </a:fillRef>
+          <a:effectRef idx="0">
+            <a:schemeClr val="accent1"/>
+          </a:effectRef>
+          <a:fontRef idx="minor">
+            <a:schemeClr val="lt1"/>
+          </a:fontRef>
+        </p:style>
+        <p:txBody>
+          <a:bodyPr wrap="square" rtlCol="0" anchor="ctr">
+            <a:noAutofit/>
+          </a:bodyPr>
+          <a:lstStyle/>
+          <a:p>
+            <a:pPr algn="ctr"/>
+            <a:endParaRPr lang="en-US"/>
+          </a:p>
+        </p:txBody>
+      </p:sp>
+      <p:sp>
+        <p:nvSpPr>
+          <p:cNvPr id="10" name="Freeform: Shape 9">
+            <a:extLst>
+              <a:ext uri="{FF2B5EF4-FFF2-40B4-BE49-F238E27FC236}">
+                <a16:creationId xmlns:a16="http://schemas.microsoft.com/office/drawing/2014/main" id="{D18046FB-44EA-4FD8-A585-EA09A319B2D0}"/>
+              </a:ext>
+              <a:ext uri="{C183D7F6-B498-43B3-948B-1728B52AA6E4}">
+                <adec:decorative xmlns:adec="http://schemas.microsoft.com/office/drawing/2017/decorative" val="1"/>
+              </a:ext>
+            </a:extLst>
+          </p:cNvPr>
+          <p:cNvSpPr>
+            <a:spLocks noGrp="1" noRot="1" noChangeAspect="1" noMove="1" noResize="1" noEditPoints="1" noAdjustHandles="1" noChangeArrowheads="1" noChangeShapeType="1" noTextEdit="1"/>
+          </p:cNvSpPr>
+          <p:nvPr>
+            <p:extLst>
+              <p:ext uri="{386F3935-93C4-4BCD-93E2-E3B085C9AB24}">
+                <p16:designElem xmlns:p16="http://schemas.microsoft.com/office/powerpoint/2015/main" val="1"/>
+              </p:ext>
+            </p:extLst>
+          </p:nvPr>
+        </p:nvSpPr>
+        <p:spPr>
+          <a:xfrm>
+            <a:off x="1" y="1691640"/>
+            <a:ext cx="12191999" cy="5166360"/>
+          </a:xfrm>
+          <a:custGeom>
+            <a:avLst/>
+            <a:gdLst>
+              <a:gd name="connsiteX0" fmla="*/ 0 w 12191999"/>
+              <a:gd name="connsiteY0" fmla="*/ 0 h 5166360"/>
+              <a:gd name="connsiteX1" fmla="*/ 1822388 w 12191999"/>
+              <a:gd name="connsiteY1" fmla="*/ 0 h 5166360"/>
+              <a:gd name="connsiteX2" fmla="*/ 6468290 w 12191999"/>
+              <a:gd name="connsiteY2" fmla="*/ 0 h 5166360"/>
+              <a:gd name="connsiteX3" fmla="*/ 7796394 w 12191999"/>
+              <a:gd name="connsiteY3" fmla="*/ 0 h 5166360"/>
+              <a:gd name="connsiteX4" fmla="*/ 8376834 w 12191999"/>
+              <a:gd name="connsiteY4" fmla="*/ 0 h 5166360"/>
+              <a:gd name="connsiteX5" fmla="*/ 9704938 w 12191999"/>
+              <a:gd name="connsiteY5" fmla="*/ 0 h 5166360"/>
+              <a:gd name="connsiteX6" fmla="*/ 9704938 w 12191999"/>
+              <a:gd name="connsiteY6" fmla="*/ 2 h 5166360"/>
+              <a:gd name="connsiteX7" fmla="*/ 10283456 w 12191999"/>
+              <a:gd name="connsiteY7" fmla="*/ 2 h 5166360"/>
+              <a:gd name="connsiteX8" fmla="*/ 10863897 w 12191999"/>
+              <a:gd name="connsiteY8" fmla="*/ 2 h 5166360"/>
+              <a:gd name="connsiteX9" fmla="*/ 12191999 w 12191999"/>
+              <a:gd name="connsiteY9" fmla="*/ 2 h 5166360"/>
+              <a:gd name="connsiteX10" fmla="*/ 12191999 w 12191999"/>
+              <a:gd name="connsiteY10" fmla="*/ 5166360 h 5166360"/>
+              <a:gd name="connsiteX11" fmla="*/ 0 w 12191999"/>
+              <a:gd name="connsiteY11" fmla="*/ 5166360 h 5166360"/>
+              <a:gd name="connsiteX12" fmla="*/ 0 w 12191999"/>
+              <a:gd name="connsiteY12" fmla="*/ 2604436 h 5166360"/>
+              <a:gd name="connsiteX13" fmla="*/ 862341 w 12191999"/>
+              <a:gd name="connsiteY13" fmla="*/ 743371 h 5166360"/>
+              <a:gd name="connsiteX14" fmla="*/ 0 w 12191999"/>
+              <a:gd name="connsiteY14" fmla="*/ 743371 h 5166360"/>
+              <a:gd name="connsiteX15" fmla="*/ 0 w 12191999"/>
+              <a:gd name="connsiteY15" fmla="*/ 742508 h 5166360"/>
+              <a:gd name="connsiteX16" fmla="*/ 92826 w 12191999"/>
+              <a:gd name="connsiteY16" fmla="*/ 742508 h 5166360"/>
+              <a:gd name="connsiteX17" fmla="*/ 406486 w 12191999"/>
+              <a:gd name="connsiteY17" fmla="*/ 742508 h 5166360"/>
+              <a:gd name="connsiteX18" fmla="*/ 406486 w 12191999"/>
+              <a:gd name="connsiteY18" fmla="*/ 742507 h 5166360"/>
+              <a:gd name="connsiteX19" fmla="*/ 862741 w 12191999"/>
+              <a:gd name="connsiteY19" fmla="*/ 742507 h 5166360"/>
+              <a:gd name="connsiteX20" fmla="*/ 1206388 w 12191999"/>
+              <a:gd name="connsiteY20" fmla="*/ 864 h 5166360"/>
+              <a:gd name="connsiteX21" fmla="*/ 748500 w 12191999"/>
+              <a:gd name="connsiteY21" fmla="*/ 864 h 5166360"/>
+              <a:gd name="connsiteX22" fmla="*/ 0 w 12191999"/>
+              <a:gd name="connsiteY22" fmla="*/ 864 h 5166360"/>
+            </a:gdLst>
+            <a:ahLst/>
+            <a:cxnLst>
+              <a:cxn ang="0">
+                <a:pos x="connsiteX0" y="connsiteY0"/>
+              </a:cxn>
+              <a:cxn ang="0">
+                <a:pos x="connsiteX1" y="connsiteY1"/>
+              </a:cxn>
+              <a:cxn ang="0">
+                <a:pos x="connsiteX2" y="connsiteY2"/>
+              </a:cxn>
+              <a:cxn ang="0">
+                <a:pos x="connsiteX3" y="connsiteY3"/>
+              </a:cxn>
+              <a:cxn ang="0">
+                <a:pos x="connsiteX4" y="connsiteY4"/>
+              </a:cxn>
+              <a:cxn ang="0">
+                <a:pos x="connsiteX5" y="connsiteY5"/>
+              </a:cxn>
+              <a:cxn ang="0">
+                <a:pos x="connsiteX6" y="connsiteY6"/>
+              </a:cxn>
+              <a:cxn ang="0">
+                <a:pos x="connsiteX7" y="connsiteY7"/>
+              </a:cxn>
+              <a:cxn ang="0">
+                <a:pos x="connsiteX8" y="connsiteY8"/>
+              </a:cxn>
+              <a:cxn ang="0">
+                <a:pos x="connsiteX9" y="connsiteY9"/>
+              </a:cxn>
+              <a:cxn ang="0">
+                <a:pos x="connsiteX10" y="connsiteY10"/>
+              </a:cxn>
+              <a:cxn ang="0">
+                <a:pos x="connsiteX11" y="connsiteY11"/>
+              </a:cxn>
+              <a:cxn ang="0">
+                <a:pos x="connsiteX12" y="connsiteY12"/>
+              </a:cxn>
+              <a:cxn ang="0">
+                <a:pos x="connsiteX13" y="connsiteY13"/>
+              </a:cxn>
+              <a:cxn ang="0">
+                <a:pos x="connsiteX14" y="connsiteY14"/>
+              </a:cxn>
+              <a:cxn ang="0">
+                <a:pos x="connsiteX15" y="connsiteY15"/>
+              </a:cxn>
+              <a:cxn ang="0">
+                <a:pos x="connsiteX16" y="connsiteY16"/>
+              </a:cxn>
+              <a:cxn ang="0">
+                <a:pos x="connsiteX17" y="connsiteY17"/>
+              </a:cxn>
+              <a:cxn ang="0">
+                <a:pos x="connsiteX18" y="connsiteY18"/>
+              </a:cxn>
+              <a:cxn ang="0">
+                <a:pos x="connsiteX19" y="connsiteY19"/>
+              </a:cxn>
+              <a:cxn ang="0">
+                <a:pos x="connsiteX20" y="connsiteY20"/>
+              </a:cxn>
+              <a:cxn ang="0">
+                <a:pos x="connsiteX21" y="connsiteY21"/>
+              </a:cxn>
+              <a:cxn ang="0">
+                <a:pos x="connsiteX22" y="connsiteY22"/>
+              </a:cxn>
+            </a:cxnLst>
+            <a:rect l="l" t="t" r="r" b="b"/>
+            <a:pathLst>
+              <a:path w="12191999" h="5166360">
+                <a:moveTo>
+                  <a:pt x="0" y="0"/>
+                </a:moveTo>
+                <a:lnTo>
+                  <a:pt x="1822388" y="0"/>
+                </a:lnTo>
+                <a:lnTo>
+                  <a:pt x="6468290" y="0"/>
+                </a:lnTo>
+                <a:lnTo>
+                  <a:pt x="7796394" y="0"/>
+                </a:lnTo>
+                <a:lnTo>
+                  <a:pt x="8376834" y="0"/>
+                </a:lnTo>
+                <a:lnTo>
+                  <a:pt x="9704938" y="0"/>
+                </a:lnTo>
+                <a:lnTo>
+                  <a:pt x="9704938" y="2"/>
+                </a:lnTo>
+                <a:lnTo>
+                  <a:pt x="10283456" y="2"/>
+                </a:lnTo>
+                <a:lnTo>
+                  <a:pt x="10863897" y="2"/>
+                </a:lnTo>
+                <a:lnTo>
+                  <a:pt x="12191999" y="2"/>
+                </a:lnTo>
+                <a:lnTo>
+                  <a:pt x="12191999" y="5166360"/>
+                </a:lnTo>
+                <a:lnTo>
+                  <a:pt x="0" y="5166360"/>
+                </a:lnTo>
+                <a:lnTo>
+                  <a:pt x="0" y="2604436"/>
+                </a:lnTo>
+                <a:lnTo>
+                  <a:pt x="862341" y="743371"/>
+                </a:lnTo>
+                <a:lnTo>
+                  <a:pt x="0" y="743371"/>
+                </a:lnTo>
+                <a:lnTo>
+                  <a:pt x="0" y="742508"/>
+                </a:lnTo>
+                <a:lnTo>
+                  <a:pt x="92826" y="742508"/>
+                </a:lnTo>
+                <a:lnTo>
+                  <a:pt x="406486" y="742508"/>
+                </a:lnTo>
+                <a:lnTo>
+                  <a:pt x="406486" y="742507"/>
+                </a:lnTo>
+                <a:lnTo>
+                  <a:pt x="862741" y="742507"/>
+                </a:lnTo>
+                <a:lnTo>
+                  <a:pt x="1206388" y="864"/>
+                </a:lnTo>
+                <a:lnTo>
+                  <a:pt x="748500" y="864"/>
+                </a:lnTo>
+                <a:lnTo>
+                  <a:pt x="0" y="864"/>
+                </a:lnTo>
+                <a:close/>
+              </a:path>
+            </a:pathLst>
+          </a:custGeom>
+          <a:solidFill>
+            <a:srgbClr val="A6A6A6">
+              <a:alpha val="49804"/>
+            </a:srgbClr>
+          </a:solidFill>
+          <a:ln>
+            <a:noFill/>
+          </a:ln>
+        </p:spPr>
+        <p:style>
+          <a:lnRef idx="2">
+            <a:schemeClr val="accent1">
+              <a:shade val="50000"/>
+            </a:schemeClr>
+          </a:lnRef>
+          <a:fillRef idx="1">
+            <a:schemeClr val="accent1"/>
+          </a:fillRef>
+          <a:effectRef idx="0">
+            <a:schemeClr val="accent1"/>
+          </a:effectRef>
+          <a:fontRef idx="minor">
+            <a:schemeClr val="lt1"/>
+          </a:fontRef>
+        </p:style>
+        <p:txBody>
+          <a:bodyPr wrap="square" rtlCol="0" anchor="ctr">
+            <a:noAutofit/>
+          </a:bodyPr>
+          <a:lstStyle/>
+          <a:p>
+            <a:pPr algn="ctr"/>
+            <a:endParaRPr lang="en-US"/>
+          </a:p>
+        </p:txBody>
+      </p:sp>
+      <p:sp>
+        <p:nvSpPr>
+          <p:cNvPr id="12" name="Freeform: Shape 11">
+            <a:extLst>
+              <a:ext uri="{FF2B5EF4-FFF2-40B4-BE49-F238E27FC236}">
+                <a16:creationId xmlns:a16="http://schemas.microsoft.com/office/drawing/2014/main" id="{479F5F2B-8B58-4140-AE6A-51F6C67B18D9}"/>
+              </a:ext>
+              <a:ext uri="{C183D7F6-B498-43B3-948B-1728B52AA6E4}">
+                <adec:decorative xmlns:adec="http://schemas.microsoft.com/office/drawing/2017/decorative" val="1"/>
+              </a:ext>
+            </a:extLst>
+          </p:cNvPr>
+          <p:cNvSpPr>
+            <a:spLocks noGrp="1" noRot="1" noChangeAspect="1" noMove="1" noResize="1" noEditPoints="1" noAdjustHandles="1" noChangeArrowheads="1" noChangeShapeType="1" noTextEdit="1"/>
+          </p:cNvSpPr>
+          <p:nvPr>
+            <p:extLst>
+              <p:ext uri="{386F3935-93C4-4BCD-93E2-E3B085C9AB24}">
+                <p16:designElem xmlns:p16="http://schemas.microsoft.com/office/powerpoint/2015/main" val="1"/>
+              </p:ext>
+            </p:extLst>
+          </p:nvPr>
+        </p:nvSpPr>
+        <p:spPr>
+          <a:xfrm>
+            <a:off x="0" y="1691641"/>
+            <a:ext cx="971654" cy="2096979"/>
+          </a:xfrm>
+          <a:custGeom>
+            <a:avLst/>
+            <a:gdLst>
+              <a:gd name="connsiteX0" fmla="*/ 0 w 971654"/>
+              <a:gd name="connsiteY0" fmla="*/ 0 h 2096979"/>
+              <a:gd name="connsiteX1" fmla="*/ 971654 w 971654"/>
+              <a:gd name="connsiteY1" fmla="*/ 0 h 2096979"/>
+              <a:gd name="connsiteX2" fmla="*/ 0 w 971654"/>
+              <a:gd name="connsiteY2" fmla="*/ 2096979 h 2096979"/>
+            </a:gdLst>
+            <a:ahLst/>
+            <a:cxnLst>
+              <a:cxn ang="0">
+                <a:pos x="connsiteX0" y="connsiteY0"/>
+              </a:cxn>
+              <a:cxn ang="0">
+                <a:pos x="connsiteX1" y="connsiteY1"/>
+              </a:cxn>
+              <a:cxn ang="0">
+                <a:pos x="connsiteX2" y="connsiteY2"/>
+              </a:cxn>
+            </a:cxnLst>
+            <a:rect l="l" t="t" r="r" b="b"/>
+            <a:pathLst>
+              <a:path w="971654" h="2096979">
+                <a:moveTo>
+                  <a:pt x="0" y="0"/>
+                </a:moveTo>
+                <a:lnTo>
+                  <a:pt x="971654" y="0"/>
+                </a:lnTo>
+                <a:lnTo>
+                  <a:pt x="0" y="2096979"/>
+                </a:lnTo>
+                <a:close/>
+              </a:path>
+            </a:pathLst>
+          </a:custGeom>
+          <a:solidFill>
+            <a:srgbClr val="404040"/>
+          </a:solidFill>
+          <a:ln>
+            <a:noFill/>
+          </a:ln>
+        </p:spPr>
+        <p:style>
+          <a:lnRef idx="2">
+            <a:schemeClr val="accent1">
+              <a:shade val="50000"/>
+            </a:schemeClr>
+          </a:lnRef>
+          <a:fillRef idx="1">
+            <a:schemeClr val="accent1"/>
+          </a:fillRef>
+          <a:effectRef idx="0">
+            <a:schemeClr val="accent1"/>
+          </a:effectRef>
+          <a:fontRef idx="minor">
+            <a:schemeClr val="lt1"/>
+          </a:fontRef>
+        </p:style>
+        <p:txBody>
+          <a:bodyPr wrap="square" rtlCol="0" anchor="ctr">
+            <a:noAutofit/>
+          </a:bodyPr>
+          <a:lstStyle/>
+          <a:p>
+            <a:pPr algn="ctr"/>
+            <a:endParaRPr lang="en-US"/>
+          </a:p>
+        </p:txBody>
+      </p:sp>
+      <p:sp>
+        <p:nvSpPr>
+          <p:cNvPr id="3" name="Content Placeholder 2">
+            <a:extLst>
+              <a:ext uri="{FF2B5EF4-FFF2-40B4-BE49-F238E27FC236}">
                 <a16:creationId xmlns:a16="http://schemas.microsoft.com/office/drawing/2014/main" id="{FC29C063-899D-41CB-BCCB-0775E4F4230D}"/>
               </a:ext>
             </a:extLst>
@@ -7774,26 +9605,19 @@
           <a:lstStyle/>
           <a:p>
             <a:r>
-              <a:rPr lang="en-US" sz="2400"/>
+              <a:rPr lang="en-US" sz="2400" dirty="0"/>
               <a:t>Use Natural Language Processing (NLP) with machine learning models to classify IMDB user reviews as ‘Positive’ or ‘Negative’</a:t>
             </a:r>
           </a:p>
           <a:p>
-            <a:pPr lvl="1"/>
             <a:r>
-              <a:rPr lang="en-US" dirty="0"/>
-              <a:t>Best model – Logistic Regression with Term Frequency – Inverse Document Frequency (TF-IDF)</a:t>
-            </a:r>
-          </a:p>
-          <a:p>
-            <a:r>
-              <a:rPr lang="en-US" sz="2400"/>
+              <a:rPr lang="en-US" sz="2400" dirty="0"/>
               <a:t>Understand how our model distinguishes between ‘Positive’ and ‘Negative’</a:t>
             </a:r>
           </a:p>
           <a:p>
             <a:r>
-              <a:rPr lang="en-US" sz="2400"/>
+              <a:rPr lang="en-US" sz="2400" dirty="0"/>
               <a:t>Explore alternative scoring system for movies based on sentiment analysis</a:t>
             </a:r>
           </a:p>
@@ -8216,25 +10040,21 @@
           <a:lstStyle/>
           <a:p>
             <a:r>
-              <a:rPr lang="en-US" sz="2400"/>
+              <a:rPr lang="en-US" sz="2400" dirty="0"/>
               <a:t>Obtained 50,000 IMDB movie reviews</a:t>
             </a:r>
           </a:p>
           <a:p>
             <a:r>
-              <a:rPr lang="en-US" sz="2400"/>
+              <a:rPr lang="en-US" sz="2400" dirty="0"/>
               <a:t>Reviews are labeled ‘positive’ or ‘negative,’ and are considered “highly polar” reviews</a:t>
             </a:r>
           </a:p>
           <a:p>
             <a:pPr lvl="1"/>
             <a:r>
-              <a:rPr lang="en-US"/>
-              <a:t>25,000 </a:t>
-            </a:r>
-            <a:r>
               <a:rPr lang="en-US" dirty="0"/>
-              <a:t>positive</a:t>
+              <a:t>25,000 positive</a:t>
             </a:r>
           </a:p>
           <a:p>
@@ -8246,13 +10066,13 @@
           </a:p>
           <a:p>
             <a:r>
-              <a:rPr lang="en-US" sz="2400"/>
+              <a:rPr lang="en-US" sz="2400" dirty="0"/>
               <a:t>No associated movies or traditional 1-10 rankings were provided</a:t>
             </a:r>
           </a:p>
           <a:p>
             <a:r>
-              <a:rPr lang="en-US" sz="2400"/>
+              <a:rPr lang="en-US" sz="2400" dirty="0"/>
               <a:t>Model targeted ‘positive’ or ‘negative’ sentiment</a:t>
             </a:r>
           </a:p>
@@ -8424,7 +10244,7 @@
       </p:grpSpPr>
       <p:sp useBgFill="1">
         <p:nvSpPr>
-          <p:cNvPr id="2060" name="Rectangle 78">
+          <p:cNvPr id="147" name="Rectangle 146">
             <a:extLst>
               <a:ext uri="{FF2B5EF4-FFF2-40B4-BE49-F238E27FC236}">
                 <a16:creationId xmlns:a16="http://schemas.microsoft.com/office/drawing/2014/main" id="{904DCDEA-60EE-4FBF-B515-F83D82F966F7}"/>
@@ -8484,10 +10304,10 @@
       </p:sp>
       <p:pic>
         <p:nvPicPr>
-          <p:cNvPr id="2058" name="Picture 10">
+          <p:cNvPr id="1028" name="Picture 4">
             <a:extLst>
               <a:ext uri="{FF2B5EF4-FFF2-40B4-BE49-F238E27FC236}">
-                <a16:creationId xmlns:a16="http://schemas.microsoft.com/office/drawing/2014/main" id="{F99900B2-3156-42A6-8756-E2B81F9AA077}"/>
+                <a16:creationId xmlns:a16="http://schemas.microsoft.com/office/drawing/2014/main" id="{0EDFE2D1-9FAE-4F3A-B3C8-16DCE87791EB}"/>
               </a:ext>
             </a:extLst>
           </p:cNvPr>
@@ -8504,7 +10324,7 @@
               </a:ext>
             </a:extLst>
           </a:blip>
-          <a:srcRect r="1" b="5543"/>
+          <a:srcRect t="2273" r="1" b="1731"/>
           <a:stretch/>
         </p:blipFill>
         <p:spPr bwMode="auto">
@@ -8529,10 +10349,10 @@
       </p:pic>
       <p:pic>
         <p:nvPicPr>
-          <p:cNvPr id="2056" name="Picture 8">
+          <p:cNvPr id="1026" name="Picture 2">
             <a:extLst>
               <a:ext uri="{FF2B5EF4-FFF2-40B4-BE49-F238E27FC236}">
-                <a16:creationId xmlns:a16="http://schemas.microsoft.com/office/drawing/2014/main" id="{99F2A6F4-7E98-41E8-B725-9830639C765F}"/>
+                <a16:creationId xmlns:a16="http://schemas.microsoft.com/office/drawing/2014/main" id="{12F227C2-9658-4596-B790-F62D7C7E648F}"/>
               </a:ext>
             </a:extLst>
           </p:cNvPr>
@@ -8549,7 +10369,7 @@
               </a:ext>
             </a:extLst>
           </a:blip>
-          <a:srcRect t="5394" r="1" b="1"/>
+          <a:srcRect t="3851" r="1" b="1"/>
           <a:stretch/>
         </p:blipFill>
         <p:spPr bwMode="auto">
@@ -8574,7 +10394,7 @@
       </p:pic>
       <p:sp>
         <p:nvSpPr>
-          <p:cNvPr id="2061" name="Freeform: Shape 80">
+          <p:cNvPr id="149" name="Freeform: Shape 148">
             <a:extLst>
               <a:ext uri="{FF2B5EF4-FFF2-40B4-BE49-F238E27FC236}">
                 <a16:creationId xmlns:a16="http://schemas.microsoft.com/office/drawing/2014/main" id="{34D94F3A-BF39-47F6-9AAA-3C61AF7E05B1}"/>
@@ -9842,7 +11662,7 @@
       </p:sp>
       <p:sp>
         <p:nvSpPr>
-          <p:cNvPr id="2062" name="Freeform: Shape 82">
+          <p:cNvPr id="151" name="Freeform: Shape 150">
             <a:extLst>
               <a:ext uri="{FF2B5EF4-FFF2-40B4-BE49-F238E27FC236}">
                 <a16:creationId xmlns:a16="http://schemas.microsoft.com/office/drawing/2014/main" id="{11BAB570-FF10-4E96-8A3F-FA9804702B89}"/>
@@ -11090,22 +12910,18 @@
           </a:bodyPr>
           <a:lstStyle/>
           <a:p>
-            <a:pPr marL="0" indent="-228600">
+            <a:pPr>
               <a:lnSpc>
                 <a:spcPct val="90000"/>
               </a:lnSpc>
               <a:spcAft>
                 <a:spcPts val="600"/>
               </a:spcAft>
-              <a:buFont typeface="Arial" panose="020B0604020202020204" pitchFamily="34" charset="0"/>
-              <a:buChar char="•"/>
             </a:pPr>
             <a:r>
               <a:rPr lang="en-US" sz="2000" b="1" u="sng" dirty="0">
                 <a:solidFill>
                   <a:schemeClr val="tx1">
-                    <a:lumMod val="95000"/>
-                    <a:lumOff val="5000"/>
                     <a:alpha val="60000"/>
                   </a:schemeClr>
                 </a:solidFill>
@@ -11127,8 +12943,6 @@
             <a:endParaRPr lang="en-US" sz="2000" b="1" u="sng" dirty="0">
               <a:solidFill>
                 <a:schemeClr val="tx1">
-                  <a:lumMod val="95000"/>
-                  <a:lumOff val="5000"/>
                   <a:alpha val="60000"/>
                 </a:schemeClr>
               </a:solidFill>
@@ -11148,11 +12962,7 @@
             <a:r>
               <a:rPr lang="en-US" sz="2000" b="1" dirty="0">
                 <a:solidFill>
-                  <a:schemeClr val="tx1">
-                    <a:lumMod val="95000"/>
-                    <a:lumOff val="5000"/>
-                    <a:alpha val="60000"/>
-                  </a:schemeClr>
+                  <a:srgbClr val="005823"/>
                 </a:solidFill>
               </a:rPr>
               <a:t>Positive</a:t>
@@ -11161,8 +12971,6 @@
               <a:rPr lang="en-US" sz="2000" dirty="0">
                 <a:solidFill>
                   <a:schemeClr val="tx1">
-                    <a:lumMod val="95000"/>
-                    <a:lumOff val="5000"/>
                     <a:alpha val="60000"/>
                   </a:schemeClr>
                 </a:solidFill>
@@ -11172,22 +12980,14 @@
             <a:r>
               <a:rPr lang="en-US" sz="2000" b="1" dirty="0">
                 <a:solidFill>
-                  <a:schemeClr val="tx1">
-                    <a:lumMod val="95000"/>
-                    <a:lumOff val="5000"/>
-                    <a:alpha val="60000"/>
-                  </a:schemeClr>
+                  <a:srgbClr val="7B040F"/>
                 </a:solidFill>
               </a:rPr>
               <a:t>Negative</a:t>
             </a:r>
             <a:endParaRPr lang="en-US" sz="2000" dirty="0">
               <a:solidFill>
-                <a:schemeClr val="tx1">
-                  <a:lumMod val="95000"/>
-                  <a:lumOff val="5000"/>
-                  <a:alpha val="60000"/>
-                </a:schemeClr>
+                <a:srgbClr val="7B040F"/>
               </a:solidFill>
             </a:endParaRPr>
           </a:p>
@@ -11206,8 +13006,6 @@
               <a:rPr lang="en-US" sz="2000" dirty="0">
                 <a:solidFill>
                   <a:schemeClr val="tx1">
-                    <a:lumMod val="95000"/>
-                    <a:lumOff val="5000"/>
                     <a:alpha val="60000"/>
                   </a:schemeClr>
                 </a:solidFill>
@@ -11231,6 +13029,2879 @@
 </file>
 
 <file path=ppt/slides/slide5.xml><?xml version="1.0" encoding="utf-8"?>
+<p:sld xmlns:a="http://schemas.openxmlformats.org/drawingml/2006/main" xmlns:r="http://schemas.openxmlformats.org/officeDocument/2006/relationships" xmlns:p="http://schemas.openxmlformats.org/presentationml/2006/main">
+  <p:cSld>
+    <p:bg>
+      <p:bgPr>
+        <a:solidFill>
+          <a:schemeClr val="bg2"/>
+        </a:solidFill>
+        <a:effectLst/>
+      </p:bgPr>
+    </p:bg>
+    <p:spTree>
+      <p:nvGrpSpPr>
+        <p:cNvPr id="1" name=""/>
+        <p:cNvGrpSpPr/>
+        <p:nvPr/>
+      </p:nvGrpSpPr>
+      <p:grpSpPr>
+        <a:xfrm>
+          <a:off x="0" y="0"/>
+          <a:ext cx="0" cy="0"/>
+          <a:chOff x="0" y="0"/>
+          <a:chExt cx="0" cy="0"/>
+        </a:xfrm>
+      </p:grpSpPr>
+      <p:sp useBgFill="1">
+        <p:nvSpPr>
+          <p:cNvPr id="2054" name="Rectangle 72">
+            <a:extLst>
+              <a:ext uri="{FF2B5EF4-FFF2-40B4-BE49-F238E27FC236}">
+                <a16:creationId xmlns:a16="http://schemas.microsoft.com/office/drawing/2014/main" id="{904DCDEA-60EE-4FBF-B515-F83D82F966F7}"/>
+              </a:ext>
+              <a:ext uri="{C183D7F6-B498-43B3-948B-1728B52AA6E4}">
+                <adec:decorative xmlns:adec="http://schemas.microsoft.com/office/drawing/2017/decorative" val="1"/>
+              </a:ext>
+            </a:extLst>
+          </p:cNvPr>
+          <p:cNvSpPr>
+            <a:spLocks noGrp="1" noRot="1" noChangeAspect="1" noMove="1" noResize="1" noEditPoints="1" noAdjustHandles="1" noChangeArrowheads="1" noChangeShapeType="1" noTextEdit="1"/>
+          </p:cNvSpPr>
+          <p:nvPr>
+            <p:extLst>
+              <p:ext uri="{386F3935-93C4-4BCD-93E2-E3B085C9AB24}">
+                <p16:designElem xmlns:p16="http://schemas.microsoft.com/office/powerpoint/2015/main" val="1"/>
+              </p:ext>
+            </p:extLst>
+          </p:nvPr>
+        </p:nvSpPr>
+        <p:spPr>
+          <a:xfrm>
+            <a:off x="2" y="0"/>
+            <a:ext cx="12191996" cy="6858000"/>
+          </a:xfrm>
+          <a:prstGeom prst="rect">
+            <a:avLst/>
+          </a:prstGeom>
+          <a:ln>
+            <a:noFill/>
+          </a:ln>
+        </p:spPr>
+        <p:style>
+          <a:lnRef idx="2">
+            <a:schemeClr val="accent1">
+              <a:shade val="50000"/>
+            </a:schemeClr>
+          </a:lnRef>
+          <a:fillRef idx="1">
+            <a:schemeClr val="accent1"/>
+          </a:fillRef>
+          <a:effectRef idx="0">
+            <a:schemeClr val="accent1"/>
+          </a:effectRef>
+          <a:fontRef idx="minor">
+            <a:schemeClr val="lt1"/>
+          </a:fontRef>
+        </p:style>
+        <p:txBody>
+          <a:bodyPr rtlCol="0" anchor="ctr"/>
+          <a:lstStyle/>
+          <a:p>
+            <a:pPr algn="ctr"/>
+            <a:endParaRPr lang="en-US"/>
+          </a:p>
+        </p:txBody>
+      </p:sp>
+      <p:pic>
+        <p:nvPicPr>
+          <p:cNvPr id="2052" name="Picture 4">
+            <a:extLst>
+              <a:ext uri="{FF2B5EF4-FFF2-40B4-BE49-F238E27FC236}">
+                <a16:creationId xmlns:a16="http://schemas.microsoft.com/office/drawing/2014/main" id="{6A16B8EC-BDAC-432E-9DA8-74EA6E6B501F}"/>
+              </a:ext>
+            </a:extLst>
+          </p:cNvPr>
+          <p:cNvPicPr>
+            <a:picLocks noChangeAspect="1" noChangeArrowheads="1"/>
+          </p:cNvPicPr>
+          <p:nvPr/>
+        </p:nvPicPr>
+        <p:blipFill rotWithShape="1">
+          <a:blip r:embed="rId2">
+            <a:extLst>
+              <a:ext uri="{28A0092B-C50C-407E-A947-70E740481C1C}">
+                <a14:useLocalDpi xmlns:a14="http://schemas.microsoft.com/office/drawing/2010/main" val="0"/>
+              </a:ext>
+            </a:extLst>
+          </a:blip>
+          <a:srcRect t="778" r="1" b="3226"/>
+          <a:stretch/>
+        </p:blipFill>
+        <p:spPr bwMode="auto">
+          <a:xfrm>
+            <a:off x="4426858" y="3429004"/>
+            <a:ext cx="7765144" cy="3428999"/>
+          </a:xfrm>
+          <a:prstGeom prst="rect">
+            <a:avLst/>
+          </a:prstGeom>
+          <a:noFill/>
+          <a:extLst>
+            <a:ext uri="{909E8E84-426E-40DD-AFC4-6F175D3DCCD1}">
+              <a14:hiddenFill xmlns:a14="http://schemas.microsoft.com/office/drawing/2010/main">
+                <a:solidFill>
+                  <a:srgbClr val="FFFFFF"/>
+                </a:solidFill>
+              </a14:hiddenFill>
+            </a:ext>
+          </a:extLst>
+        </p:spPr>
+      </p:pic>
+      <p:pic>
+        <p:nvPicPr>
+          <p:cNvPr id="2050" name="Picture 2">
+            <a:extLst>
+              <a:ext uri="{FF2B5EF4-FFF2-40B4-BE49-F238E27FC236}">
+                <a16:creationId xmlns:a16="http://schemas.microsoft.com/office/drawing/2014/main" id="{4DC0D0B1-AE10-4064-A158-BE61D5F55F9F}"/>
+              </a:ext>
+            </a:extLst>
+          </p:cNvPr>
+          <p:cNvPicPr>
+            <a:picLocks noChangeAspect="1" noChangeArrowheads="1"/>
+          </p:cNvPicPr>
+          <p:nvPr/>
+        </p:nvPicPr>
+        <p:blipFill rotWithShape="1">
+          <a:blip r:embed="rId3">
+            <a:extLst>
+              <a:ext uri="{28A0092B-C50C-407E-A947-70E740481C1C}">
+                <a14:useLocalDpi xmlns:a14="http://schemas.microsoft.com/office/drawing/2010/main" val="0"/>
+              </a:ext>
+            </a:extLst>
+          </a:blip>
+          <a:srcRect t="624" r="1" b="3228"/>
+          <a:stretch/>
+        </p:blipFill>
+        <p:spPr bwMode="auto">
+          <a:xfrm>
+            <a:off x="4426853" y="-3"/>
+            <a:ext cx="7765146" cy="3434400"/>
+          </a:xfrm>
+          <a:prstGeom prst="rect">
+            <a:avLst/>
+          </a:prstGeom>
+          <a:noFill/>
+          <a:extLst>
+            <a:ext uri="{909E8E84-426E-40DD-AFC4-6F175D3DCCD1}">
+              <a14:hiddenFill xmlns:a14="http://schemas.microsoft.com/office/drawing/2010/main">
+                <a:solidFill>
+                  <a:srgbClr val="FFFFFF"/>
+                </a:solidFill>
+              </a14:hiddenFill>
+            </a:ext>
+          </a:extLst>
+        </p:spPr>
+      </p:pic>
+      <p:sp>
+        <p:nvSpPr>
+          <p:cNvPr id="75" name="Freeform: Shape 74">
+            <a:extLst>
+              <a:ext uri="{FF2B5EF4-FFF2-40B4-BE49-F238E27FC236}">
+                <a16:creationId xmlns:a16="http://schemas.microsoft.com/office/drawing/2014/main" id="{34D94F3A-BF39-47F6-9AAA-3C61AF7E05B1}"/>
+              </a:ext>
+              <a:ext uri="{C183D7F6-B498-43B3-948B-1728B52AA6E4}">
+                <adec:decorative xmlns:adec="http://schemas.microsoft.com/office/drawing/2017/decorative" val="1"/>
+              </a:ext>
+            </a:extLst>
+          </p:cNvPr>
+          <p:cNvSpPr>
+            <a:spLocks noGrp="1" noRot="1" noChangeAspect="1" noMove="1" noResize="1" noEditPoints="1" noAdjustHandles="1" noChangeArrowheads="1" noChangeShapeType="1" noTextEdit="1"/>
+          </p:cNvSpPr>
+          <p:nvPr>
+            <p:extLst>
+              <p:ext uri="{386F3935-93C4-4BCD-93E2-E3B085C9AB24}">
+                <p16:designElem xmlns:p16="http://schemas.microsoft.com/office/powerpoint/2015/main" val="1"/>
+              </p:ext>
+            </p:extLst>
+          </p:nvPr>
+        </p:nvSpPr>
+        <p:spPr>
+          <a:xfrm flipH="1">
+            <a:off x="0" y="0"/>
+            <a:ext cx="4838076" cy="6858000"/>
+          </a:xfrm>
+          <a:custGeom>
+            <a:avLst/>
+            <a:gdLst>
+              <a:gd name="connsiteX0" fmla="*/ 4838076 w 4838076"/>
+              <a:gd name="connsiteY0" fmla="*/ 0 h 6858000"/>
+              <a:gd name="connsiteX1" fmla="*/ 4417162 w 4838076"/>
+              <a:gd name="connsiteY1" fmla="*/ 0 h 6858000"/>
+              <a:gd name="connsiteX2" fmla="*/ 3459219 w 4838076"/>
+              <a:gd name="connsiteY2" fmla="*/ 0 h 6858000"/>
+              <a:gd name="connsiteX3" fmla="*/ 334174 w 4838076"/>
+              <a:gd name="connsiteY3" fmla="*/ 0 h 6858000"/>
+              <a:gd name="connsiteX4" fmla="*/ 334173 w 4838076"/>
+              <a:gd name="connsiteY4" fmla="*/ 0 h 6858000"/>
+              <a:gd name="connsiteX5" fmla="*/ 189795 w 4838076"/>
+              <a:gd name="connsiteY5" fmla="*/ 0 h 6858000"/>
+              <a:gd name="connsiteX6" fmla="*/ 184756 w 4838076"/>
+              <a:gd name="connsiteY6" fmla="*/ 66675 h 6858000"/>
+              <a:gd name="connsiteX7" fmla="*/ 176358 w 4838076"/>
+              <a:gd name="connsiteY7" fmla="*/ 122237 h 6858000"/>
+              <a:gd name="connsiteX8" fmla="*/ 166281 w 4838076"/>
+              <a:gd name="connsiteY8" fmla="*/ 174625 h 6858000"/>
+              <a:gd name="connsiteX9" fmla="*/ 149485 w 4838076"/>
+              <a:gd name="connsiteY9" fmla="*/ 217487 h 6858000"/>
+              <a:gd name="connsiteX10" fmla="*/ 132689 w 4838076"/>
+              <a:gd name="connsiteY10" fmla="*/ 260350 h 6858000"/>
+              <a:gd name="connsiteX11" fmla="*/ 112534 w 4838076"/>
+              <a:gd name="connsiteY11" fmla="*/ 296862 h 6858000"/>
+              <a:gd name="connsiteX12" fmla="*/ 92379 w 4838076"/>
+              <a:gd name="connsiteY12" fmla="*/ 334962 h 6858000"/>
+              <a:gd name="connsiteX13" fmla="*/ 73903 w 4838076"/>
+              <a:gd name="connsiteY13" fmla="*/ 369887 h 6858000"/>
+              <a:gd name="connsiteX14" fmla="*/ 55427 w 4838076"/>
+              <a:gd name="connsiteY14" fmla="*/ 409575 h 6858000"/>
+              <a:gd name="connsiteX15" fmla="*/ 38632 w 4838076"/>
+              <a:gd name="connsiteY15" fmla="*/ 450850 h 6858000"/>
+              <a:gd name="connsiteX16" fmla="*/ 23515 w 4838076"/>
+              <a:gd name="connsiteY16" fmla="*/ 496887 h 6858000"/>
+              <a:gd name="connsiteX17" fmla="*/ 11758 w 4838076"/>
+              <a:gd name="connsiteY17" fmla="*/ 546100 h 6858000"/>
+              <a:gd name="connsiteX18" fmla="*/ 3359 w 4838076"/>
+              <a:gd name="connsiteY18" fmla="*/ 606425 h 6858000"/>
+              <a:gd name="connsiteX19" fmla="*/ 0 w 4838076"/>
+              <a:gd name="connsiteY19" fmla="*/ 673100 h 6858000"/>
+              <a:gd name="connsiteX20" fmla="*/ 3359 w 4838076"/>
+              <a:gd name="connsiteY20" fmla="*/ 744537 h 6858000"/>
+              <a:gd name="connsiteX21" fmla="*/ 11758 w 4838076"/>
+              <a:gd name="connsiteY21" fmla="*/ 801687 h 6858000"/>
+              <a:gd name="connsiteX22" fmla="*/ 23515 w 4838076"/>
+              <a:gd name="connsiteY22" fmla="*/ 854075 h 6858000"/>
+              <a:gd name="connsiteX23" fmla="*/ 38632 w 4838076"/>
+              <a:gd name="connsiteY23" fmla="*/ 901700 h 6858000"/>
+              <a:gd name="connsiteX24" fmla="*/ 55427 w 4838076"/>
+              <a:gd name="connsiteY24" fmla="*/ 942975 h 6858000"/>
+              <a:gd name="connsiteX25" fmla="*/ 75583 w 4838076"/>
+              <a:gd name="connsiteY25" fmla="*/ 981075 h 6858000"/>
+              <a:gd name="connsiteX26" fmla="*/ 95738 w 4838076"/>
+              <a:gd name="connsiteY26" fmla="*/ 1017587 h 6858000"/>
+              <a:gd name="connsiteX27" fmla="*/ 115893 w 4838076"/>
+              <a:gd name="connsiteY27" fmla="*/ 1055687 h 6858000"/>
+              <a:gd name="connsiteX28" fmla="*/ 134368 w 4838076"/>
+              <a:gd name="connsiteY28" fmla="*/ 1095375 h 6858000"/>
+              <a:gd name="connsiteX29" fmla="*/ 152844 w 4838076"/>
+              <a:gd name="connsiteY29" fmla="*/ 1136650 h 6858000"/>
+              <a:gd name="connsiteX30" fmla="*/ 167960 w 4838076"/>
+              <a:gd name="connsiteY30" fmla="*/ 1182687 h 6858000"/>
+              <a:gd name="connsiteX31" fmla="*/ 178038 w 4838076"/>
+              <a:gd name="connsiteY31" fmla="*/ 1235075 h 6858000"/>
+              <a:gd name="connsiteX32" fmla="*/ 188115 w 4838076"/>
+              <a:gd name="connsiteY32" fmla="*/ 1295400 h 6858000"/>
+              <a:gd name="connsiteX33" fmla="*/ 189795 w 4838076"/>
+              <a:gd name="connsiteY33" fmla="*/ 1363662 h 6858000"/>
+              <a:gd name="connsiteX34" fmla="*/ 188115 w 4838076"/>
+              <a:gd name="connsiteY34" fmla="*/ 1431925 h 6858000"/>
+              <a:gd name="connsiteX35" fmla="*/ 178038 w 4838076"/>
+              <a:gd name="connsiteY35" fmla="*/ 1492250 h 6858000"/>
+              <a:gd name="connsiteX36" fmla="*/ 167960 w 4838076"/>
+              <a:gd name="connsiteY36" fmla="*/ 1544637 h 6858000"/>
+              <a:gd name="connsiteX37" fmla="*/ 152844 w 4838076"/>
+              <a:gd name="connsiteY37" fmla="*/ 1589087 h 6858000"/>
+              <a:gd name="connsiteX38" fmla="*/ 134368 w 4838076"/>
+              <a:gd name="connsiteY38" fmla="*/ 1631950 h 6858000"/>
+              <a:gd name="connsiteX39" fmla="*/ 115893 w 4838076"/>
+              <a:gd name="connsiteY39" fmla="*/ 1671637 h 6858000"/>
+              <a:gd name="connsiteX40" fmla="*/ 95738 w 4838076"/>
+              <a:gd name="connsiteY40" fmla="*/ 1708150 h 6858000"/>
+              <a:gd name="connsiteX41" fmla="*/ 75583 w 4838076"/>
+              <a:gd name="connsiteY41" fmla="*/ 1743075 h 6858000"/>
+              <a:gd name="connsiteX42" fmla="*/ 55427 w 4838076"/>
+              <a:gd name="connsiteY42" fmla="*/ 1782762 h 6858000"/>
+              <a:gd name="connsiteX43" fmla="*/ 38632 w 4838076"/>
+              <a:gd name="connsiteY43" fmla="*/ 1824037 h 6858000"/>
+              <a:gd name="connsiteX44" fmla="*/ 23515 w 4838076"/>
+              <a:gd name="connsiteY44" fmla="*/ 1870075 h 6858000"/>
+              <a:gd name="connsiteX45" fmla="*/ 11758 w 4838076"/>
+              <a:gd name="connsiteY45" fmla="*/ 1922462 h 6858000"/>
+              <a:gd name="connsiteX46" fmla="*/ 3359 w 4838076"/>
+              <a:gd name="connsiteY46" fmla="*/ 1982787 h 6858000"/>
+              <a:gd name="connsiteX47" fmla="*/ 0 w 4838076"/>
+              <a:gd name="connsiteY47" fmla="*/ 2051050 h 6858000"/>
+              <a:gd name="connsiteX48" fmla="*/ 3359 w 4838076"/>
+              <a:gd name="connsiteY48" fmla="*/ 2119312 h 6858000"/>
+              <a:gd name="connsiteX49" fmla="*/ 11758 w 4838076"/>
+              <a:gd name="connsiteY49" fmla="*/ 2179637 h 6858000"/>
+              <a:gd name="connsiteX50" fmla="*/ 23515 w 4838076"/>
+              <a:gd name="connsiteY50" fmla="*/ 2232025 h 6858000"/>
+              <a:gd name="connsiteX51" fmla="*/ 38632 w 4838076"/>
+              <a:gd name="connsiteY51" fmla="*/ 2278062 h 6858000"/>
+              <a:gd name="connsiteX52" fmla="*/ 55427 w 4838076"/>
+              <a:gd name="connsiteY52" fmla="*/ 2319337 h 6858000"/>
+              <a:gd name="connsiteX53" fmla="*/ 75583 w 4838076"/>
+              <a:gd name="connsiteY53" fmla="*/ 2359025 h 6858000"/>
+              <a:gd name="connsiteX54" fmla="*/ 95738 w 4838076"/>
+              <a:gd name="connsiteY54" fmla="*/ 2395537 h 6858000"/>
+              <a:gd name="connsiteX55" fmla="*/ 115893 w 4838076"/>
+              <a:gd name="connsiteY55" fmla="*/ 2433637 h 6858000"/>
+              <a:gd name="connsiteX56" fmla="*/ 134368 w 4838076"/>
+              <a:gd name="connsiteY56" fmla="*/ 2471737 h 6858000"/>
+              <a:gd name="connsiteX57" fmla="*/ 152844 w 4838076"/>
+              <a:gd name="connsiteY57" fmla="*/ 2513012 h 6858000"/>
+              <a:gd name="connsiteX58" fmla="*/ 167960 w 4838076"/>
+              <a:gd name="connsiteY58" fmla="*/ 2560637 h 6858000"/>
+              <a:gd name="connsiteX59" fmla="*/ 178038 w 4838076"/>
+              <a:gd name="connsiteY59" fmla="*/ 2613025 h 6858000"/>
+              <a:gd name="connsiteX60" fmla="*/ 188115 w 4838076"/>
+              <a:gd name="connsiteY60" fmla="*/ 2671762 h 6858000"/>
+              <a:gd name="connsiteX61" fmla="*/ 189795 w 4838076"/>
+              <a:gd name="connsiteY61" fmla="*/ 2741612 h 6858000"/>
+              <a:gd name="connsiteX62" fmla="*/ 188115 w 4838076"/>
+              <a:gd name="connsiteY62" fmla="*/ 2809875 h 6858000"/>
+              <a:gd name="connsiteX63" fmla="*/ 178038 w 4838076"/>
+              <a:gd name="connsiteY63" fmla="*/ 2868612 h 6858000"/>
+              <a:gd name="connsiteX64" fmla="*/ 167960 w 4838076"/>
+              <a:gd name="connsiteY64" fmla="*/ 2922587 h 6858000"/>
+              <a:gd name="connsiteX65" fmla="*/ 152844 w 4838076"/>
+              <a:gd name="connsiteY65" fmla="*/ 2967037 h 6858000"/>
+              <a:gd name="connsiteX66" fmla="*/ 134368 w 4838076"/>
+              <a:gd name="connsiteY66" fmla="*/ 3009900 h 6858000"/>
+              <a:gd name="connsiteX67" fmla="*/ 115893 w 4838076"/>
+              <a:gd name="connsiteY67" fmla="*/ 3046412 h 6858000"/>
+              <a:gd name="connsiteX68" fmla="*/ 95738 w 4838076"/>
+              <a:gd name="connsiteY68" fmla="*/ 3084512 h 6858000"/>
+              <a:gd name="connsiteX69" fmla="*/ 75583 w 4838076"/>
+              <a:gd name="connsiteY69" fmla="*/ 3121025 h 6858000"/>
+              <a:gd name="connsiteX70" fmla="*/ 55427 w 4838076"/>
+              <a:gd name="connsiteY70" fmla="*/ 3160712 h 6858000"/>
+              <a:gd name="connsiteX71" fmla="*/ 38632 w 4838076"/>
+              <a:gd name="connsiteY71" fmla="*/ 3201987 h 6858000"/>
+              <a:gd name="connsiteX72" fmla="*/ 23515 w 4838076"/>
+              <a:gd name="connsiteY72" fmla="*/ 3248025 h 6858000"/>
+              <a:gd name="connsiteX73" fmla="*/ 11758 w 4838076"/>
+              <a:gd name="connsiteY73" fmla="*/ 3300412 h 6858000"/>
+              <a:gd name="connsiteX74" fmla="*/ 3359 w 4838076"/>
+              <a:gd name="connsiteY74" fmla="*/ 3360737 h 6858000"/>
+              <a:gd name="connsiteX75" fmla="*/ 0 w 4838076"/>
+              <a:gd name="connsiteY75" fmla="*/ 3427412 h 6858000"/>
+              <a:gd name="connsiteX76" fmla="*/ 3359 w 4838076"/>
+              <a:gd name="connsiteY76" fmla="*/ 3497262 h 6858000"/>
+              <a:gd name="connsiteX77" fmla="*/ 11758 w 4838076"/>
+              <a:gd name="connsiteY77" fmla="*/ 3557587 h 6858000"/>
+              <a:gd name="connsiteX78" fmla="*/ 23515 w 4838076"/>
+              <a:gd name="connsiteY78" fmla="*/ 3609975 h 6858000"/>
+              <a:gd name="connsiteX79" fmla="*/ 38632 w 4838076"/>
+              <a:gd name="connsiteY79" fmla="*/ 3656012 h 6858000"/>
+              <a:gd name="connsiteX80" fmla="*/ 55427 w 4838076"/>
+              <a:gd name="connsiteY80" fmla="*/ 3697287 h 6858000"/>
+              <a:gd name="connsiteX81" fmla="*/ 75583 w 4838076"/>
+              <a:gd name="connsiteY81" fmla="*/ 3736975 h 6858000"/>
+              <a:gd name="connsiteX82" fmla="*/ 115893 w 4838076"/>
+              <a:gd name="connsiteY82" fmla="*/ 3811587 h 6858000"/>
+              <a:gd name="connsiteX83" fmla="*/ 134368 w 4838076"/>
+              <a:gd name="connsiteY83" fmla="*/ 3848100 h 6858000"/>
+              <a:gd name="connsiteX84" fmla="*/ 152844 w 4838076"/>
+              <a:gd name="connsiteY84" fmla="*/ 3890962 h 6858000"/>
+              <a:gd name="connsiteX85" fmla="*/ 167960 w 4838076"/>
+              <a:gd name="connsiteY85" fmla="*/ 3935412 h 6858000"/>
+              <a:gd name="connsiteX86" fmla="*/ 178038 w 4838076"/>
+              <a:gd name="connsiteY86" fmla="*/ 3987800 h 6858000"/>
+              <a:gd name="connsiteX87" fmla="*/ 188115 w 4838076"/>
+              <a:gd name="connsiteY87" fmla="*/ 4048125 h 6858000"/>
+              <a:gd name="connsiteX88" fmla="*/ 189795 w 4838076"/>
+              <a:gd name="connsiteY88" fmla="*/ 4116387 h 6858000"/>
+              <a:gd name="connsiteX89" fmla="*/ 188115 w 4838076"/>
+              <a:gd name="connsiteY89" fmla="*/ 4186237 h 6858000"/>
+              <a:gd name="connsiteX90" fmla="*/ 178038 w 4838076"/>
+              <a:gd name="connsiteY90" fmla="*/ 4244975 h 6858000"/>
+              <a:gd name="connsiteX91" fmla="*/ 167960 w 4838076"/>
+              <a:gd name="connsiteY91" fmla="*/ 4297362 h 6858000"/>
+              <a:gd name="connsiteX92" fmla="*/ 152844 w 4838076"/>
+              <a:gd name="connsiteY92" fmla="*/ 4343400 h 6858000"/>
+              <a:gd name="connsiteX93" fmla="*/ 134368 w 4838076"/>
+              <a:gd name="connsiteY93" fmla="*/ 4386262 h 6858000"/>
+              <a:gd name="connsiteX94" fmla="*/ 115893 w 4838076"/>
+              <a:gd name="connsiteY94" fmla="*/ 4424362 h 6858000"/>
+              <a:gd name="connsiteX95" fmla="*/ 75583 w 4838076"/>
+              <a:gd name="connsiteY95" fmla="*/ 4498975 h 6858000"/>
+              <a:gd name="connsiteX96" fmla="*/ 55427 w 4838076"/>
+              <a:gd name="connsiteY96" fmla="*/ 4537075 h 6858000"/>
+              <a:gd name="connsiteX97" fmla="*/ 38632 w 4838076"/>
+              <a:gd name="connsiteY97" fmla="*/ 4579937 h 6858000"/>
+              <a:gd name="connsiteX98" fmla="*/ 23515 w 4838076"/>
+              <a:gd name="connsiteY98" fmla="*/ 4625975 h 6858000"/>
+              <a:gd name="connsiteX99" fmla="*/ 11758 w 4838076"/>
+              <a:gd name="connsiteY99" fmla="*/ 4678362 h 6858000"/>
+              <a:gd name="connsiteX100" fmla="*/ 3359 w 4838076"/>
+              <a:gd name="connsiteY100" fmla="*/ 4738687 h 6858000"/>
+              <a:gd name="connsiteX101" fmla="*/ 0 w 4838076"/>
+              <a:gd name="connsiteY101" fmla="*/ 4806950 h 6858000"/>
+              <a:gd name="connsiteX102" fmla="*/ 3359 w 4838076"/>
+              <a:gd name="connsiteY102" fmla="*/ 4875212 h 6858000"/>
+              <a:gd name="connsiteX103" fmla="*/ 11758 w 4838076"/>
+              <a:gd name="connsiteY103" fmla="*/ 4935537 h 6858000"/>
+              <a:gd name="connsiteX104" fmla="*/ 23515 w 4838076"/>
+              <a:gd name="connsiteY104" fmla="*/ 4987925 h 6858000"/>
+              <a:gd name="connsiteX105" fmla="*/ 38632 w 4838076"/>
+              <a:gd name="connsiteY105" fmla="*/ 5033962 h 6858000"/>
+              <a:gd name="connsiteX106" fmla="*/ 55427 w 4838076"/>
+              <a:gd name="connsiteY106" fmla="*/ 5075237 h 6858000"/>
+              <a:gd name="connsiteX107" fmla="*/ 75583 w 4838076"/>
+              <a:gd name="connsiteY107" fmla="*/ 5114925 h 6858000"/>
+              <a:gd name="connsiteX108" fmla="*/ 95738 w 4838076"/>
+              <a:gd name="connsiteY108" fmla="*/ 5149850 h 6858000"/>
+              <a:gd name="connsiteX109" fmla="*/ 115893 w 4838076"/>
+              <a:gd name="connsiteY109" fmla="*/ 5186362 h 6858000"/>
+              <a:gd name="connsiteX110" fmla="*/ 134368 w 4838076"/>
+              <a:gd name="connsiteY110" fmla="*/ 5226050 h 6858000"/>
+              <a:gd name="connsiteX111" fmla="*/ 152844 w 4838076"/>
+              <a:gd name="connsiteY111" fmla="*/ 5268912 h 6858000"/>
+              <a:gd name="connsiteX112" fmla="*/ 167960 w 4838076"/>
+              <a:gd name="connsiteY112" fmla="*/ 5313362 h 6858000"/>
+              <a:gd name="connsiteX113" fmla="*/ 178038 w 4838076"/>
+              <a:gd name="connsiteY113" fmla="*/ 5365750 h 6858000"/>
+              <a:gd name="connsiteX114" fmla="*/ 188115 w 4838076"/>
+              <a:gd name="connsiteY114" fmla="*/ 5426075 h 6858000"/>
+              <a:gd name="connsiteX115" fmla="*/ 189795 w 4838076"/>
+              <a:gd name="connsiteY115" fmla="*/ 5494337 h 6858000"/>
+              <a:gd name="connsiteX116" fmla="*/ 188115 w 4838076"/>
+              <a:gd name="connsiteY116" fmla="*/ 5562600 h 6858000"/>
+              <a:gd name="connsiteX117" fmla="*/ 178038 w 4838076"/>
+              <a:gd name="connsiteY117" fmla="*/ 5622925 h 6858000"/>
+              <a:gd name="connsiteX118" fmla="*/ 167960 w 4838076"/>
+              <a:gd name="connsiteY118" fmla="*/ 5675312 h 6858000"/>
+              <a:gd name="connsiteX119" fmla="*/ 152844 w 4838076"/>
+              <a:gd name="connsiteY119" fmla="*/ 5721350 h 6858000"/>
+              <a:gd name="connsiteX120" fmla="*/ 134368 w 4838076"/>
+              <a:gd name="connsiteY120" fmla="*/ 5762625 h 6858000"/>
+              <a:gd name="connsiteX121" fmla="*/ 115893 w 4838076"/>
+              <a:gd name="connsiteY121" fmla="*/ 5802312 h 6858000"/>
+              <a:gd name="connsiteX122" fmla="*/ 95738 w 4838076"/>
+              <a:gd name="connsiteY122" fmla="*/ 5840412 h 6858000"/>
+              <a:gd name="connsiteX123" fmla="*/ 75583 w 4838076"/>
+              <a:gd name="connsiteY123" fmla="*/ 5876925 h 6858000"/>
+              <a:gd name="connsiteX124" fmla="*/ 55427 w 4838076"/>
+              <a:gd name="connsiteY124" fmla="*/ 5915025 h 6858000"/>
+              <a:gd name="connsiteX125" fmla="*/ 38632 w 4838076"/>
+              <a:gd name="connsiteY125" fmla="*/ 5956300 h 6858000"/>
+              <a:gd name="connsiteX126" fmla="*/ 23515 w 4838076"/>
+              <a:gd name="connsiteY126" fmla="*/ 6003925 h 6858000"/>
+              <a:gd name="connsiteX127" fmla="*/ 11758 w 4838076"/>
+              <a:gd name="connsiteY127" fmla="*/ 6056312 h 6858000"/>
+              <a:gd name="connsiteX128" fmla="*/ 3359 w 4838076"/>
+              <a:gd name="connsiteY128" fmla="*/ 6113462 h 6858000"/>
+              <a:gd name="connsiteX129" fmla="*/ 0 w 4838076"/>
+              <a:gd name="connsiteY129" fmla="*/ 6183312 h 6858000"/>
+              <a:gd name="connsiteX130" fmla="*/ 3359 w 4838076"/>
+              <a:gd name="connsiteY130" fmla="*/ 6251575 h 6858000"/>
+              <a:gd name="connsiteX131" fmla="*/ 11758 w 4838076"/>
+              <a:gd name="connsiteY131" fmla="*/ 6311900 h 6858000"/>
+              <a:gd name="connsiteX132" fmla="*/ 23515 w 4838076"/>
+              <a:gd name="connsiteY132" fmla="*/ 6361112 h 6858000"/>
+              <a:gd name="connsiteX133" fmla="*/ 38632 w 4838076"/>
+              <a:gd name="connsiteY133" fmla="*/ 6407150 h 6858000"/>
+              <a:gd name="connsiteX134" fmla="*/ 55427 w 4838076"/>
+              <a:gd name="connsiteY134" fmla="*/ 6448425 h 6858000"/>
+              <a:gd name="connsiteX135" fmla="*/ 73903 w 4838076"/>
+              <a:gd name="connsiteY135" fmla="*/ 6488112 h 6858000"/>
+              <a:gd name="connsiteX136" fmla="*/ 92379 w 4838076"/>
+              <a:gd name="connsiteY136" fmla="*/ 6523037 h 6858000"/>
+              <a:gd name="connsiteX137" fmla="*/ 112534 w 4838076"/>
+              <a:gd name="connsiteY137" fmla="*/ 6561137 h 6858000"/>
+              <a:gd name="connsiteX138" fmla="*/ 132689 w 4838076"/>
+              <a:gd name="connsiteY138" fmla="*/ 6597650 h 6858000"/>
+              <a:gd name="connsiteX139" fmla="*/ 149485 w 4838076"/>
+              <a:gd name="connsiteY139" fmla="*/ 6640512 h 6858000"/>
+              <a:gd name="connsiteX140" fmla="*/ 166281 w 4838076"/>
+              <a:gd name="connsiteY140" fmla="*/ 6683375 h 6858000"/>
+              <a:gd name="connsiteX141" fmla="*/ 176358 w 4838076"/>
+              <a:gd name="connsiteY141" fmla="*/ 6735762 h 6858000"/>
+              <a:gd name="connsiteX142" fmla="*/ 184756 w 4838076"/>
+              <a:gd name="connsiteY142" fmla="*/ 6791325 h 6858000"/>
+              <a:gd name="connsiteX143" fmla="*/ 189795 w 4838076"/>
+              <a:gd name="connsiteY143" fmla="*/ 6858000 h 6858000"/>
+              <a:gd name="connsiteX144" fmla="*/ 334173 w 4838076"/>
+              <a:gd name="connsiteY144" fmla="*/ 6858000 h 6858000"/>
+              <a:gd name="connsiteX145" fmla="*/ 334174 w 4838076"/>
+              <a:gd name="connsiteY145" fmla="*/ 6858000 h 6858000"/>
+              <a:gd name="connsiteX146" fmla="*/ 3459219 w 4838076"/>
+              <a:gd name="connsiteY146" fmla="*/ 6858000 h 6858000"/>
+              <a:gd name="connsiteX147" fmla="*/ 4417162 w 4838076"/>
+              <a:gd name="connsiteY147" fmla="*/ 6858000 h 6858000"/>
+              <a:gd name="connsiteX148" fmla="*/ 4838076 w 4838076"/>
+              <a:gd name="connsiteY148" fmla="*/ 6858000 h 6858000"/>
+            </a:gdLst>
+            <a:ahLst/>
+            <a:cxnLst>
+              <a:cxn ang="0">
+                <a:pos x="connsiteX0" y="connsiteY0"/>
+              </a:cxn>
+              <a:cxn ang="0">
+                <a:pos x="connsiteX1" y="connsiteY1"/>
+              </a:cxn>
+              <a:cxn ang="0">
+                <a:pos x="connsiteX2" y="connsiteY2"/>
+              </a:cxn>
+              <a:cxn ang="0">
+                <a:pos x="connsiteX3" y="connsiteY3"/>
+              </a:cxn>
+              <a:cxn ang="0">
+                <a:pos x="connsiteX4" y="connsiteY4"/>
+              </a:cxn>
+              <a:cxn ang="0">
+                <a:pos x="connsiteX5" y="connsiteY5"/>
+              </a:cxn>
+              <a:cxn ang="0">
+                <a:pos x="connsiteX6" y="connsiteY6"/>
+              </a:cxn>
+              <a:cxn ang="0">
+                <a:pos x="connsiteX7" y="connsiteY7"/>
+              </a:cxn>
+              <a:cxn ang="0">
+                <a:pos x="connsiteX8" y="connsiteY8"/>
+              </a:cxn>
+              <a:cxn ang="0">
+                <a:pos x="connsiteX9" y="connsiteY9"/>
+              </a:cxn>
+              <a:cxn ang="0">
+                <a:pos x="connsiteX10" y="connsiteY10"/>
+              </a:cxn>
+              <a:cxn ang="0">
+                <a:pos x="connsiteX11" y="connsiteY11"/>
+              </a:cxn>
+              <a:cxn ang="0">
+                <a:pos x="connsiteX12" y="connsiteY12"/>
+              </a:cxn>
+              <a:cxn ang="0">
+                <a:pos x="connsiteX13" y="connsiteY13"/>
+              </a:cxn>
+              <a:cxn ang="0">
+                <a:pos x="connsiteX14" y="connsiteY14"/>
+              </a:cxn>
+              <a:cxn ang="0">
+                <a:pos x="connsiteX15" y="connsiteY15"/>
+              </a:cxn>
+              <a:cxn ang="0">
+                <a:pos x="connsiteX16" y="connsiteY16"/>
+              </a:cxn>
+              <a:cxn ang="0">
+                <a:pos x="connsiteX17" y="connsiteY17"/>
+              </a:cxn>
+              <a:cxn ang="0">
+                <a:pos x="connsiteX18" y="connsiteY18"/>
+              </a:cxn>
+              <a:cxn ang="0">
+                <a:pos x="connsiteX19" y="connsiteY19"/>
+              </a:cxn>
+              <a:cxn ang="0">
+                <a:pos x="connsiteX20" y="connsiteY20"/>
+              </a:cxn>
+              <a:cxn ang="0">
+                <a:pos x="connsiteX21" y="connsiteY21"/>
+              </a:cxn>
+              <a:cxn ang="0">
+                <a:pos x="connsiteX22" y="connsiteY22"/>
+              </a:cxn>
+              <a:cxn ang="0">
+                <a:pos x="connsiteX23" y="connsiteY23"/>
+              </a:cxn>
+              <a:cxn ang="0">
+                <a:pos x="connsiteX24" y="connsiteY24"/>
+              </a:cxn>
+              <a:cxn ang="0">
+                <a:pos x="connsiteX25" y="connsiteY25"/>
+              </a:cxn>
+              <a:cxn ang="0">
+                <a:pos x="connsiteX26" y="connsiteY26"/>
+              </a:cxn>
+              <a:cxn ang="0">
+                <a:pos x="connsiteX27" y="connsiteY27"/>
+              </a:cxn>
+              <a:cxn ang="0">
+                <a:pos x="connsiteX28" y="connsiteY28"/>
+              </a:cxn>
+              <a:cxn ang="0">
+                <a:pos x="connsiteX29" y="connsiteY29"/>
+              </a:cxn>
+              <a:cxn ang="0">
+                <a:pos x="connsiteX30" y="connsiteY30"/>
+              </a:cxn>
+              <a:cxn ang="0">
+                <a:pos x="connsiteX31" y="connsiteY31"/>
+              </a:cxn>
+              <a:cxn ang="0">
+                <a:pos x="connsiteX32" y="connsiteY32"/>
+              </a:cxn>
+              <a:cxn ang="0">
+                <a:pos x="connsiteX33" y="connsiteY33"/>
+              </a:cxn>
+              <a:cxn ang="0">
+                <a:pos x="connsiteX34" y="connsiteY34"/>
+              </a:cxn>
+              <a:cxn ang="0">
+                <a:pos x="connsiteX35" y="connsiteY35"/>
+              </a:cxn>
+              <a:cxn ang="0">
+                <a:pos x="connsiteX36" y="connsiteY36"/>
+              </a:cxn>
+              <a:cxn ang="0">
+                <a:pos x="connsiteX37" y="connsiteY37"/>
+              </a:cxn>
+              <a:cxn ang="0">
+                <a:pos x="connsiteX38" y="connsiteY38"/>
+              </a:cxn>
+              <a:cxn ang="0">
+                <a:pos x="connsiteX39" y="connsiteY39"/>
+              </a:cxn>
+              <a:cxn ang="0">
+                <a:pos x="connsiteX40" y="connsiteY40"/>
+              </a:cxn>
+              <a:cxn ang="0">
+                <a:pos x="connsiteX41" y="connsiteY41"/>
+              </a:cxn>
+              <a:cxn ang="0">
+                <a:pos x="connsiteX42" y="connsiteY42"/>
+              </a:cxn>
+              <a:cxn ang="0">
+                <a:pos x="connsiteX43" y="connsiteY43"/>
+              </a:cxn>
+              <a:cxn ang="0">
+                <a:pos x="connsiteX44" y="connsiteY44"/>
+              </a:cxn>
+              <a:cxn ang="0">
+                <a:pos x="connsiteX45" y="connsiteY45"/>
+              </a:cxn>
+              <a:cxn ang="0">
+                <a:pos x="connsiteX46" y="connsiteY46"/>
+              </a:cxn>
+              <a:cxn ang="0">
+                <a:pos x="connsiteX47" y="connsiteY47"/>
+              </a:cxn>
+              <a:cxn ang="0">
+                <a:pos x="connsiteX48" y="connsiteY48"/>
+              </a:cxn>
+              <a:cxn ang="0">
+                <a:pos x="connsiteX49" y="connsiteY49"/>
+              </a:cxn>
+              <a:cxn ang="0">
+                <a:pos x="connsiteX50" y="connsiteY50"/>
+              </a:cxn>
+              <a:cxn ang="0">
+                <a:pos x="connsiteX51" y="connsiteY51"/>
+              </a:cxn>
+              <a:cxn ang="0">
+                <a:pos x="connsiteX52" y="connsiteY52"/>
+              </a:cxn>
+              <a:cxn ang="0">
+                <a:pos x="connsiteX53" y="connsiteY53"/>
+              </a:cxn>
+              <a:cxn ang="0">
+                <a:pos x="connsiteX54" y="connsiteY54"/>
+              </a:cxn>
+              <a:cxn ang="0">
+                <a:pos x="connsiteX55" y="connsiteY55"/>
+              </a:cxn>
+              <a:cxn ang="0">
+                <a:pos x="connsiteX56" y="connsiteY56"/>
+              </a:cxn>
+              <a:cxn ang="0">
+                <a:pos x="connsiteX57" y="connsiteY57"/>
+              </a:cxn>
+              <a:cxn ang="0">
+                <a:pos x="connsiteX58" y="connsiteY58"/>
+              </a:cxn>
+              <a:cxn ang="0">
+                <a:pos x="connsiteX59" y="connsiteY59"/>
+              </a:cxn>
+              <a:cxn ang="0">
+                <a:pos x="connsiteX60" y="connsiteY60"/>
+              </a:cxn>
+              <a:cxn ang="0">
+                <a:pos x="connsiteX61" y="connsiteY61"/>
+              </a:cxn>
+              <a:cxn ang="0">
+                <a:pos x="connsiteX62" y="connsiteY62"/>
+              </a:cxn>
+              <a:cxn ang="0">
+                <a:pos x="connsiteX63" y="connsiteY63"/>
+              </a:cxn>
+              <a:cxn ang="0">
+                <a:pos x="connsiteX64" y="connsiteY64"/>
+              </a:cxn>
+              <a:cxn ang="0">
+                <a:pos x="connsiteX65" y="connsiteY65"/>
+              </a:cxn>
+              <a:cxn ang="0">
+                <a:pos x="connsiteX66" y="connsiteY66"/>
+              </a:cxn>
+              <a:cxn ang="0">
+                <a:pos x="connsiteX67" y="connsiteY67"/>
+              </a:cxn>
+              <a:cxn ang="0">
+                <a:pos x="connsiteX68" y="connsiteY68"/>
+              </a:cxn>
+              <a:cxn ang="0">
+                <a:pos x="connsiteX69" y="connsiteY69"/>
+              </a:cxn>
+              <a:cxn ang="0">
+                <a:pos x="connsiteX70" y="connsiteY70"/>
+              </a:cxn>
+              <a:cxn ang="0">
+                <a:pos x="connsiteX71" y="connsiteY71"/>
+              </a:cxn>
+              <a:cxn ang="0">
+                <a:pos x="connsiteX72" y="connsiteY72"/>
+              </a:cxn>
+              <a:cxn ang="0">
+                <a:pos x="connsiteX73" y="connsiteY73"/>
+              </a:cxn>
+              <a:cxn ang="0">
+                <a:pos x="connsiteX74" y="connsiteY74"/>
+              </a:cxn>
+              <a:cxn ang="0">
+                <a:pos x="connsiteX75" y="connsiteY75"/>
+              </a:cxn>
+              <a:cxn ang="0">
+                <a:pos x="connsiteX76" y="connsiteY76"/>
+              </a:cxn>
+              <a:cxn ang="0">
+                <a:pos x="connsiteX77" y="connsiteY77"/>
+              </a:cxn>
+              <a:cxn ang="0">
+                <a:pos x="connsiteX78" y="connsiteY78"/>
+              </a:cxn>
+              <a:cxn ang="0">
+                <a:pos x="connsiteX79" y="connsiteY79"/>
+              </a:cxn>
+              <a:cxn ang="0">
+                <a:pos x="connsiteX80" y="connsiteY80"/>
+              </a:cxn>
+              <a:cxn ang="0">
+                <a:pos x="connsiteX81" y="connsiteY81"/>
+              </a:cxn>
+              <a:cxn ang="0">
+                <a:pos x="connsiteX82" y="connsiteY82"/>
+              </a:cxn>
+              <a:cxn ang="0">
+                <a:pos x="connsiteX83" y="connsiteY83"/>
+              </a:cxn>
+              <a:cxn ang="0">
+                <a:pos x="connsiteX84" y="connsiteY84"/>
+              </a:cxn>
+              <a:cxn ang="0">
+                <a:pos x="connsiteX85" y="connsiteY85"/>
+              </a:cxn>
+              <a:cxn ang="0">
+                <a:pos x="connsiteX86" y="connsiteY86"/>
+              </a:cxn>
+              <a:cxn ang="0">
+                <a:pos x="connsiteX87" y="connsiteY87"/>
+              </a:cxn>
+              <a:cxn ang="0">
+                <a:pos x="connsiteX88" y="connsiteY88"/>
+              </a:cxn>
+              <a:cxn ang="0">
+                <a:pos x="connsiteX89" y="connsiteY89"/>
+              </a:cxn>
+              <a:cxn ang="0">
+                <a:pos x="connsiteX90" y="connsiteY90"/>
+              </a:cxn>
+              <a:cxn ang="0">
+                <a:pos x="connsiteX91" y="connsiteY91"/>
+              </a:cxn>
+              <a:cxn ang="0">
+                <a:pos x="connsiteX92" y="connsiteY92"/>
+              </a:cxn>
+              <a:cxn ang="0">
+                <a:pos x="connsiteX93" y="connsiteY93"/>
+              </a:cxn>
+              <a:cxn ang="0">
+                <a:pos x="connsiteX94" y="connsiteY94"/>
+              </a:cxn>
+              <a:cxn ang="0">
+                <a:pos x="connsiteX95" y="connsiteY95"/>
+              </a:cxn>
+              <a:cxn ang="0">
+                <a:pos x="connsiteX96" y="connsiteY96"/>
+              </a:cxn>
+              <a:cxn ang="0">
+                <a:pos x="connsiteX97" y="connsiteY97"/>
+              </a:cxn>
+              <a:cxn ang="0">
+                <a:pos x="connsiteX98" y="connsiteY98"/>
+              </a:cxn>
+              <a:cxn ang="0">
+                <a:pos x="connsiteX99" y="connsiteY99"/>
+              </a:cxn>
+              <a:cxn ang="0">
+                <a:pos x="connsiteX100" y="connsiteY100"/>
+              </a:cxn>
+              <a:cxn ang="0">
+                <a:pos x="connsiteX101" y="connsiteY101"/>
+              </a:cxn>
+              <a:cxn ang="0">
+                <a:pos x="connsiteX102" y="connsiteY102"/>
+              </a:cxn>
+              <a:cxn ang="0">
+                <a:pos x="connsiteX103" y="connsiteY103"/>
+              </a:cxn>
+              <a:cxn ang="0">
+                <a:pos x="connsiteX104" y="connsiteY104"/>
+              </a:cxn>
+              <a:cxn ang="0">
+                <a:pos x="connsiteX105" y="connsiteY105"/>
+              </a:cxn>
+              <a:cxn ang="0">
+                <a:pos x="connsiteX106" y="connsiteY106"/>
+              </a:cxn>
+              <a:cxn ang="0">
+                <a:pos x="connsiteX107" y="connsiteY107"/>
+              </a:cxn>
+              <a:cxn ang="0">
+                <a:pos x="connsiteX108" y="connsiteY108"/>
+              </a:cxn>
+              <a:cxn ang="0">
+                <a:pos x="connsiteX109" y="connsiteY109"/>
+              </a:cxn>
+              <a:cxn ang="0">
+                <a:pos x="connsiteX110" y="connsiteY110"/>
+              </a:cxn>
+              <a:cxn ang="0">
+                <a:pos x="connsiteX111" y="connsiteY111"/>
+              </a:cxn>
+              <a:cxn ang="0">
+                <a:pos x="connsiteX112" y="connsiteY112"/>
+              </a:cxn>
+              <a:cxn ang="0">
+                <a:pos x="connsiteX113" y="connsiteY113"/>
+              </a:cxn>
+              <a:cxn ang="0">
+                <a:pos x="connsiteX114" y="connsiteY114"/>
+              </a:cxn>
+              <a:cxn ang="0">
+                <a:pos x="connsiteX115" y="connsiteY115"/>
+              </a:cxn>
+              <a:cxn ang="0">
+                <a:pos x="connsiteX116" y="connsiteY116"/>
+              </a:cxn>
+              <a:cxn ang="0">
+                <a:pos x="connsiteX117" y="connsiteY117"/>
+              </a:cxn>
+              <a:cxn ang="0">
+                <a:pos x="connsiteX118" y="connsiteY118"/>
+              </a:cxn>
+              <a:cxn ang="0">
+                <a:pos x="connsiteX119" y="connsiteY119"/>
+              </a:cxn>
+              <a:cxn ang="0">
+                <a:pos x="connsiteX120" y="connsiteY120"/>
+              </a:cxn>
+              <a:cxn ang="0">
+                <a:pos x="connsiteX121" y="connsiteY121"/>
+              </a:cxn>
+              <a:cxn ang="0">
+                <a:pos x="connsiteX122" y="connsiteY122"/>
+              </a:cxn>
+              <a:cxn ang="0">
+                <a:pos x="connsiteX123" y="connsiteY123"/>
+              </a:cxn>
+              <a:cxn ang="0">
+                <a:pos x="connsiteX124" y="connsiteY124"/>
+              </a:cxn>
+              <a:cxn ang="0">
+                <a:pos x="connsiteX125" y="connsiteY125"/>
+              </a:cxn>
+              <a:cxn ang="0">
+                <a:pos x="connsiteX126" y="connsiteY126"/>
+              </a:cxn>
+              <a:cxn ang="0">
+                <a:pos x="connsiteX127" y="connsiteY127"/>
+              </a:cxn>
+              <a:cxn ang="0">
+                <a:pos x="connsiteX128" y="connsiteY128"/>
+              </a:cxn>
+              <a:cxn ang="0">
+                <a:pos x="connsiteX129" y="connsiteY129"/>
+              </a:cxn>
+              <a:cxn ang="0">
+                <a:pos x="connsiteX130" y="connsiteY130"/>
+              </a:cxn>
+              <a:cxn ang="0">
+                <a:pos x="connsiteX131" y="connsiteY131"/>
+              </a:cxn>
+              <a:cxn ang="0">
+                <a:pos x="connsiteX132" y="connsiteY132"/>
+              </a:cxn>
+              <a:cxn ang="0">
+                <a:pos x="connsiteX133" y="connsiteY133"/>
+              </a:cxn>
+              <a:cxn ang="0">
+                <a:pos x="connsiteX134" y="connsiteY134"/>
+              </a:cxn>
+              <a:cxn ang="0">
+                <a:pos x="connsiteX135" y="connsiteY135"/>
+              </a:cxn>
+              <a:cxn ang="0">
+                <a:pos x="connsiteX136" y="connsiteY136"/>
+              </a:cxn>
+              <a:cxn ang="0">
+                <a:pos x="connsiteX137" y="connsiteY137"/>
+              </a:cxn>
+              <a:cxn ang="0">
+                <a:pos x="connsiteX138" y="connsiteY138"/>
+              </a:cxn>
+              <a:cxn ang="0">
+                <a:pos x="connsiteX139" y="connsiteY139"/>
+              </a:cxn>
+              <a:cxn ang="0">
+                <a:pos x="connsiteX140" y="connsiteY140"/>
+              </a:cxn>
+              <a:cxn ang="0">
+                <a:pos x="connsiteX141" y="connsiteY141"/>
+              </a:cxn>
+              <a:cxn ang="0">
+                <a:pos x="connsiteX142" y="connsiteY142"/>
+              </a:cxn>
+              <a:cxn ang="0">
+                <a:pos x="connsiteX143" y="connsiteY143"/>
+              </a:cxn>
+              <a:cxn ang="0">
+                <a:pos x="connsiteX144" y="connsiteY144"/>
+              </a:cxn>
+              <a:cxn ang="0">
+                <a:pos x="connsiteX145" y="connsiteY145"/>
+              </a:cxn>
+              <a:cxn ang="0">
+                <a:pos x="connsiteX146" y="connsiteY146"/>
+              </a:cxn>
+              <a:cxn ang="0">
+                <a:pos x="connsiteX147" y="connsiteY147"/>
+              </a:cxn>
+              <a:cxn ang="0">
+                <a:pos x="connsiteX148" y="connsiteY148"/>
+              </a:cxn>
+            </a:cxnLst>
+            <a:rect l="l" t="t" r="r" b="b"/>
+            <a:pathLst>
+              <a:path w="4838076" h="6858000">
+                <a:moveTo>
+                  <a:pt x="4838076" y="0"/>
+                </a:moveTo>
+                <a:lnTo>
+                  <a:pt x="4417162" y="0"/>
+                </a:lnTo>
+                <a:lnTo>
+                  <a:pt x="3459219" y="0"/>
+                </a:lnTo>
+                <a:lnTo>
+                  <a:pt x="334174" y="0"/>
+                </a:lnTo>
+                <a:lnTo>
+                  <a:pt x="334173" y="0"/>
+                </a:lnTo>
+                <a:lnTo>
+                  <a:pt x="189795" y="0"/>
+                </a:lnTo>
+                <a:lnTo>
+                  <a:pt x="184756" y="66675"/>
+                </a:lnTo>
+                <a:lnTo>
+                  <a:pt x="176358" y="122237"/>
+                </a:lnTo>
+                <a:lnTo>
+                  <a:pt x="166281" y="174625"/>
+                </a:lnTo>
+                <a:lnTo>
+                  <a:pt x="149485" y="217487"/>
+                </a:lnTo>
+                <a:lnTo>
+                  <a:pt x="132689" y="260350"/>
+                </a:lnTo>
+                <a:lnTo>
+                  <a:pt x="112534" y="296862"/>
+                </a:lnTo>
+                <a:lnTo>
+                  <a:pt x="92379" y="334962"/>
+                </a:lnTo>
+                <a:lnTo>
+                  <a:pt x="73903" y="369887"/>
+                </a:lnTo>
+                <a:lnTo>
+                  <a:pt x="55427" y="409575"/>
+                </a:lnTo>
+                <a:lnTo>
+                  <a:pt x="38632" y="450850"/>
+                </a:lnTo>
+                <a:lnTo>
+                  <a:pt x="23515" y="496887"/>
+                </a:lnTo>
+                <a:lnTo>
+                  <a:pt x="11758" y="546100"/>
+                </a:lnTo>
+                <a:lnTo>
+                  <a:pt x="3359" y="606425"/>
+                </a:lnTo>
+                <a:lnTo>
+                  <a:pt x="0" y="673100"/>
+                </a:lnTo>
+                <a:lnTo>
+                  <a:pt x="3359" y="744537"/>
+                </a:lnTo>
+                <a:lnTo>
+                  <a:pt x="11758" y="801687"/>
+                </a:lnTo>
+                <a:lnTo>
+                  <a:pt x="23515" y="854075"/>
+                </a:lnTo>
+                <a:lnTo>
+                  <a:pt x="38632" y="901700"/>
+                </a:lnTo>
+                <a:lnTo>
+                  <a:pt x="55427" y="942975"/>
+                </a:lnTo>
+                <a:lnTo>
+                  <a:pt x="75583" y="981075"/>
+                </a:lnTo>
+                <a:lnTo>
+                  <a:pt x="95738" y="1017587"/>
+                </a:lnTo>
+                <a:lnTo>
+                  <a:pt x="115893" y="1055687"/>
+                </a:lnTo>
+                <a:lnTo>
+                  <a:pt x="134368" y="1095375"/>
+                </a:lnTo>
+                <a:lnTo>
+                  <a:pt x="152844" y="1136650"/>
+                </a:lnTo>
+                <a:lnTo>
+                  <a:pt x="167960" y="1182687"/>
+                </a:lnTo>
+                <a:lnTo>
+                  <a:pt x="178038" y="1235075"/>
+                </a:lnTo>
+                <a:lnTo>
+                  <a:pt x="188115" y="1295400"/>
+                </a:lnTo>
+                <a:lnTo>
+                  <a:pt x="189795" y="1363662"/>
+                </a:lnTo>
+                <a:lnTo>
+                  <a:pt x="188115" y="1431925"/>
+                </a:lnTo>
+                <a:lnTo>
+                  <a:pt x="178038" y="1492250"/>
+                </a:lnTo>
+                <a:lnTo>
+                  <a:pt x="167960" y="1544637"/>
+                </a:lnTo>
+                <a:lnTo>
+                  <a:pt x="152844" y="1589087"/>
+                </a:lnTo>
+                <a:lnTo>
+                  <a:pt x="134368" y="1631950"/>
+                </a:lnTo>
+                <a:lnTo>
+                  <a:pt x="115893" y="1671637"/>
+                </a:lnTo>
+                <a:lnTo>
+                  <a:pt x="95738" y="1708150"/>
+                </a:lnTo>
+                <a:lnTo>
+                  <a:pt x="75583" y="1743075"/>
+                </a:lnTo>
+                <a:lnTo>
+                  <a:pt x="55427" y="1782762"/>
+                </a:lnTo>
+                <a:lnTo>
+                  <a:pt x="38632" y="1824037"/>
+                </a:lnTo>
+                <a:lnTo>
+                  <a:pt x="23515" y="1870075"/>
+                </a:lnTo>
+                <a:lnTo>
+                  <a:pt x="11758" y="1922462"/>
+                </a:lnTo>
+                <a:lnTo>
+                  <a:pt x="3359" y="1982787"/>
+                </a:lnTo>
+                <a:lnTo>
+                  <a:pt x="0" y="2051050"/>
+                </a:lnTo>
+                <a:lnTo>
+                  <a:pt x="3359" y="2119312"/>
+                </a:lnTo>
+                <a:lnTo>
+                  <a:pt x="11758" y="2179637"/>
+                </a:lnTo>
+                <a:lnTo>
+                  <a:pt x="23515" y="2232025"/>
+                </a:lnTo>
+                <a:lnTo>
+                  <a:pt x="38632" y="2278062"/>
+                </a:lnTo>
+                <a:lnTo>
+                  <a:pt x="55427" y="2319337"/>
+                </a:lnTo>
+                <a:lnTo>
+                  <a:pt x="75583" y="2359025"/>
+                </a:lnTo>
+                <a:lnTo>
+                  <a:pt x="95738" y="2395537"/>
+                </a:lnTo>
+                <a:lnTo>
+                  <a:pt x="115893" y="2433637"/>
+                </a:lnTo>
+                <a:lnTo>
+                  <a:pt x="134368" y="2471737"/>
+                </a:lnTo>
+                <a:lnTo>
+                  <a:pt x="152844" y="2513012"/>
+                </a:lnTo>
+                <a:lnTo>
+                  <a:pt x="167960" y="2560637"/>
+                </a:lnTo>
+                <a:lnTo>
+                  <a:pt x="178038" y="2613025"/>
+                </a:lnTo>
+                <a:lnTo>
+                  <a:pt x="188115" y="2671762"/>
+                </a:lnTo>
+                <a:lnTo>
+                  <a:pt x="189795" y="2741612"/>
+                </a:lnTo>
+                <a:lnTo>
+                  <a:pt x="188115" y="2809875"/>
+                </a:lnTo>
+                <a:lnTo>
+                  <a:pt x="178038" y="2868612"/>
+                </a:lnTo>
+                <a:lnTo>
+                  <a:pt x="167960" y="2922587"/>
+                </a:lnTo>
+                <a:lnTo>
+                  <a:pt x="152844" y="2967037"/>
+                </a:lnTo>
+                <a:lnTo>
+                  <a:pt x="134368" y="3009900"/>
+                </a:lnTo>
+                <a:lnTo>
+                  <a:pt x="115893" y="3046412"/>
+                </a:lnTo>
+                <a:lnTo>
+                  <a:pt x="95738" y="3084512"/>
+                </a:lnTo>
+                <a:lnTo>
+                  <a:pt x="75583" y="3121025"/>
+                </a:lnTo>
+                <a:lnTo>
+                  <a:pt x="55427" y="3160712"/>
+                </a:lnTo>
+                <a:lnTo>
+                  <a:pt x="38632" y="3201987"/>
+                </a:lnTo>
+                <a:lnTo>
+                  <a:pt x="23515" y="3248025"/>
+                </a:lnTo>
+                <a:lnTo>
+                  <a:pt x="11758" y="3300412"/>
+                </a:lnTo>
+                <a:lnTo>
+                  <a:pt x="3359" y="3360737"/>
+                </a:lnTo>
+                <a:lnTo>
+                  <a:pt x="0" y="3427412"/>
+                </a:lnTo>
+                <a:lnTo>
+                  <a:pt x="3359" y="3497262"/>
+                </a:lnTo>
+                <a:lnTo>
+                  <a:pt x="11758" y="3557587"/>
+                </a:lnTo>
+                <a:lnTo>
+                  <a:pt x="23515" y="3609975"/>
+                </a:lnTo>
+                <a:lnTo>
+                  <a:pt x="38632" y="3656012"/>
+                </a:lnTo>
+                <a:lnTo>
+                  <a:pt x="55427" y="3697287"/>
+                </a:lnTo>
+                <a:lnTo>
+                  <a:pt x="75583" y="3736975"/>
+                </a:lnTo>
+                <a:lnTo>
+                  <a:pt x="115893" y="3811587"/>
+                </a:lnTo>
+                <a:lnTo>
+                  <a:pt x="134368" y="3848100"/>
+                </a:lnTo>
+                <a:lnTo>
+                  <a:pt x="152844" y="3890962"/>
+                </a:lnTo>
+                <a:lnTo>
+                  <a:pt x="167960" y="3935412"/>
+                </a:lnTo>
+                <a:lnTo>
+                  <a:pt x="178038" y="3987800"/>
+                </a:lnTo>
+                <a:lnTo>
+                  <a:pt x="188115" y="4048125"/>
+                </a:lnTo>
+                <a:lnTo>
+                  <a:pt x="189795" y="4116387"/>
+                </a:lnTo>
+                <a:lnTo>
+                  <a:pt x="188115" y="4186237"/>
+                </a:lnTo>
+                <a:lnTo>
+                  <a:pt x="178038" y="4244975"/>
+                </a:lnTo>
+                <a:lnTo>
+                  <a:pt x="167960" y="4297362"/>
+                </a:lnTo>
+                <a:lnTo>
+                  <a:pt x="152844" y="4343400"/>
+                </a:lnTo>
+                <a:lnTo>
+                  <a:pt x="134368" y="4386262"/>
+                </a:lnTo>
+                <a:lnTo>
+                  <a:pt x="115893" y="4424362"/>
+                </a:lnTo>
+                <a:lnTo>
+                  <a:pt x="75583" y="4498975"/>
+                </a:lnTo>
+                <a:lnTo>
+                  <a:pt x="55427" y="4537075"/>
+                </a:lnTo>
+                <a:lnTo>
+                  <a:pt x="38632" y="4579937"/>
+                </a:lnTo>
+                <a:lnTo>
+                  <a:pt x="23515" y="4625975"/>
+                </a:lnTo>
+                <a:lnTo>
+                  <a:pt x="11758" y="4678362"/>
+                </a:lnTo>
+                <a:lnTo>
+                  <a:pt x="3359" y="4738687"/>
+                </a:lnTo>
+                <a:lnTo>
+                  <a:pt x="0" y="4806950"/>
+                </a:lnTo>
+                <a:lnTo>
+                  <a:pt x="3359" y="4875212"/>
+                </a:lnTo>
+                <a:lnTo>
+                  <a:pt x="11758" y="4935537"/>
+                </a:lnTo>
+                <a:lnTo>
+                  <a:pt x="23515" y="4987925"/>
+                </a:lnTo>
+                <a:lnTo>
+                  <a:pt x="38632" y="5033962"/>
+                </a:lnTo>
+                <a:lnTo>
+                  <a:pt x="55427" y="5075237"/>
+                </a:lnTo>
+                <a:lnTo>
+                  <a:pt x="75583" y="5114925"/>
+                </a:lnTo>
+                <a:lnTo>
+                  <a:pt x="95738" y="5149850"/>
+                </a:lnTo>
+                <a:lnTo>
+                  <a:pt x="115893" y="5186362"/>
+                </a:lnTo>
+                <a:lnTo>
+                  <a:pt x="134368" y="5226050"/>
+                </a:lnTo>
+                <a:lnTo>
+                  <a:pt x="152844" y="5268912"/>
+                </a:lnTo>
+                <a:lnTo>
+                  <a:pt x="167960" y="5313362"/>
+                </a:lnTo>
+                <a:lnTo>
+                  <a:pt x="178038" y="5365750"/>
+                </a:lnTo>
+                <a:lnTo>
+                  <a:pt x="188115" y="5426075"/>
+                </a:lnTo>
+                <a:lnTo>
+                  <a:pt x="189795" y="5494337"/>
+                </a:lnTo>
+                <a:lnTo>
+                  <a:pt x="188115" y="5562600"/>
+                </a:lnTo>
+                <a:lnTo>
+                  <a:pt x="178038" y="5622925"/>
+                </a:lnTo>
+                <a:lnTo>
+                  <a:pt x="167960" y="5675312"/>
+                </a:lnTo>
+                <a:lnTo>
+                  <a:pt x="152844" y="5721350"/>
+                </a:lnTo>
+                <a:lnTo>
+                  <a:pt x="134368" y="5762625"/>
+                </a:lnTo>
+                <a:lnTo>
+                  <a:pt x="115893" y="5802312"/>
+                </a:lnTo>
+                <a:lnTo>
+                  <a:pt x="95738" y="5840412"/>
+                </a:lnTo>
+                <a:lnTo>
+                  <a:pt x="75583" y="5876925"/>
+                </a:lnTo>
+                <a:lnTo>
+                  <a:pt x="55427" y="5915025"/>
+                </a:lnTo>
+                <a:lnTo>
+                  <a:pt x="38632" y="5956300"/>
+                </a:lnTo>
+                <a:lnTo>
+                  <a:pt x="23515" y="6003925"/>
+                </a:lnTo>
+                <a:lnTo>
+                  <a:pt x="11758" y="6056312"/>
+                </a:lnTo>
+                <a:lnTo>
+                  <a:pt x="3359" y="6113462"/>
+                </a:lnTo>
+                <a:lnTo>
+                  <a:pt x="0" y="6183312"/>
+                </a:lnTo>
+                <a:lnTo>
+                  <a:pt x="3359" y="6251575"/>
+                </a:lnTo>
+                <a:lnTo>
+                  <a:pt x="11758" y="6311900"/>
+                </a:lnTo>
+                <a:lnTo>
+                  <a:pt x="23515" y="6361112"/>
+                </a:lnTo>
+                <a:lnTo>
+                  <a:pt x="38632" y="6407150"/>
+                </a:lnTo>
+                <a:lnTo>
+                  <a:pt x="55427" y="6448425"/>
+                </a:lnTo>
+                <a:lnTo>
+                  <a:pt x="73903" y="6488112"/>
+                </a:lnTo>
+                <a:lnTo>
+                  <a:pt x="92379" y="6523037"/>
+                </a:lnTo>
+                <a:lnTo>
+                  <a:pt x="112534" y="6561137"/>
+                </a:lnTo>
+                <a:lnTo>
+                  <a:pt x="132689" y="6597650"/>
+                </a:lnTo>
+                <a:lnTo>
+                  <a:pt x="149485" y="6640512"/>
+                </a:lnTo>
+                <a:lnTo>
+                  <a:pt x="166281" y="6683375"/>
+                </a:lnTo>
+                <a:lnTo>
+                  <a:pt x="176358" y="6735762"/>
+                </a:lnTo>
+                <a:lnTo>
+                  <a:pt x="184756" y="6791325"/>
+                </a:lnTo>
+                <a:lnTo>
+                  <a:pt x="189795" y="6858000"/>
+                </a:lnTo>
+                <a:lnTo>
+                  <a:pt x="334173" y="6858000"/>
+                </a:lnTo>
+                <a:lnTo>
+                  <a:pt x="334174" y="6858000"/>
+                </a:lnTo>
+                <a:lnTo>
+                  <a:pt x="3459219" y="6858000"/>
+                </a:lnTo>
+                <a:lnTo>
+                  <a:pt x="4417162" y="6858000"/>
+                </a:lnTo>
+                <a:lnTo>
+                  <a:pt x="4838076" y="6858000"/>
+                </a:lnTo>
+                <a:close/>
+              </a:path>
+            </a:pathLst>
+          </a:custGeom>
+          <a:solidFill>
+            <a:srgbClr val="FFFFFF"/>
+          </a:solidFill>
+          <a:ln>
+            <a:noFill/>
+          </a:ln>
+        </p:spPr>
+        <p:style>
+          <a:lnRef idx="2">
+            <a:schemeClr val="accent1">
+              <a:shade val="50000"/>
+            </a:schemeClr>
+          </a:lnRef>
+          <a:fillRef idx="1">
+            <a:schemeClr val="accent1"/>
+          </a:fillRef>
+          <a:effectRef idx="0">
+            <a:schemeClr val="accent1"/>
+          </a:effectRef>
+          <a:fontRef idx="minor">
+            <a:schemeClr val="lt1"/>
+          </a:fontRef>
+        </p:style>
+        <p:txBody>
+          <a:bodyPr wrap="square" rtlCol="0" anchor="ctr">
+            <a:noAutofit/>
+          </a:bodyPr>
+          <a:lstStyle/>
+          <a:p>
+            <a:pPr algn="ctr"/>
+            <a:endParaRPr lang="en-US" dirty="0"/>
+          </a:p>
+        </p:txBody>
+      </p:sp>
+      <p:sp>
+        <p:nvSpPr>
+          <p:cNvPr id="77" name="Freeform: Shape 76">
+            <a:extLst>
+              <a:ext uri="{FF2B5EF4-FFF2-40B4-BE49-F238E27FC236}">
+                <a16:creationId xmlns:a16="http://schemas.microsoft.com/office/drawing/2014/main" id="{11BAB570-FF10-4E96-8A3F-FA9804702B89}"/>
+              </a:ext>
+              <a:ext uri="{C183D7F6-B498-43B3-948B-1728B52AA6E4}">
+                <adec:decorative xmlns:adec="http://schemas.microsoft.com/office/drawing/2017/decorative" val="1"/>
+              </a:ext>
+            </a:extLst>
+          </p:cNvPr>
+          <p:cNvSpPr>
+            <a:spLocks noGrp="1" noRot="1" noChangeAspect="1" noMove="1" noResize="1" noEditPoints="1" noAdjustHandles="1" noChangeArrowheads="1" noChangeShapeType="1" noTextEdit="1"/>
+          </p:cNvSpPr>
+          <p:nvPr>
+            <p:extLst>
+              <p:ext uri="{386F3935-93C4-4BCD-93E2-E3B085C9AB24}">
+                <p16:designElem xmlns:p16="http://schemas.microsoft.com/office/powerpoint/2015/main" val="1"/>
+              </p:ext>
+            </p:extLst>
+          </p:nvPr>
+        </p:nvSpPr>
+        <p:spPr bwMode="ltGray">
+          <a:xfrm>
+            <a:off x="0" y="0"/>
+            <a:ext cx="4693698" cy="6858000"/>
+          </a:xfrm>
+          <a:custGeom>
+            <a:avLst/>
+            <a:gdLst>
+              <a:gd name="connsiteX0" fmla="*/ 0 w 4693698"/>
+              <a:gd name="connsiteY0" fmla="*/ 0 h 6858000"/>
+              <a:gd name="connsiteX1" fmla="*/ 420914 w 4693698"/>
+              <a:gd name="connsiteY1" fmla="*/ 0 h 6858000"/>
+              <a:gd name="connsiteX2" fmla="*/ 1582057 w 4693698"/>
+              <a:gd name="connsiteY2" fmla="*/ 0 h 6858000"/>
+              <a:gd name="connsiteX3" fmla="*/ 4503903 w 4693698"/>
+              <a:gd name="connsiteY3" fmla="*/ 0 h 6858000"/>
+              <a:gd name="connsiteX4" fmla="*/ 4508943 w 4693698"/>
+              <a:gd name="connsiteY4" fmla="*/ 66675 h 6858000"/>
+              <a:gd name="connsiteX5" fmla="*/ 4517340 w 4693698"/>
+              <a:gd name="connsiteY5" fmla="*/ 122237 h 6858000"/>
+              <a:gd name="connsiteX6" fmla="*/ 4527418 w 4693698"/>
+              <a:gd name="connsiteY6" fmla="*/ 174625 h 6858000"/>
+              <a:gd name="connsiteX7" fmla="*/ 4544214 w 4693698"/>
+              <a:gd name="connsiteY7" fmla="*/ 217487 h 6858000"/>
+              <a:gd name="connsiteX8" fmla="*/ 4561010 w 4693698"/>
+              <a:gd name="connsiteY8" fmla="*/ 260350 h 6858000"/>
+              <a:gd name="connsiteX9" fmla="*/ 4581165 w 4693698"/>
+              <a:gd name="connsiteY9" fmla="*/ 296862 h 6858000"/>
+              <a:gd name="connsiteX10" fmla="*/ 4601320 w 4693698"/>
+              <a:gd name="connsiteY10" fmla="*/ 334962 h 6858000"/>
+              <a:gd name="connsiteX11" fmla="*/ 4619796 w 4693698"/>
+              <a:gd name="connsiteY11" fmla="*/ 369887 h 6858000"/>
+              <a:gd name="connsiteX12" fmla="*/ 4638271 w 4693698"/>
+              <a:gd name="connsiteY12" fmla="*/ 409575 h 6858000"/>
+              <a:gd name="connsiteX13" fmla="*/ 4655067 w 4693698"/>
+              <a:gd name="connsiteY13" fmla="*/ 450850 h 6858000"/>
+              <a:gd name="connsiteX14" fmla="*/ 4670184 w 4693698"/>
+              <a:gd name="connsiteY14" fmla="*/ 496887 h 6858000"/>
+              <a:gd name="connsiteX15" fmla="*/ 4681941 w 4693698"/>
+              <a:gd name="connsiteY15" fmla="*/ 546100 h 6858000"/>
+              <a:gd name="connsiteX16" fmla="*/ 4690339 w 4693698"/>
+              <a:gd name="connsiteY16" fmla="*/ 606425 h 6858000"/>
+              <a:gd name="connsiteX17" fmla="*/ 4693698 w 4693698"/>
+              <a:gd name="connsiteY17" fmla="*/ 673100 h 6858000"/>
+              <a:gd name="connsiteX18" fmla="*/ 4690339 w 4693698"/>
+              <a:gd name="connsiteY18" fmla="*/ 744537 h 6858000"/>
+              <a:gd name="connsiteX19" fmla="*/ 4681941 w 4693698"/>
+              <a:gd name="connsiteY19" fmla="*/ 801687 h 6858000"/>
+              <a:gd name="connsiteX20" fmla="*/ 4670184 w 4693698"/>
+              <a:gd name="connsiteY20" fmla="*/ 854075 h 6858000"/>
+              <a:gd name="connsiteX21" fmla="*/ 4655067 w 4693698"/>
+              <a:gd name="connsiteY21" fmla="*/ 901700 h 6858000"/>
+              <a:gd name="connsiteX22" fmla="*/ 4638271 w 4693698"/>
+              <a:gd name="connsiteY22" fmla="*/ 942975 h 6858000"/>
+              <a:gd name="connsiteX23" fmla="*/ 4618116 w 4693698"/>
+              <a:gd name="connsiteY23" fmla="*/ 981075 h 6858000"/>
+              <a:gd name="connsiteX24" fmla="*/ 4597961 w 4693698"/>
+              <a:gd name="connsiteY24" fmla="*/ 1017587 h 6858000"/>
+              <a:gd name="connsiteX25" fmla="*/ 4577806 w 4693698"/>
+              <a:gd name="connsiteY25" fmla="*/ 1055687 h 6858000"/>
+              <a:gd name="connsiteX26" fmla="*/ 4559330 w 4693698"/>
+              <a:gd name="connsiteY26" fmla="*/ 1095375 h 6858000"/>
+              <a:gd name="connsiteX27" fmla="*/ 4540854 w 4693698"/>
+              <a:gd name="connsiteY27" fmla="*/ 1136650 h 6858000"/>
+              <a:gd name="connsiteX28" fmla="*/ 4525739 w 4693698"/>
+              <a:gd name="connsiteY28" fmla="*/ 1182687 h 6858000"/>
+              <a:gd name="connsiteX29" fmla="*/ 4515661 w 4693698"/>
+              <a:gd name="connsiteY29" fmla="*/ 1235075 h 6858000"/>
+              <a:gd name="connsiteX30" fmla="*/ 4505583 w 4693698"/>
+              <a:gd name="connsiteY30" fmla="*/ 1295400 h 6858000"/>
+              <a:gd name="connsiteX31" fmla="*/ 4503903 w 4693698"/>
+              <a:gd name="connsiteY31" fmla="*/ 1363662 h 6858000"/>
+              <a:gd name="connsiteX32" fmla="*/ 4505583 w 4693698"/>
+              <a:gd name="connsiteY32" fmla="*/ 1431925 h 6858000"/>
+              <a:gd name="connsiteX33" fmla="*/ 4515661 w 4693698"/>
+              <a:gd name="connsiteY33" fmla="*/ 1492250 h 6858000"/>
+              <a:gd name="connsiteX34" fmla="*/ 4525739 w 4693698"/>
+              <a:gd name="connsiteY34" fmla="*/ 1544637 h 6858000"/>
+              <a:gd name="connsiteX35" fmla="*/ 4540854 w 4693698"/>
+              <a:gd name="connsiteY35" fmla="*/ 1589087 h 6858000"/>
+              <a:gd name="connsiteX36" fmla="*/ 4559330 w 4693698"/>
+              <a:gd name="connsiteY36" fmla="*/ 1631950 h 6858000"/>
+              <a:gd name="connsiteX37" fmla="*/ 4577806 w 4693698"/>
+              <a:gd name="connsiteY37" fmla="*/ 1671637 h 6858000"/>
+              <a:gd name="connsiteX38" fmla="*/ 4597961 w 4693698"/>
+              <a:gd name="connsiteY38" fmla="*/ 1708150 h 6858000"/>
+              <a:gd name="connsiteX39" fmla="*/ 4618116 w 4693698"/>
+              <a:gd name="connsiteY39" fmla="*/ 1743075 h 6858000"/>
+              <a:gd name="connsiteX40" fmla="*/ 4638271 w 4693698"/>
+              <a:gd name="connsiteY40" fmla="*/ 1782762 h 6858000"/>
+              <a:gd name="connsiteX41" fmla="*/ 4655067 w 4693698"/>
+              <a:gd name="connsiteY41" fmla="*/ 1824037 h 6858000"/>
+              <a:gd name="connsiteX42" fmla="*/ 4670184 w 4693698"/>
+              <a:gd name="connsiteY42" fmla="*/ 1870075 h 6858000"/>
+              <a:gd name="connsiteX43" fmla="*/ 4681941 w 4693698"/>
+              <a:gd name="connsiteY43" fmla="*/ 1922462 h 6858000"/>
+              <a:gd name="connsiteX44" fmla="*/ 4690339 w 4693698"/>
+              <a:gd name="connsiteY44" fmla="*/ 1982787 h 6858000"/>
+              <a:gd name="connsiteX45" fmla="*/ 4693698 w 4693698"/>
+              <a:gd name="connsiteY45" fmla="*/ 2051050 h 6858000"/>
+              <a:gd name="connsiteX46" fmla="*/ 4690339 w 4693698"/>
+              <a:gd name="connsiteY46" fmla="*/ 2119312 h 6858000"/>
+              <a:gd name="connsiteX47" fmla="*/ 4681941 w 4693698"/>
+              <a:gd name="connsiteY47" fmla="*/ 2179637 h 6858000"/>
+              <a:gd name="connsiteX48" fmla="*/ 4670184 w 4693698"/>
+              <a:gd name="connsiteY48" fmla="*/ 2232025 h 6858000"/>
+              <a:gd name="connsiteX49" fmla="*/ 4655067 w 4693698"/>
+              <a:gd name="connsiteY49" fmla="*/ 2278062 h 6858000"/>
+              <a:gd name="connsiteX50" fmla="*/ 4638271 w 4693698"/>
+              <a:gd name="connsiteY50" fmla="*/ 2319337 h 6858000"/>
+              <a:gd name="connsiteX51" fmla="*/ 4618116 w 4693698"/>
+              <a:gd name="connsiteY51" fmla="*/ 2359025 h 6858000"/>
+              <a:gd name="connsiteX52" fmla="*/ 4597961 w 4693698"/>
+              <a:gd name="connsiteY52" fmla="*/ 2395537 h 6858000"/>
+              <a:gd name="connsiteX53" fmla="*/ 4577806 w 4693698"/>
+              <a:gd name="connsiteY53" fmla="*/ 2433637 h 6858000"/>
+              <a:gd name="connsiteX54" fmla="*/ 4559330 w 4693698"/>
+              <a:gd name="connsiteY54" fmla="*/ 2471737 h 6858000"/>
+              <a:gd name="connsiteX55" fmla="*/ 4540854 w 4693698"/>
+              <a:gd name="connsiteY55" fmla="*/ 2513012 h 6858000"/>
+              <a:gd name="connsiteX56" fmla="*/ 4525739 w 4693698"/>
+              <a:gd name="connsiteY56" fmla="*/ 2560637 h 6858000"/>
+              <a:gd name="connsiteX57" fmla="*/ 4515661 w 4693698"/>
+              <a:gd name="connsiteY57" fmla="*/ 2613025 h 6858000"/>
+              <a:gd name="connsiteX58" fmla="*/ 4505583 w 4693698"/>
+              <a:gd name="connsiteY58" fmla="*/ 2671762 h 6858000"/>
+              <a:gd name="connsiteX59" fmla="*/ 4503903 w 4693698"/>
+              <a:gd name="connsiteY59" fmla="*/ 2741612 h 6858000"/>
+              <a:gd name="connsiteX60" fmla="*/ 4505583 w 4693698"/>
+              <a:gd name="connsiteY60" fmla="*/ 2809875 h 6858000"/>
+              <a:gd name="connsiteX61" fmla="*/ 4515661 w 4693698"/>
+              <a:gd name="connsiteY61" fmla="*/ 2868612 h 6858000"/>
+              <a:gd name="connsiteX62" fmla="*/ 4525739 w 4693698"/>
+              <a:gd name="connsiteY62" fmla="*/ 2922587 h 6858000"/>
+              <a:gd name="connsiteX63" fmla="*/ 4540854 w 4693698"/>
+              <a:gd name="connsiteY63" fmla="*/ 2967037 h 6858000"/>
+              <a:gd name="connsiteX64" fmla="*/ 4559330 w 4693698"/>
+              <a:gd name="connsiteY64" fmla="*/ 3009900 h 6858000"/>
+              <a:gd name="connsiteX65" fmla="*/ 4577806 w 4693698"/>
+              <a:gd name="connsiteY65" fmla="*/ 3046412 h 6858000"/>
+              <a:gd name="connsiteX66" fmla="*/ 4597961 w 4693698"/>
+              <a:gd name="connsiteY66" fmla="*/ 3084512 h 6858000"/>
+              <a:gd name="connsiteX67" fmla="*/ 4618116 w 4693698"/>
+              <a:gd name="connsiteY67" fmla="*/ 3121025 h 6858000"/>
+              <a:gd name="connsiteX68" fmla="*/ 4638271 w 4693698"/>
+              <a:gd name="connsiteY68" fmla="*/ 3160712 h 6858000"/>
+              <a:gd name="connsiteX69" fmla="*/ 4655067 w 4693698"/>
+              <a:gd name="connsiteY69" fmla="*/ 3201987 h 6858000"/>
+              <a:gd name="connsiteX70" fmla="*/ 4670184 w 4693698"/>
+              <a:gd name="connsiteY70" fmla="*/ 3248025 h 6858000"/>
+              <a:gd name="connsiteX71" fmla="*/ 4681941 w 4693698"/>
+              <a:gd name="connsiteY71" fmla="*/ 3300412 h 6858000"/>
+              <a:gd name="connsiteX72" fmla="*/ 4690339 w 4693698"/>
+              <a:gd name="connsiteY72" fmla="*/ 3360737 h 6858000"/>
+              <a:gd name="connsiteX73" fmla="*/ 4693698 w 4693698"/>
+              <a:gd name="connsiteY73" fmla="*/ 3427412 h 6858000"/>
+              <a:gd name="connsiteX74" fmla="*/ 4690339 w 4693698"/>
+              <a:gd name="connsiteY74" fmla="*/ 3497262 h 6858000"/>
+              <a:gd name="connsiteX75" fmla="*/ 4681941 w 4693698"/>
+              <a:gd name="connsiteY75" fmla="*/ 3557587 h 6858000"/>
+              <a:gd name="connsiteX76" fmla="*/ 4670184 w 4693698"/>
+              <a:gd name="connsiteY76" fmla="*/ 3609975 h 6858000"/>
+              <a:gd name="connsiteX77" fmla="*/ 4655067 w 4693698"/>
+              <a:gd name="connsiteY77" fmla="*/ 3656012 h 6858000"/>
+              <a:gd name="connsiteX78" fmla="*/ 4638271 w 4693698"/>
+              <a:gd name="connsiteY78" fmla="*/ 3697287 h 6858000"/>
+              <a:gd name="connsiteX79" fmla="*/ 4618116 w 4693698"/>
+              <a:gd name="connsiteY79" fmla="*/ 3736975 h 6858000"/>
+              <a:gd name="connsiteX80" fmla="*/ 4577806 w 4693698"/>
+              <a:gd name="connsiteY80" fmla="*/ 3811587 h 6858000"/>
+              <a:gd name="connsiteX81" fmla="*/ 4559330 w 4693698"/>
+              <a:gd name="connsiteY81" fmla="*/ 3848100 h 6858000"/>
+              <a:gd name="connsiteX82" fmla="*/ 4540854 w 4693698"/>
+              <a:gd name="connsiteY82" fmla="*/ 3890962 h 6858000"/>
+              <a:gd name="connsiteX83" fmla="*/ 4525739 w 4693698"/>
+              <a:gd name="connsiteY83" fmla="*/ 3935412 h 6858000"/>
+              <a:gd name="connsiteX84" fmla="*/ 4515661 w 4693698"/>
+              <a:gd name="connsiteY84" fmla="*/ 3987800 h 6858000"/>
+              <a:gd name="connsiteX85" fmla="*/ 4505583 w 4693698"/>
+              <a:gd name="connsiteY85" fmla="*/ 4048125 h 6858000"/>
+              <a:gd name="connsiteX86" fmla="*/ 4503903 w 4693698"/>
+              <a:gd name="connsiteY86" fmla="*/ 4116387 h 6858000"/>
+              <a:gd name="connsiteX87" fmla="*/ 4505583 w 4693698"/>
+              <a:gd name="connsiteY87" fmla="*/ 4186237 h 6858000"/>
+              <a:gd name="connsiteX88" fmla="*/ 4515661 w 4693698"/>
+              <a:gd name="connsiteY88" fmla="*/ 4244975 h 6858000"/>
+              <a:gd name="connsiteX89" fmla="*/ 4525739 w 4693698"/>
+              <a:gd name="connsiteY89" fmla="*/ 4297362 h 6858000"/>
+              <a:gd name="connsiteX90" fmla="*/ 4540854 w 4693698"/>
+              <a:gd name="connsiteY90" fmla="*/ 4343400 h 6858000"/>
+              <a:gd name="connsiteX91" fmla="*/ 4559330 w 4693698"/>
+              <a:gd name="connsiteY91" fmla="*/ 4386262 h 6858000"/>
+              <a:gd name="connsiteX92" fmla="*/ 4577806 w 4693698"/>
+              <a:gd name="connsiteY92" fmla="*/ 4424362 h 6858000"/>
+              <a:gd name="connsiteX93" fmla="*/ 4618116 w 4693698"/>
+              <a:gd name="connsiteY93" fmla="*/ 4498975 h 6858000"/>
+              <a:gd name="connsiteX94" fmla="*/ 4638271 w 4693698"/>
+              <a:gd name="connsiteY94" fmla="*/ 4537075 h 6858000"/>
+              <a:gd name="connsiteX95" fmla="*/ 4655067 w 4693698"/>
+              <a:gd name="connsiteY95" fmla="*/ 4579937 h 6858000"/>
+              <a:gd name="connsiteX96" fmla="*/ 4670184 w 4693698"/>
+              <a:gd name="connsiteY96" fmla="*/ 4625975 h 6858000"/>
+              <a:gd name="connsiteX97" fmla="*/ 4681941 w 4693698"/>
+              <a:gd name="connsiteY97" fmla="*/ 4678362 h 6858000"/>
+              <a:gd name="connsiteX98" fmla="*/ 4690339 w 4693698"/>
+              <a:gd name="connsiteY98" fmla="*/ 4738687 h 6858000"/>
+              <a:gd name="connsiteX99" fmla="*/ 4693698 w 4693698"/>
+              <a:gd name="connsiteY99" fmla="*/ 4806950 h 6858000"/>
+              <a:gd name="connsiteX100" fmla="*/ 4690339 w 4693698"/>
+              <a:gd name="connsiteY100" fmla="*/ 4875212 h 6858000"/>
+              <a:gd name="connsiteX101" fmla="*/ 4681941 w 4693698"/>
+              <a:gd name="connsiteY101" fmla="*/ 4935537 h 6858000"/>
+              <a:gd name="connsiteX102" fmla="*/ 4670184 w 4693698"/>
+              <a:gd name="connsiteY102" fmla="*/ 4987925 h 6858000"/>
+              <a:gd name="connsiteX103" fmla="*/ 4655067 w 4693698"/>
+              <a:gd name="connsiteY103" fmla="*/ 5033962 h 6858000"/>
+              <a:gd name="connsiteX104" fmla="*/ 4638271 w 4693698"/>
+              <a:gd name="connsiteY104" fmla="*/ 5075237 h 6858000"/>
+              <a:gd name="connsiteX105" fmla="*/ 4618116 w 4693698"/>
+              <a:gd name="connsiteY105" fmla="*/ 5114925 h 6858000"/>
+              <a:gd name="connsiteX106" fmla="*/ 4597961 w 4693698"/>
+              <a:gd name="connsiteY106" fmla="*/ 5149850 h 6858000"/>
+              <a:gd name="connsiteX107" fmla="*/ 4577806 w 4693698"/>
+              <a:gd name="connsiteY107" fmla="*/ 5186362 h 6858000"/>
+              <a:gd name="connsiteX108" fmla="*/ 4559330 w 4693698"/>
+              <a:gd name="connsiteY108" fmla="*/ 5226050 h 6858000"/>
+              <a:gd name="connsiteX109" fmla="*/ 4540854 w 4693698"/>
+              <a:gd name="connsiteY109" fmla="*/ 5268912 h 6858000"/>
+              <a:gd name="connsiteX110" fmla="*/ 4525739 w 4693698"/>
+              <a:gd name="connsiteY110" fmla="*/ 5313362 h 6858000"/>
+              <a:gd name="connsiteX111" fmla="*/ 4515661 w 4693698"/>
+              <a:gd name="connsiteY111" fmla="*/ 5365750 h 6858000"/>
+              <a:gd name="connsiteX112" fmla="*/ 4505583 w 4693698"/>
+              <a:gd name="connsiteY112" fmla="*/ 5426075 h 6858000"/>
+              <a:gd name="connsiteX113" fmla="*/ 4503903 w 4693698"/>
+              <a:gd name="connsiteY113" fmla="*/ 5494337 h 6858000"/>
+              <a:gd name="connsiteX114" fmla="*/ 4505583 w 4693698"/>
+              <a:gd name="connsiteY114" fmla="*/ 5562600 h 6858000"/>
+              <a:gd name="connsiteX115" fmla="*/ 4515661 w 4693698"/>
+              <a:gd name="connsiteY115" fmla="*/ 5622925 h 6858000"/>
+              <a:gd name="connsiteX116" fmla="*/ 4525739 w 4693698"/>
+              <a:gd name="connsiteY116" fmla="*/ 5675312 h 6858000"/>
+              <a:gd name="connsiteX117" fmla="*/ 4540854 w 4693698"/>
+              <a:gd name="connsiteY117" fmla="*/ 5721350 h 6858000"/>
+              <a:gd name="connsiteX118" fmla="*/ 4559330 w 4693698"/>
+              <a:gd name="connsiteY118" fmla="*/ 5762625 h 6858000"/>
+              <a:gd name="connsiteX119" fmla="*/ 4577806 w 4693698"/>
+              <a:gd name="connsiteY119" fmla="*/ 5802312 h 6858000"/>
+              <a:gd name="connsiteX120" fmla="*/ 4597961 w 4693698"/>
+              <a:gd name="connsiteY120" fmla="*/ 5840412 h 6858000"/>
+              <a:gd name="connsiteX121" fmla="*/ 4618116 w 4693698"/>
+              <a:gd name="connsiteY121" fmla="*/ 5876925 h 6858000"/>
+              <a:gd name="connsiteX122" fmla="*/ 4638271 w 4693698"/>
+              <a:gd name="connsiteY122" fmla="*/ 5915025 h 6858000"/>
+              <a:gd name="connsiteX123" fmla="*/ 4655067 w 4693698"/>
+              <a:gd name="connsiteY123" fmla="*/ 5956300 h 6858000"/>
+              <a:gd name="connsiteX124" fmla="*/ 4670184 w 4693698"/>
+              <a:gd name="connsiteY124" fmla="*/ 6003925 h 6858000"/>
+              <a:gd name="connsiteX125" fmla="*/ 4681941 w 4693698"/>
+              <a:gd name="connsiteY125" fmla="*/ 6056312 h 6858000"/>
+              <a:gd name="connsiteX126" fmla="*/ 4690339 w 4693698"/>
+              <a:gd name="connsiteY126" fmla="*/ 6113462 h 6858000"/>
+              <a:gd name="connsiteX127" fmla="*/ 4693698 w 4693698"/>
+              <a:gd name="connsiteY127" fmla="*/ 6183312 h 6858000"/>
+              <a:gd name="connsiteX128" fmla="*/ 4690339 w 4693698"/>
+              <a:gd name="connsiteY128" fmla="*/ 6251575 h 6858000"/>
+              <a:gd name="connsiteX129" fmla="*/ 4681941 w 4693698"/>
+              <a:gd name="connsiteY129" fmla="*/ 6311900 h 6858000"/>
+              <a:gd name="connsiteX130" fmla="*/ 4670184 w 4693698"/>
+              <a:gd name="connsiteY130" fmla="*/ 6361112 h 6858000"/>
+              <a:gd name="connsiteX131" fmla="*/ 4655067 w 4693698"/>
+              <a:gd name="connsiteY131" fmla="*/ 6407150 h 6858000"/>
+              <a:gd name="connsiteX132" fmla="*/ 4638271 w 4693698"/>
+              <a:gd name="connsiteY132" fmla="*/ 6448425 h 6858000"/>
+              <a:gd name="connsiteX133" fmla="*/ 4619796 w 4693698"/>
+              <a:gd name="connsiteY133" fmla="*/ 6488112 h 6858000"/>
+              <a:gd name="connsiteX134" fmla="*/ 4601320 w 4693698"/>
+              <a:gd name="connsiteY134" fmla="*/ 6523037 h 6858000"/>
+              <a:gd name="connsiteX135" fmla="*/ 4581165 w 4693698"/>
+              <a:gd name="connsiteY135" fmla="*/ 6561137 h 6858000"/>
+              <a:gd name="connsiteX136" fmla="*/ 4561010 w 4693698"/>
+              <a:gd name="connsiteY136" fmla="*/ 6597650 h 6858000"/>
+              <a:gd name="connsiteX137" fmla="*/ 4544214 w 4693698"/>
+              <a:gd name="connsiteY137" fmla="*/ 6640512 h 6858000"/>
+              <a:gd name="connsiteX138" fmla="*/ 4527418 w 4693698"/>
+              <a:gd name="connsiteY138" fmla="*/ 6683375 h 6858000"/>
+              <a:gd name="connsiteX139" fmla="*/ 4517340 w 4693698"/>
+              <a:gd name="connsiteY139" fmla="*/ 6735762 h 6858000"/>
+              <a:gd name="connsiteX140" fmla="*/ 4508943 w 4693698"/>
+              <a:gd name="connsiteY140" fmla="*/ 6791325 h 6858000"/>
+              <a:gd name="connsiteX141" fmla="*/ 4503903 w 4693698"/>
+              <a:gd name="connsiteY141" fmla="*/ 6858000 h 6858000"/>
+              <a:gd name="connsiteX142" fmla="*/ 1582057 w 4693698"/>
+              <a:gd name="connsiteY142" fmla="*/ 6858000 h 6858000"/>
+              <a:gd name="connsiteX143" fmla="*/ 420914 w 4693698"/>
+              <a:gd name="connsiteY143" fmla="*/ 6858000 h 6858000"/>
+              <a:gd name="connsiteX144" fmla="*/ 0 w 4693698"/>
+              <a:gd name="connsiteY144" fmla="*/ 6858000 h 6858000"/>
+            </a:gdLst>
+            <a:ahLst/>
+            <a:cxnLst>
+              <a:cxn ang="0">
+                <a:pos x="connsiteX0" y="connsiteY0"/>
+              </a:cxn>
+              <a:cxn ang="0">
+                <a:pos x="connsiteX1" y="connsiteY1"/>
+              </a:cxn>
+              <a:cxn ang="0">
+                <a:pos x="connsiteX2" y="connsiteY2"/>
+              </a:cxn>
+              <a:cxn ang="0">
+                <a:pos x="connsiteX3" y="connsiteY3"/>
+              </a:cxn>
+              <a:cxn ang="0">
+                <a:pos x="connsiteX4" y="connsiteY4"/>
+              </a:cxn>
+              <a:cxn ang="0">
+                <a:pos x="connsiteX5" y="connsiteY5"/>
+              </a:cxn>
+              <a:cxn ang="0">
+                <a:pos x="connsiteX6" y="connsiteY6"/>
+              </a:cxn>
+              <a:cxn ang="0">
+                <a:pos x="connsiteX7" y="connsiteY7"/>
+              </a:cxn>
+              <a:cxn ang="0">
+                <a:pos x="connsiteX8" y="connsiteY8"/>
+              </a:cxn>
+              <a:cxn ang="0">
+                <a:pos x="connsiteX9" y="connsiteY9"/>
+              </a:cxn>
+              <a:cxn ang="0">
+                <a:pos x="connsiteX10" y="connsiteY10"/>
+              </a:cxn>
+              <a:cxn ang="0">
+                <a:pos x="connsiteX11" y="connsiteY11"/>
+              </a:cxn>
+              <a:cxn ang="0">
+                <a:pos x="connsiteX12" y="connsiteY12"/>
+              </a:cxn>
+              <a:cxn ang="0">
+                <a:pos x="connsiteX13" y="connsiteY13"/>
+              </a:cxn>
+              <a:cxn ang="0">
+                <a:pos x="connsiteX14" y="connsiteY14"/>
+              </a:cxn>
+              <a:cxn ang="0">
+                <a:pos x="connsiteX15" y="connsiteY15"/>
+              </a:cxn>
+              <a:cxn ang="0">
+                <a:pos x="connsiteX16" y="connsiteY16"/>
+              </a:cxn>
+              <a:cxn ang="0">
+                <a:pos x="connsiteX17" y="connsiteY17"/>
+              </a:cxn>
+              <a:cxn ang="0">
+                <a:pos x="connsiteX18" y="connsiteY18"/>
+              </a:cxn>
+              <a:cxn ang="0">
+                <a:pos x="connsiteX19" y="connsiteY19"/>
+              </a:cxn>
+              <a:cxn ang="0">
+                <a:pos x="connsiteX20" y="connsiteY20"/>
+              </a:cxn>
+              <a:cxn ang="0">
+                <a:pos x="connsiteX21" y="connsiteY21"/>
+              </a:cxn>
+              <a:cxn ang="0">
+                <a:pos x="connsiteX22" y="connsiteY22"/>
+              </a:cxn>
+              <a:cxn ang="0">
+                <a:pos x="connsiteX23" y="connsiteY23"/>
+              </a:cxn>
+              <a:cxn ang="0">
+                <a:pos x="connsiteX24" y="connsiteY24"/>
+              </a:cxn>
+              <a:cxn ang="0">
+                <a:pos x="connsiteX25" y="connsiteY25"/>
+              </a:cxn>
+              <a:cxn ang="0">
+                <a:pos x="connsiteX26" y="connsiteY26"/>
+              </a:cxn>
+              <a:cxn ang="0">
+                <a:pos x="connsiteX27" y="connsiteY27"/>
+              </a:cxn>
+              <a:cxn ang="0">
+                <a:pos x="connsiteX28" y="connsiteY28"/>
+              </a:cxn>
+              <a:cxn ang="0">
+                <a:pos x="connsiteX29" y="connsiteY29"/>
+              </a:cxn>
+              <a:cxn ang="0">
+                <a:pos x="connsiteX30" y="connsiteY30"/>
+              </a:cxn>
+              <a:cxn ang="0">
+                <a:pos x="connsiteX31" y="connsiteY31"/>
+              </a:cxn>
+              <a:cxn ang="0">
+                <a:pos x="connsiteX32" y="connsiteY32"/>
+              </a:cxn>
+              <a:cxn ang="0">
+                <a:pos x="connsiteX33" y="connsiteY33"/>
+              </a:cxn>
+              <a:cxn ang="0">
+                <a:pos x="connsiteX34" y="connsiteY34"/>
+              </a:cxn>
+              <a:cxn ang="0">
+                <a:pos x="connsiteX35" y="connsiteY35"/>
+              </a:cxn>
+              <a:cxn ang="0">
+                <a:pos x="connsiteX36" y="connsiteY36"/>
+              </a:cxn>
+              <a:cxn ang="0">
+                <a:pos x="connsiteX37" y="connsiteY37"/>
+              </a:cxn>
+              <a:cxn ang="0">
+                <a:pos x="connsiteX38" y="connsiteY38"/>
+              </a:cxn>
+              <a:cxn ang="0">
+                <a:pos x="connsiteX39" y="connsiteY39"/>
+              </a:cxn>
+              <a:cxn ang="0">
+                <a:pos x="connsiteX40" y="connsiteY40"/>
+              </a:cxn>
+              <a:cxn ang="0">
+                <a:pos x="connsiteX41" y="connsiteY41"/>
+              </a:cxn>
+              <a:cxn ang="0">
+                <a:pos x="connsiteX42" y="connsiteY42"/>
+              </a:cxn>
+              <a:cxn ang="0">
+                <a:pos x="connsiteX43" y="connsiteY43"/>
+              </a:cxn>
+              <a:cxn ang="0">
+                <a:pos x="connsiteX44" y="connsiteY44"/>
+              </a:cxn>
+              <a:cxn ang="0">
+                <a:pos x="connsiteX45" y="connsiteY45"/>
+              </a:cxn>
+              <a:cxn ang="0">
+                <a:pos x="connsiteX46" y="connsiteY46"/>
+              </a:cxn>
+              <a:cxn ang="0">
+                <a:pos x="connsiteX47" y="connsiteY47"/>
+              </a:cxn>
+              <a:cxn ang="0">
+                <a:pos x="connsiteX48" y="connsiteY48"/>
+              </a:cxn>
+              <a:cxn ang="0">
+                <a:pos x="connsiteX49" y="connsiteY49"/>
+              </a:cxn>
+              <a:cxn ang="0">
+                <a:pos x="connsiteX50" y="connsiteY50"/>
+              </a:cxn>
+              <a:cxn ang="0">
+                <a:pos x="connsiteX51" y="connsiteY51"/>
+              </a:cxn>
+              <a:cxn ang="0">
+                <a:pos x="connsiteX52" y="connsiteY52"/>
+              </a:cxn>
+              <a:cxn ang="0">
+                <a:pos x="connsiteX53" y="connsiteY53"/>
+              </a:cxn>
+              <a:cxn ang="0">
+                <a:pos x="connsiteX54" y="connsiteY54"/>
+              </a:cxn>
+              <a:cxn ang="0">
+                <a:pos x="connsiteX55" y="connsiteY55"/>
+              </a:cxn>
+              <a:cxn ang="0">
+                <a:pos x="connsiteX56" y="connsiteY56"/>
+              </a:cxn>
+              <a:cxn ang="0">
+                <a:pos x="connsiteX57" y="connsiteY57"/>
+              </a:cxn>
+              <a:cxn ang="0">
+                <a:pos x="connsiteX58" y="connsiteY58"/>
+              </a:cxn>
+              <a:cxn ang="0">
+                <a:pos x="connsiteX59" y="connsiteY59"/>
+              </a:cxn>
+              <a:cxn ang="0">
+                <a:pos x="connsiteX60" y="connsiteY60"/>
+              </a:cxn>
+              <a:cxn ang="0">
+                <a:pos x="connsiteX61" y="connsiteY61"/>
+              </a:cxn>
+              <a:cxn ang="0">
+                <a:pos x="connsiteX62" y="connsiteY62"/>
+              </a:cxn>
+              <a:cxn ang="0">
+                <a:pos x="connsiteX63" y="connsiteY63"/>
+              </a:cxn>
+              <a:cxn ang="0">
+                <a:pos x="connsiteX64" y="connsiteY64"/>
+              </a:cxn>
+              <a:cxn ang="0">
+                <a:pos x="connsiteX65" y="connsiteY65"/>
+              </a:cxn>
+              <a:cxn ang="0">
+                <a:pos x="connsiteX66" y="connsiteY66"/>
+              </a:cxn>
+              <a:cxn ang="0">
+                <a:pos x="connsiteX67" y="connsiteY67"/>
+              </a:cxn>
+              <a:cxn ang="0">
+                <a:pos x="connsiteX68" y="connsiteY68"/>
+              </a:cxn>
+              <a:cxn ang="0">
+                <a:pos x="connsiteX69" y="connsiteY69"/>
+              </a:cxn>
+              <a:cxn ang="0">
+                <a:pos x="connsiteX70" y="connsiteY70"/>
+              </a:cxn>
+              <a:cxn ang="0">
+                <a:pos x="connsiteX71" y="connsiteY71"/>
+              </a:cxn>
+              <a:cxn ang="0">
+                <a:pos x="connsiteX72" y="connsiteY72"/>
+              </a:cxn>
+              <a:cxn ang="0">
+                <a:pos x="connsiteX73" y="connsiteY73"/>
+              </a:cxn>
+              <a:cxn ang="0">
+                <a:pos x="connsiteX74" y="connsiteY74"/>
+              </a:cxn>
+              <a:cxn ang="0">
+                <a:pos x="connsiteX75" y="connsiteY75"/>
+              </a:cxn>
+              <a:cxn ang="0">
+                <a:pos x="connsiteX76" y="connsiteY76"/>
+              </a:cxn>
+              <a:cxn ang="0">
+                <a:pos x="connsiteX77" y="connsiteY77"/>
+              </a:cxn>
+              <a:cxn ang="0">
+                <a:pos x="connsiteX78" y="connsiteY78"/>
+              </a:cxn>
+              <a:cxn ang="0">
+                <a:pos x="connsiteX79" y="connsiteY79"/>
+              </a:cxn>
+              <a:cxn ang="0">
+                <a:pos x="connsiteX80" y="connsiteY80"/>
+              </a:cxn>
+              <a:cxn ang="0">
+                <a:pos x="connsiteX81" y="connsiteY81"/>
+              </a:cxn>
+              <a:cxn ang="0">
+                <a:pos x="connsiteX82" y="connsiteY82"/>
+              </a:cxn>
+              <a:cxn ang="0">
+                <a:pos x="connsiteX83" y="connsiteY83"/>
+              </a:cxn>
+              <a:cxn ang="0">
+                <a:pos x="connsiteX84" y="connsiteY84"/>
+              </a:cxn>
+              <a:cxn ang="0">
+                <a:pos x="connsiteX85" y="connsiteY85"/>
+              </a:cxn>
+              <a:cxn ang="0">
+                <a:pos x="connsiteX86" y="connsiteY86"/>
+              </a:cxn>
+              <a:cxn ang="0">
+                <a:pos x="connsiteX87" y="connsiteY87"/>
+              </a:cxn>
+              <a:cxn ang="0">
+                <a:pos x="connsiteX88" y="connsiteY88"/>
+              </a:cxn>
+              <a:cxn ang="0">
+                <a:pos x="connsiteX89" y="connsiteY89"/>
+              </a:cxn>
+              <a:cxn ang="0">
+                <a:pos x="connsiteX90" y="connsiteY90"/>
+              </a:cxn>
+              <a:cxn ang="0">
+                <a:pos x="connsiteX91" y="connsiteY91"/>
+              </a:cxn>
+              <a:cxn ang="0">
+                <a:pos x="connsiteX92" y="connsiteY92"/>
+              </a:cxn>
+              <a:cxn ang="0">
+                <a:pos x="connsiteX93" y="connsiteY93"/>
+              </a:cxn>
+              <a:cxn ang="0">
+                <a:pos x="connsiteX94" y="connsiteY94"/>
+              </a:cxn>
+              <a:cxn ang="0">
+                <a:pos x="connsiteX95" y="connsiteY95"/>
+              </a:cxn>
+              <a:cxn ang="0">
+                <a:pos x="connsiteX96" y="connsiteY96"/>
+              </a:cxn>
+              <a:cxn ang="0">
+                <a:pos x="connsiteX97" y="connsiteY97"/>
+              </a:cxn>
+              <a:cxn ang="0">
+                <a:pos x="connsiteX98" y="connsiteY98"/>
+              </a:cxn>
+              <a:cxn ang="0">
+                <a:pos x="connsiteX99" y="connsiteY99"/>
+              </a:cxn>
+              <a:cxn ang="0">
+                <a:pos x="connsiteX100" y="connsiteY100"/>
+              </a:cxn>
+              <a:cxn ang="0">
+                <a:pos x="connsiteX101" y="connsiteY101"/>
+              </a:cxn>
+              <a:cxn ang="0">
+                <a:pos x="connsiteX102" y="connsiteY102"/>
+              </a:cxn>
+              <a:cxn ang="0">
+                <a:pos x="connsiteX103" y="connsiteY103"/>
+              </a:cxn>
+              <a:cxn ang="0">
+                <a:pos x="connsiteX104" y="connsiteY104"/>
+              </a:cxn>
+              <a:cxn ang="0">
+                <a:pos x="connsiteX105" y="connsiteY105"/>
+              </a:cxn>
+              <a:cxn ang="0">
+                <a:pos x="connsiteX106" y="connsiteY106"/>
+              </a:cxn>
+              <a:cxn ang="0">
+                <a:pos x="connsiteX107" y="connsiteY107"/>
+              </a:cxn>
+              <a:cxn ang="0">
+                <a:pos x="connsiteX108" y="connsiteY108"/>
+              </a:cxn>
+              <a:cxn ang="0">
+                <a:pos x="connsiteX109" y="connsiteY109"/>
+              </a:cxn>
+              <a:cxn ang="0">
+                <a:pos x="connsiteX110" y="connsiteY110"/>
+              </a:cxn>
+              <a:cxn ang="0">
+                <a:pos x="connsiteX111" y="connsiteY111"/>
+              </a:cxn>
+              <a:cxn ang="0">
+                <a:pos x="connsiteX112" y="connsiteY112"/>
+              </a:cxn>
+              <a:cxn ang="0">
+                <a:pos x="connsiteX113" y="connsiteY113"/>
+              </a:cxn>
+              <a:cxn ang="0">
+                <a:pos x="connsiteX114" y="connsiteY114"/>
+              </a:cxn>
+              <a:cxn ang="0">
+                <a:pos x="connsiteX115" y="connsiteY115"/>
+              </a:cxn>
+              <a:cxn ang="0">
+                <a:pos x="connsiteX116" y="connsiteY116"/>
+              </a:cxn>
+              <a:cxn ang="0">
+                <a:pos x="connsiteX117" y="connsiteY117"/>
+              </a:cxn>
+              <a:cxn ang="0">
+                <a:pos x="connsiteX118" y="connsiteY118"/>
+              </a:cxn>
+              <a:cxn ang="0">
+                <a:pos x="connsiteX119" y="connsiteY119"/>
+              </a:cxn>
+              <a:cxn ang="0">
+                <a:pos x="connsiteX120" y="connsiteY120"/>
+              </a:cxn>
+              <a:cxn ang="0">
+                <a:pos x="connsiteX121" y="connsiteY121"/>
+              </a:cxn>
+              <a:cxn ang="0">
+                <a:pos x="connsiteX122" y="connsiteY122"/>
+              </a:cxn>
+              <a:cxn ang="0">
+                <a:pos x="connsiteX123" y="connsiteY123"/>
+              </a:cxn>
+              <a:cxn ang="0">
+                <a:pos x="connsiteX124" y="connsiteY124"/>
+              </a:cxn>
+              <a:cxn ang="0">
+                <a:pos x="connsiteX125" y="connsiteY125"/>
+              </a:cxn>
+              <a:cxn ang="0">
+                <a:pos x="connsiteX126" y="connsiteY126"/>
+              </a:cxn>
+              <a:cxn ang="0">
+                <a:pos x="connsiteX127" y="connsiteY127"/>
+              </a:cxn>
+              <a:cxn ang="0">
+                <a:pos x="connsiteX128" y="connsiteY128"/>
+              </a:cxn>
+              <a:cxn ang="0">
+                <a:pos x="connsiteX129" y="connsiteY129"/>
+              </a:cxn>
+              <a:cxn ang="0">
+                <a:pos x="connsiteX130" y="connsiteY130"/>
+              </a:cxn>
+              <a:cxn ang="0">
+                <a:pos x="connsiteX131" y="connsiteY131"/>
+              </a:cxn>
+              <a:cxn ang="0">
+                <a:pos x="connsiteX132" y="connsiteY132"/>
+              </a:cxn>
+              <a:cxn ang="0">
+                <a:pos x="connsiteX133" y="connsiteY133"/>
+              </a:cxn>
+              <a:cxn ang="0">
+                <a:pos x="connsiteX134" y="connsiteY134"/>
+              </a:cxn>
+              <a:cxn ang="0">
+                <a:pos x="connsiteX135" y="connsiteY135"/>
+              </a:cxn>
+              <a:cxn ang="0">
+                <a:pos x="connsiteX136" y="connsiteY136"/>
+              </a:cxn>
+              <a:cxn ang="0">
+                <a:pos x="connsiteX137" y="connsiteY137"/>
+              </a:cxn>
+              <a:cxn ang="0">
+                <a:pos x="connsiteX138" y="connsiteY138"/>
+              </a:cxn>
+              <a:cxn ang="0">
+                <a:pos x="connsiteX139" y="connsiteY139"/>
+              </a:cxn>
+              <a:cxn ang="0">
+                <a:pos x="connsiteX140" y="connsiteY140"/>
+              </a:cxn>
+              <a:cxn ang="0">
+                <a:pos x="connsiteX141" y="connsiteY141"/>
+              </a:cxn>
+              <a:cxn ang="0">
+                <a:pos x="connsiteX142" y="connsiteY142"/>
+              </a:cxn>
+              <a:cxn ang="0">
+                <a:pos x="connsiteX143" y="connsiteY143"/>
+              </a:cxn>
+              <a:cxn ang="0">
+                <a:pos x="connsiteX144" y="connsiteY144"/>
+              </a:cxn>
+            </a:cxnLst>
+            <a:rect l="l" t="t" r="r" b="b"/>
+            <a:pathLst>
+              <a:path w="4693698" h="6858000">
+                <a:moveTo>
+                  <a:pt x="0" y="0"/>
+                </a:moveTo>
+                <a:lnTo>
+                  <a:pt x="420914" y="0"/>
+                </a:lnTo>
+                <a:lnTo>
+                  <a:pt x="1582057" y="0"/>
+                </a:lnTo>
+                <a:lnTo>
+                  <a:pt x="4503903" y="0"/>
+                </a:lnTo>
+                <a:lnTo>
+                  <a:pt x="4508943" y="66675"/>
+                </a:lnTo>
+                <a:lnTo>
+                  <a:pt x="4517340" y="122237"/>
+                </a:lnTo>
+                <a:lnTo>
+                  <a:pt x="4527418" y="174625"/>
+                </a:lnTo>
+                <a:lnTo>
+                  <a:pt x="4544214" y="217487"/>
+                </a:lnTo>
+                <a:lnTo>
+                  <a:pt x="4561010" y="260350"/>
+                </a:lnTo>
+                <a:lnTo>
+                  <a:pt x="4581165" y="296862"/>
+                </a:lnTo>
+                <a:lnTo>
+                  <a:pt x="4601320" y="334962"/>
+                </a:lnTo>
+                <a:lnTo>
+                  <a:pt x="4619796" y="369887"/>
+                </a:lnTo>
+                <a:lnTo>
+                  <a:pt x="4638271" y="409575"/>
+                </a:lnTo>
+                <a:lnTo>
+                  <a:pt x="4655067" y="450850"/>
+                </a:lnTo>
+                <a:lnTo>
+                  <a:pt x="4670184" y="496887"/>
+                </a:lnTo>
+                <a:lnTo>
+                  <a:pt x="4681941" y="546100"/>
+                </a:lnTo>
+                <a:lnTo>
+                  <a:pt x="4690339" y="606425"/>
+                </a:lnTo>
+                <a:lnTo>
+                  <a:pt x="4693698" y="673100"/>
+                </a:lnTo>
+                <a:lnTo>
+                  <a:pt x="4690339" y="744537"/>
+                </a:lnTo>
+                <a:lnTo>
+                  <a:pt x="4681941" y="801687"/>
+                </a:lnTo>
+                <a:lnTo>
+                  <a:pt x="4670184" y="854075"/>
+                </a:lnTo>
+                <a:lnTo>
+                  <a:pt x="4655067" y="901700"/>
+                </a:lnTo>
+                <a:lnTo>
+                  <a:pt x="4638271" y="942975"/>
+                </a:lnTo>
+                <a:lnTo>
+                  <a:pt x="4618116" y="981075"/>
+                </a:lnTo>
+                <a:lnTo>
+                  <a:pt x="4597961" y="1017587"/>
+                </a:lnTo>
+                <a:lnTo>
+                  <a:pt x="4577806" y="1055687"/>
+                </a:lnTo>
+                <a:lnTo>
+                  <a:pt x="4559330" y="1095375"/>
+                </a:lnTo>
+                <a:lnTo>
+                  <a:pt x="4540854" y="1136650"/>
+                </a:lnTo>
+                <a:lnTo>
+                  <a:pt x="4525739" y="1182687"/>
+                </a:lnTo>
+                <a:lnTo>
+                  <a:pt x="4515661" y="1235075"/>
+                </a:lnTo>
+                <a:lnTo>
+                  <a:pt x="4505583" y="1295400"/>
+                </a:lnTo>
+                <a:lnTo>
+                  <a:pt x="4503903" y="1363662"/>
+                </a:lnTo>
+                <a:lnTo>
+                  <a:pt x="4505583" y="1431925"/>
+                </a:lnTo>
+                <a:lnTo>
+                  <a:pt x="4515661" y="1492250"/>
+                </a:lnTo>
+                <a:lnTo>
+                  <a:pt x="4525739" y="1544637"/>
+                </a:lnTo>
+                <a:lnTo>
+                  <a:pt x="4540854" y="1589087"/>
+                </a:lnTo>
+                <a:lnTo>
+                  <a:pt x="4559330" y="1631950"/>
+                </a:lnTo>
+                <a:lnTo>
+                  <a:pt x="4577806" y="1671637"/>
+                </a:lnTo>
+                <a:lnTo>
+                  <a:pt x="4597961" y="1708150"/>
+                </a:lnTo>
+                <a:lnTo>
+                  <a:pt x="4618116" y="1743075"/>
+                </a:lnTo>
+                <a:lnTo>
+                  <a:pt x="4638271" y="1782762"/>
+                </a:lnTo>
+                <a:lnTo>
+                  <a:pt x="4655067" y="1824037"/>
+                </a:lnTo>
+                <a:lnTo>
+                  <a:pt x="4670184" y="1870075"/>
+                </a:lnTo>
+                <a:lnTo>
+                  <a:pt x="4681941" y="1922462"/>
+                </a:lnTo>
+                <a:lnTo>
+                  <a:pt x="4690339" y="1982787"/>
+                </a:lnTo>
+                <a:lnTo>
+                  <a:pt x="4693698" y="2051050"/>
+                </a:lnTo>
+                <a:lnTo>
+                  <a:pt x="4690339" y="2119312"/>
+                </a:lnTo>
+                <a:lnTo>
+                  <a:pt x="4681941" y="2179637"/>
+                </a:lnTo>
+                <a:lnTo>
+                  <a:pt x="4670184" y="2232025"/>
+                </a:lnTo>
+                <a:lnTo>
+                  <a:pt x="4655067" y="2278062"/>
+                </a:lnTo>
+                <a:lnTo>
+                  <a:pt x="4638271" y="2319337"/>
+                </a:lnTo>
+                <a:lnTo>
+                  <a:pt x="4618116" y="2359025"/>
+                </a:lnTo>
+                <a:lnTo>
+                  <a:pt x="4597961" y="2395537"/>
+                </a:lnTo>
+                <a:lnTo>
+                  <a:pt x="4577806" y="2433637"/>
+                </a:lnTo>
+                <a:lnTo>
+                  <a:pt x="4559330" y="2471737"/>
+                </a:lnTo>
+                <a:lnTo>
+                  <a:pt x="4540854" y="2513012"/>
+                </a:lnTo>
+                <a:lnTo>
+                  <a:pt x="4525739" y="2560637"/>
+                </a:lnTo>
+                <a:lnTo>
+                  <a:pt x="4515661" y="2613025"/>
+                </a:lnTo>
+                <a:lnTo>
+                  <a:pt x="4505583" y="2671762"/>
+                </a:lnTo>
+                <a:lnTo>
+                  <a:pt x="4503903" y="2741612"/>
+                </a:lnTo>
+                <a:lnTo>
+                  <a:pt x="4505583" y="2809875"/>
+                </a:lnTo>
+                <a:lnTo>
+                  <a:pt x="4515661" y="2868612"/>
+                </a:lnTo>
+                <a:lnTo>
+                  <a:pt x="4525739" y="2922587"/>
+                </a:lnTo>
+                <a:lnTo>
+                  <a:pt x="4540854" y="2967037"/>
+                </a:lnTo>
+                <a:lnTo>
+                  <a:pt x="4559330" y="3009900"/>
+                </a:lnTo>
+                <a:lnTo>
+                  <a:pt x="4577806" y="3046412"/>
+                </a:lnTo>
+                <a:lnTo>
+                  <a:pt x="4597961" y="3084512"/>
+                </a:lnTo>
+                <a:lnTo>
+                  <a:pt x="4618116" y="3121025"/>
+                </a:lnTo>
+                <a:lnTo>
+                  <a:pt x="4638271" y="3160712"/>
+                </a:lnTo>
+                <a:lnTo>
+                  <a:pt x="4655067" y="3201987"/>
+                </a:lnTo>
+                <a:lnTo>
+                  <a:pt x="4670184" y="3248025"/>
+                </a:lnTo>
+                <a:lnTo>
+                  <a:pt x="4681941" y="3300412"/>
+                </a:lnTo>
+                <a:lnTo>
+                  <a:pt x="4690339" y="3360737"/>
+                </a:lnTo>
+                <a:lnTo>
+                  <a:pt x="4693698" y="3427412"/>
+                </a:lnTo>
+                <a:lnTo>
+                  <a:pt x="4690339" y="3497262"/>
+                </a:lnTo>
+                <a:lnTo>
+                  <a:pt x="4681941" y="3557587"/>
+                </a:lnTo>
+                <a:lnTo>
+                  <a:pt x="4670184" y="3609975"/>
+                </a:lnTo>
+                <a:lnTo>
+                  <a:pt x="4655067" y="3656012"/>
+                </a:lnTo>
+                <a:lnTo>
+                  <a:pt x="4638271" y="3697287"/>
+                </a:lnTo>
+                <a:lnTo>
+                  <a:pt x="4618116" y="3736975"/>
+                </a:lnTo>
+                <a:lnTo>
+                  <a:pt x="4577806" y="3811587"/>
+                </a:lnTo>
+                <a:lnTo>
+                  <a:pt x="4559330" y="3848100"/>
+                </a:lnTo>
+                <a:lnTo>
+                  <a:pt x="4540854" y="3890962"/>
+                </a:lnTo>
+                <a:lnTo>
+                  <a:pt x="4525739" y="3935412"/>
+                </a:lnTo>
+                <a:lnTo>
+                  <a:pt x="4515661" y="3987800"/>
+                </a:lnTo>
+                <a:lnTo>
+                  <a:pt x="4505583" y="4048125"/>
+                </a:lnTo>
+                <a:lnTo>
+                  <a:pt x="4503903" y="4116387"/>
+                </a:lnTo>
+                <a:lnTo>
+                  <a:pt x="4505583" y="4186237"/>
+                </a:lnTo>
+                <a:lnTo>
+                  <a:pt x="4515661" y="4244975"/>
+                </a:lnTo>
+                <a:lnTo>
+                  <a:pt x="4525739" y="4297362"/>
+                </a:lnTo>
+                <a:lnTo>
+                  <a:pt x="4540854" y="4343400"/>
+                </a:lnTo>
+                <a:lnTo>
+                  <a:pt x="4559330" y="4386262"/>
+                </a:lnTo>
+                <a:lnTo>
+                  <a:pt x="4577806" y="4424362"/>
+                </a:lnTo>
+                <a:lnTo>
+                  <a:pt x="4618116" y="4498975"/>
+                </a:lnTo>
+                <a:lnTo>
+                  <a:pt x="4638271" y="4537075"/>
+                </a:lnTo>
+                <a:lnTo>
+                  <a:pt x="4655067" y="4579937"/>
+                </a:lnTo>
+                <a:lnTo>
+                  <a:pt x="4670184" y="4625975"/>
+                </a:lnTo>
+                <a:lnTo>
+                  <a:pt x="4681941" y="4678362"/>
+                </a:lnTo>
+                <a:lnTo>
+                  <a:pt x="4690339" y="4738687"/>
+                </a:lnTo>
+                <a:lnTo>
+                  <a:pt x="4693698" y="4806950"/>
+                </a:lnTo>
+                <a:lnTo>
+                  <a:pt x="4690339" y="4875212"/>
+                </a:lnTo>
+                <a:lnTo>
+                  <a:pt x="4681941" y="4935537"/>
+                </a:lnTo>
+                <a:lnTo>
+                  <a:pt x="4670184" y="4987925"/>
+                </a:lnTo>
+                <a:lnTo>
+                  <a:pt x="4655067" y="5033962"/>
+                </a:lnTo>
+                <a:lnTo>
+                  <a:pt x="4638271" y="5075237"/>
+                </a:lnTo>
+                <a:lnTo>
+                  <a:pt x="4618116" y="5114925"/>
+                </a:lnTo>
+                <a:lnTo>
+                  <a:pt x="4597961" y="5149850"/>
+                </a:lnTo>
+                <a:lnTo>
+                  <a:pt x="4577806" y="5186362"/>
+                </a:lnTo>
+                <a:lnTo>
+                  <a:pt x="4559330" y="5226050"/>
+                </a:lnTo>
+                <a:lnTo>
+                  <a:pt x="4540854" y="5268912"/>
+                </a:lnTo>
+                <a:lnTo>
+                  <a:pt x="4525739" y="5313362"/>
+                </a:lnTo>
+                <a:lnTo>
+                  <a:pt x="4515661" y="5365750"/>
+                </a:lnTo>
+                <a:lnTo>
+                  <a:pt x="4505583" y="5426075"/>
+                </a:lnTo>
+                <a:lnTo>
+                  <a:pt x="4503903" y="5494337"/>
+                </a:lnTo>
+                <a:lnTo>
+                  <a:pt x="4505583" y="5562600"/>
+                </a:lnTo>
+                <a:lnTo>
+                  <a:pt x="4515661" y="5622925"/>
+                </a:lnTo>
+                <a:lnTo>
+                  <a:pt x="4525739" y="5675312"/>
+                </a:lnTo>
+                <a:lnTo>
+                  <a:pt x="4540854" y="5721350"/>
+                </a:lnTo>
+                <a:lnTo>
+                  <a:pt x="4559330" y="5762625"/>
+                </a:lnTo>
+                <a:lnTo>
+                  <a:pt x="4577806" y="5802312"/>
+                </a:lnTo>
+                <a:lnTo>
+                  <a:pt x="4597961" y="5840412"/>
+                </a:lnTo>
+                <a:lnTo>
+                  <a:pt x="4618116" y="5876925"/>
+                </a:lnTo>
+                <a:lnTo>
+                  <a:pt x="4638271" y="5915025"/>
+                </a:lnTo>
+                <a:lnTo>
+                  <a:pt x="4655067" y="5956300"/>
+                </a:lnTo>
+                <a:lnTo>
+                  <a:pt x="4670184" y="6003925"/>
+                </a:lnTo>
+                <a:lnTo>
+                  <a:pt x="4681941" y="6056312"/>
+                </a:lnTo>
+                <a:lnTo>
+                  <a:pt x="4690339" y="6113462"/>
+                </a:lnTo>
+                <a:lnTo>
+                  <a:pt x="4693698" y="6183312"/>
+                </a:lnTo>
+                <a:lnTo>
+                  <a:pt x="4690339" y="6251575"/>
+                </a:lnTo>
+                <a:lnTo>
+                  <a:pt x="4681941" y="6311900"/>
+                </a:lnTo>
+                <a:lnTo>
+                  <a:pt x="4670184" y="6361112"/>
+                </a:lnTo>
+                <a:lnTo>
+                  <a:pt x="4655067" y="6407150"/>
+                </a:lnTo>
+                <a:lnTo>
+                  <a:pt x="4638271" y="6448425"/>
+                </a:lnTo>
+                <a:lnTo>
+                  <a:pt x="4619796" y="6488112"/>
+                </a:lnTo>
+                <a:lnTo>
+                  <a:pt x="4601320" y="6523037"/>
+                </a:lnTo>
+                <a:lnTo>
+                  <a:pt x="4581165" y="6561137"/>
+                </a:lnTo>
+                <a:lnTo>
+                  <a:pt x="4561010" y="6597650"/>
+                </a:lnTo>
+                <a:lnTo>
+                  <a:pt x="4544214" y="6640512"/>
+                </a:lnTo>
+                <a:lnTo>
+                  <a:pt x="4527418" y="6683375"/>
+                </a:lnTo>
+                <a:lnTo>
+                  <a:pt x="4517340" y="6735762"/>
+                </a:lnTo>
+                <a:lnTo>
+                  <a:pt x="4508943" y="6791325"/>
+                </a:lnTo>
+                <a:lnTo>
+                  <a:pt x="4503903" y="6858000"/>
+                </a:lnTo>
+                <a:lnTo>
+                  <a:pt x="1582057" y="6858000"/>
+                </a:lnTo>
+                <a:lnTo>
+                  <a:pt x="420914" y="6858000"/>
+                </a:lnTo>
+                <a:lnTo>
+                  <a:pt x="0" y="6858000"/>
+                </a:lnTo>
+                <a:close/>
+              </a:path>
+            </a:pathLst>
+          </a:custGeom>
+          <a:solidFill>
+            <a:schemeClr val="bg1"/>
+          </a:solidFill>
+          <a:ln w="0">
+            <a:noFill/>
+            <a:prstDash val="solid"/>
+            <a:round/>
+            <a:headEnd/>
+            <a:tailEnd/>
+          </a:ln>
+        </p:spPr>
+        <p:txBody>
+          <a:bodyPr wrap="square">
+            <a:noAutofit/>
+          </a:bodyPr>
+          <a:lstStyle/>
+          <a:p>
+            <a:endParaRPr lang="en-US" dirty="0"/>
+          </a:p>
+        </p:txBody>
+      </p:sp>
+      <p:sp>
+        <p:nvSpPr>
+          <p:cNvPr id="6" name="TextBox 5">
+            <a:extLst>
+              <a:ext uri="{FF2B5EF4-FFF2-40B4-BE49-F238E27FC236}">
+                <a16:creationId xmlns:a16="http://schemas.microsoft.com/office/drawing/2014/main" id="{A3CBC00D-0C9A-4FFE-AD1A-6C9B8ED27E0F}"/>
+              </a:ext>
+            </a:extLst>
+          </p:cNvPr>
+          <p:cNvSpPr txBox="1"/>
+          <p:nvPr/>
+        </p:nvSpPr>
+        <p:spPr>
+          <a:xfrm>
+            <a:off x="727038" y="1506600"/>
+            <a:ext cx="3384000" cy="3844800"/>
+          </a:xfrm>
+          <a:prstGeom prst="rect">
+            <a:avLst/>
+          </a:prstGeom>
+        </p:spPr>
+        <p:txBody>
+          <a:bodyPr vert="horz" lIns="91440" tIns="45720" rIns="91440" bIns="45720" rtlCol="0">
+            <a:normAutofit/>
+          </a:bodyPr>
+          <a:lstStyle/>
+          <a:p>
+            <a:pPr>
+              <a:lnSpc>
+                <a:spcPct val="90000"/>
+              </a:lnSpc>
+              <a:spcAft>
+                <a:spcPts val="600"/>
+              </a:spcAft>
+            </a:pPr>
+            <a:r>
+              <a:rPr lang="en-US" sz="2000" b="1" u="sng" dirty="0">
+                <a:solidFill>
+                  <a:schemeClr val="tx1">
+                    <a:alpha val="60000"/>
+                  </a:schemeClr>
+                </a:solidFill>
+              </a:rPr>
+              <a:t>Word Clouds Pt. 2</a:t>
+            </a:r>
+          </a:p>
+          <a:p>
+            <a:pPr>
+              <a:lnSpc>
+                <a:spcPct val="90000"/>
+              </a:lnSpc>
+              <a:spcAft>
+                <a:spcPts val="600"/>
+              </a:spcAft>
+            </a:pPr>
+            <a:r>
+              <a:rPr lang="en-US" sz="2000" dirty="0">
+                <a:solidFill>
+                  <a:schemeClr val="tx1">
+                    <a:alpha val="60000"/>
+                  </a:schemeClr>
+                </a:solidFill>
+              </a:rPr>
+              <a:t>Select frequent words removed</a:t>
+            </a:r>
+          </a:p>
+          <a:p>
+            <a:pPr indent="-228600">
+              <a:lnSpc>
+                <a:spcPct val="90000"/>
+              </a:lnSpc>
+              <a:spcAft>
+                <a:spcPts val="600"/>
+              </a:spcAft>
+              <a:buFont typeface="Arial" panose="020B0604020202020204" pitchFamily="34" charset="0"/>
+              <a:buChar char="•"/>
+            </a:pPr>
+            <a:endParaRPr lang="en-US" sz="2000" dirty="0">
+              <a:solidFill>
+                <a:schemeClr val="tx1">
+                  <a:alpha val="60000"/>
+                </a:schemeClr>
+              </a:solidFill>
+            </a:endParaRPr>
+          </a:p>
+          <a:p>
+            <a:pPr marL="285750" indent="-228600">
+              <a:lnSpc>
+                <a:spcPct val="90000"/>
+              </a:lnSpc>
+              <a:spcAft>
+                <a:spcPts val="600"/>
+              </a:spcAft>
+              <a:buFont typeface="Arial" panose="020B0604020202020204" pitchFamily="34" charset="0"/>
+              <a:buChar char="•"/>
+            </a:pPr>
+            <a:r>
+              <a:rPr lang="en-US" sz="2000" b="1" dirty="0">
+                <a:solidFill>
+                  <a:srgbClr val="005F26"/>
+                </a:solidFill>
+              </a:rPr>
+              <a:t>Positive</a:t>
+            </a:r>
+            <a:r>
+              <a:rPr lang="en-US" sz="2000" dirty="0">
+                <a:solidFill>
+                  <a:schemeClr val="tx1">
+                    <a:alpha val="60000"/>
+                  </a:schemeClr>
+                </a:solidFill>
+              </a:rPr>
+              <a:t> and </a:t>
+            </a:r>
+            <a:r>
+              <a:rPr lang="en-US" sz="2000" b="1" dirty="0">
+                <a:solidFill>
+                  <a:srgbClr val="75030F"/>
+                </a:solidFill>
+              </a:rPr>
+              <a:t>Negative</a:t>
+            </a:r>
+            <a:endParaRPr lang="en-US" sz="2000" dirty="0">
+              <a:solidFill>
+                <a:srgbClr val="75030F"/>
+              </a:solidFill>
+            </a:endParaRPr>
+          </a:p>
+          <a:p>
+            <a:pPr marL="285750" indent="-228600">
+              <a:lnSpc>
+                <a:spcPct val="90000"/>
+              </a:lnSpc>
+              <a:spcAft>
+                <a:spcPts val="600"/>
+              </a:spcAft>
+              <a:buFont typeface="Arial" panose="020B0604020202020204" pitchFamily="34" charset="0"/>
+              <a:buChar char="•"/>
+            </a:pPr>
+            <a:r>
+              <a:rPr lang="en-US" sz="2000" dirty="0">
+                <a:solidFill>
+                  <a:schemeClr val="tx1">
+                    <a:alpha val="60000"/>
+                  </a:schemeClr>
+                </a:solidFill>
+              </a:rPr>
+              <a:t>Much easier to distinguish</a:t>
+            </a:r>
+          </a:p>
+          <a:p>
+            <a:pPr marL="285750" indent="-228600">
+              <a:lnSpc>
+                <a:spcPct val="90000"/>
+              </a:lnSpc>
+              <a:spcAft>
+                <a:spcPts val="600"/>
+              </a:spcAft>
+              <a:buFont typeface="Arial" panose="020B0604020202020204" pitchFamily="34" charset="0"/>
+              <a:buChar char="•"/>
+            </a:pPr>
+            <a:r>
+              <a:rPr lang="en-US" sz="2000" dirty="0">
+                <a:solidFill>
+                  <a:schemeClr val="tx1">
+                    <a:alpha val="60000"/>
+                  </a:schemeClr>
+                </a:solidFill>
+              </a:rPr>
+              <a:t>‘good’ is still a significant word in both positive and negative reviews, would be interesting to confirm what word comes before ‘good’ (i.e. ‘</a:t>
+            </a:r>
+            <a:r>
+              <a:rPr lang="en-US" sz="2000" b="1" dirty="0">
+                <a:solidFill>
+                  <a:schemeClr val="tx1">
+                    <a:alpha val="60000"/>
+                  </a:schemeClr>
+                </a:solidFill>
+              </a:rPr>
+              <a:t>not</a:t>
+            </a:r>
+            <a:r>
+              <a:rPr lang="en-US" sz="2000" dirty="0">
+                <a:solidFill>
+                  <a:schemeClr val="tx1">
+                    <a:alpha val="60000"/>
+                  </a:schemeClr>
+                </a:solidFill>
+              </a:rPr>
+              <a:t> good’)</a:t>
+            </a:r>
+          </a:p>
+        </p:txBody>
+      </p:sp>
+    </p:spTree>
+    <p:extLst>
+      <p:ext uri="{BB962C8B-B14F-4D97-AF65-F5344CB8AC3E}">
+        <p14:creationId xmlns:p14="http://schemas.microsoft.com/office/powerpoint/2010/main" val="644252462"/>
+      </p:ext>
+    </p:extLst>
+  </p:cSld>
+  <p:clrMapOvr>
+    <a:masterClrMapping/>
+  </p:clrMapOvr>
+</p:sld>
+</file>
+
+<file path=ppt/slides/slide6.xml><?xml version="1.0" encoding="utf-8"?>
 <p:sld xmlns:a="http://schemas.openxmlformats.org/drawingml/2006/main" xmlns:r="http://schemas.openxmlformats.org/officeDocument/2006/relationships" xmlns:p="http://schemas.openxmlformats.org/presentationml/2006/main">
   <p:cSld>
     <p:bg>
@@ -11416,7 +16087,7 @@
               <a:buChar char="•"/>
             </a:pPr>
             <a:r>
-              <a:rPr lang="en-US" b="1" u="sng"/>
+              <a:rPr lang="en-US" b="1" u="sng" dirty="0"/>
               <a:t>Trigrams</a:t>
             </a:r>
           </a:p>
@@ -11431,7 +16102,7 @@
               <a:buFont typeface="Arial" panose="020B0604020202020204" pitchFamily="34" charset="0"/>
               <a:buChar char="•"/>
             </a:pPr>
-            <a:endParaRPr lang="en-US" b="1" u="sng"/>
+            <a:endParaRPr lang="en-US" b="1" u="sng" dirty="0"/>
           </a:p>
           <a:p>
             <a:pPr marL="285750" indent="-228600">
@@ -11445,18 +16116,30 @@
               <a:buChar char="•"/>
             </a:pPr>
             <a:r>
-              <a:rPr lang="en-US" b="1"/>
+              <a:rPr lang="en-US" b="1" dirty="0">
+                <a:solidFill>
+                  <a:srgbClr val="1D6D3B"/>
+                </a:solidFill>
+              </a:rPr>
               <a:t>Positive</a:t>
             </a:r>
             <a:r>
-              <a:rPr lang="en-US"/>
+              <a:rPr lang="en-US" dirty="0"/>
               <a:t> and </a:t>
             </a:r>
             <a:r>
-              <a:rPr lang="en-US" b="1"/>
+              <a:rPr lang="en-US" b="1" dirty="0">
+                <a:solidFill>
+                  <a:srgbClr val="A1272C"/>
+                </a:solidFill>
+              </a:rPr>
               <a:t>Negative</a:t>
             </a:r>
-            <a:endParaRPr lang="en-US"/>
+            <a:endParaRPr lang="en-US" dirty="0">
+              <a:solidFill>
+                <a:srgbClr val="A1272C"/>
+              </a:solidFill>
+            </a:endParaRPr>
           </a:p>
           <a:p>
             <a:pPr marL="285750" indent="-228600">
@@ -11470,7 +16153,7 @@
               <a:buChar char="•"/>
             </a:pPr>
             <a:r>
-              <a:rPr lang="en-US"/>
+              <a:rPr lang="en-US" dirty="0"/>
               <a:t>Collection of three words that appear most commonly</a:t>
             </a:r>
           </a:p>
@@ -11486,7 +16169,7 @@
               <a:buChar char="•"/>
             </a:pPr>
             <a:r>
-              <a:rPr lang="en-US"/>
+              <a:rPr lang="en-US" dirty="0"/>
               <a:t>Generally superlative</a:t>
             </a:r>
           </a:p>
@@ -11502,7 +16185,7 @@
               <a:buChar char="•"/>
             </a:pPr>
             <a:r>
-              <a:rPr lang="en-US"/>
+              <a:rPr lang="en-US" dirty="0"/>
               <a:t>“One best movies”</a:t>
             </a:r>
           </a:p>
@@ -11518,7 +16201,7 @@
               <a:buChar char="•"/>
             </a:pPr>
             <a:r>
-              <a:rPr lang="en-US"/>
+              <a:rPr lang="en-US" dirty="0"/>
               <a:t>“Worst film ever”</a:t>
             </a:r>
           </a:p>
@@ -11722,10 +16405,10 @@
       </p:sp>
       <p:pic>
         <p:nvPicPr>
-          <p:cNvPr id="3076" name="Picture 4">
+          <p:cNvPr id="3074" name="Picture 2">
             <a:extLst>
               <a:ext uri="{FF2B5EF4-FFF2-40B4-BE49-F238E27FC236}">
-                <a16:creationId xmlns:a16="http://schemas.microsoft.com/office/drawing/2014/main" id="{6A019C6C-327E-44C3-9639-65D4C04AF2A4}"/>
+                <a16:creationId xmlns:a16="http://schemas.microsoft.com/office/drawing/2014/main" id="{3FC01494-4E19-41D3-BC2C-8AFDA990BB63}"/>
               </a:ext>
             </a:extLst>
           </p:cNvPr>
@@ -11735,21 +16418,22 @@
           <p:nvPr/>
         </p:nvPicPr>
         <p:blipFill>
-          <a:blip r:embed="rId2">
+          <a:blip r:embed="rId3">
             <a:extLst>
               <a:ext uri="{28A0092B-C50C-407E-A947-70E740481C1C}">
                 <a14:useLocalDpi xmlns:a14="http://schemas.microsoft.com/office/drawing/2010/main" val="0"/>
               </a:ext>
             </a:extLst>
           </a:blip>
+          <a:srcRect/>
           <a:stretch>
             <a:fillRect/>
           </a:stretch>
         </p:blipFill>
         <p:spPr bwMode="auto">
           <a:xfrm>
-            <a:off x="6139676" y="650494"/>
-            <a:ext cx="5324142" cy="5324142"/>
+            <a:off x="5696791" y="137981"/>
+            <a:ext cx="6037829" cy="6037829"/>
           </a:xfrm>
           <a:prstGeom prst="rect">
             <a:avLst/>
@@ -11779,7 +16463,7 @@
 </p:sld>
 </file>
 
-<file path=ppt/slides/slide6.xml><?xml version="1.0" encoding="utf-8"?>
+<file path=ppt/slides/slide7.xml><?xml version="1.0" encoding="utf-8"?>
 <p:sld xmlns:a="http://schemas.openxmlformats.org/drawingml/2006/main" xmlns:r="http://schemas.openxmlformats.org/officeDocument/2006/relationships" xmlns:p="http://schemas.openxmlformats.org/presentationml/2006/main">
   <p:cSld>
     <p:bg>
@@ -11806,10 +16490,10 @@
       </p:grpSpPr>
       <p:sp useBgFill="1">
         <p:nvSpPr>
-          <p:cNvPr id="4102" name="Rectangle 72">
+          <p:cNvPr id="71" name="Rectangle 70">
             <a:extLst>
               <a:ext uri="{FF2B5EF4-FFF2-40B4-BE49-F238E27FC236}">
-                <a16:creationId xmlns:a16="http://schemas.microsoft.com/office/drawing/2014/main" id="{9A724DBA-D2D9-471E-8ED7-2015DDD950DF}"/>
+                <a16:creationId xmlns:a16="http://schemas.microsoft.com/office/drawing/2014/main" id="{DBC6133C-0615-4CE4-9132-37E609A9BDFA}"/>
               </a:ext>
               <a:ext uri="{C183D7F6-B498-43B3-948B-1728B52AA6E4}">
                 <adec:decorative xmlns:adec="http://schemas.microsoft.com/office/drawing/2017/decorative" val="1"/>
@@ -11866,7 +16550,291 @@
       </p:sp>
       <p:sp>
         <p:nvSpPr>
-          <p:cNvPr id="4103" name="Rectangle 74">
+          <p:cNvPr id="73" name="Rectangle 72">
+            <a:extLst>
+              <a:ext uri="{FF2B5EF4-FFF2-40B4-BE49-F238E27FC236}">
+                <a16:creationId xmlns:a16="http://schemas.microsoft.com/office/drawing/2014/main" id="{169CC832-2974-4E8D-90ED-3E2941BA7336}"/>
+              </a:ext>
+              <a:ext uri="{C183D7F6-B498-43B3-948B-1728B52AA6E4}">
+                <adec:decorative xmlns:adec="http://schemas.microsoft.com/office/drawing/2017/decorative" val="1"/>
+              </a:ext>
+            </a:extLst>
+          </p:cNvPr>
+          <p:cNvSpPr>
+            <a:spLocks noGrp="1" noRot="1" noChangeAspect="1" noMove="1" noResize="1" noEditPoints="1" noAdjustHandles="1" noChangeArrowheads="1" noChangeShapeType="1" noTextEdit="1"/>
+          </p:cNvSpPr>
+          <p:nvPr>
+            <p:extLst>
+              <p:ext uri="{386F3935-93C4-4BCD-93E2-E3B085C9AB24}">
+                <p16:designElem xmlns:p16="http://schemas.microsoft.com/office/powerpoint/2015/main" val="1"/>
+              </p:ext>
+            </p:extLst>
+          </p:nvPr>
+        </p:nvSpPr>
+        <p:spPr>
+          <a:xfrm flipH="1">
+            <a:off x="616533" y="1944913"/>
+            <a:ext cx="4023360" cy="27432"/>
+          </a:xfrm>
+          <a:prstGeom prst="rect">
+            <a:avLst/>
+          </a:prstGeom>
+          <a:solidFill>
+            <a:schemeClr val="accent4"/>
+          </a:solidFill>
+          <a:ln>
+            <a:noFill/>
+          </a:ln>
+        </p:spPr>
+        <p:style>
+          <a:lnRef idx="2">
+            <a:schemeClr val="accent1">
+              <a:shade val="50000"/>
+            </a:schemeClr>
+          </a:lnRef>
+          <a:fillRef idx="1">
+            <a:schemeClr val="accent1"/>
+          </a:fillRef>
+          <a:effectRef idx="0">
+            <a:schemeClr val="accent1"/>
+          </a:effectRef>
+          <a:fontRef idx="minor">
+            <a:schemeClr val="lt1"/>
+          </a:fontRef>
+        </p:style>
+        <p:txBody>
+          <a:bodyPr rtlCol="0" anchor="ctr"/>
+          <a:lstStyle/>
+          <a:p>
+            <a:pPr algn="ctr"/>
+            <a:endParaRPr lang="en-US"/>
+          </a:p>
+        </p:txBody>
+      </p:sp>
+      <p:sp>
+        <p:nvSpPr>
+          <p:cNvPr id="7" name="TextBox 6">
+            <a:extLst>
+              <a:ext uri="{FF2B5EF4-FFF2-40B4-BE49-F238E27FC236}">
+                <a16:creationId xmlns:a16="http://schemas.microsoft.com/office/drawing/2014/main" id="{46F05751-C59D-43EC-94AD-FC289BE2E7D0}"/>
+              </a:ext>
+            </a:extLst>
+          </p:cNvPr>
+          <p:cNvSpPr txBox="1"/>
+          <p:nvPr/>
+        </p:nvSpPr>
+        <p:spPr>
+          <a:xfrm>
+            <a:off x="645066" y="2031101"/>
+            <a:ext cx="4282984" cy="3511943"/>
+          </a:xfrm>
+          <a:prstGeom prst="rect">
+            <a:avLst/>
+          </a:prstGeom>
+        </p:spPr>
+        <p:txBody>
+          <a:bodyPr vert="horz" lIns="91440" tIns="45720" rIns="91440" bIns="45720" rtlCol="0" anchor="ctr">
+            <a:normAutofit/>
+          </a:bodyPr>
+          <a:lstStyle/>
+          <a:p>
+            <a:pPr marL="0" indent="-228600">
+              <a:lnSpc>
+                <a:spcPct val="90000"/>
+              </a:lnSpc>
+              <a:spcAft>
+                <a:spcPts val="600"/>
+              </a:spcAft>
+              <a:buFont typeface="Arial" panose="020B0604020202020204" pitchFamily="34" charset="0"/>
+              <a:buChar char="•"/>
+            </a:pPr>
+            <a:r>
+              <a:rPr lang="en-US" b="1" u="sng" dirty="0"/>
+              <a:t>Trigrams Pt. 2</a:t>
+            </a:r>
+          </a:p>
+          <a:p>
+            <a:pPr marL="0" indent="-228600">
+              <a:lnSpc>
+                <a:spcPct val="90000"/>
+              </a:lnSpc>
+              <a:spcAft>
+                <a:spcPts val="600"/>
+              </a:spcAft>
+              <a:buFont typeface="Arial" panose="020B0604020202020204" pitchFamily="34" charset="0"/>
+              <a:buChar char="•"/>
+            </a:pPr>
+            <a:endParaRPr lang="en-US" b="1" u="sng" dirty="0"/>
+          </a:p>
+          <a:p>
+            <a:pPr marL="285750" indent="-228600">
+              <a:lnSpc>
+                <a:spcPct val="90000"/>
+              </a:lnSpc>
+              <a:spcAft>
+                <a:spcPts val="600"/>
+              </a:spcAft>
+              <a:buFont typeface="Arial" panose="020B0604020202020204" pitchFamily="34" charset="0"/>
+              <a:buChar char="•"/>
+            </a:pPr>
+            <a:r>
+              <a:rPr lang="en-US" b="1" dirty="0">
+                <a:solidFill>
+                  <a:srgbClr val="1D6D3B"/>
+                </a:solidFill>
+              </a:rPr>
+              <a:t>Positive</a:t>
+            </a:r>
+            <a:r>
+              <a:rPr lang="en-US" dirty="0"/>
+              <a:t> and </a:t>
+            </a:r>
+            <a:r>
+              <a:rPr lang="en-US" b="1" dirty="0">
+                <a:solidFill>
+                  <a:srgbClr val="A1272C"/>
+                </a:solidFill>
+              </a:rPr>
+              <a:t>Negative</a:t>
+            </a:r>
+            <a:endParaRPr lang="en-US" dirty="0">
+              <a:solidFill>
+                <a:srgbClr val="A1272C"/>
+              </a:solidFill>
+            </a:endParaRPr>
+          </a:p>
+          <a:p>
+            <a:pPr marL="285750" indent="-228600">
+              <a:lnSpc>
+                <a:spcPct val="90000"/>
+              </a:lnSpc>
+              <a:spcAft>
+                <a:spcPts val="600"/>
+              </a:spcAft>
+              <a:buFont typeface="Arial" panose="020B0604020202020204" pitchFamily="34" charset="0"/>
+              <a:buChar char="•"/>
+            </a:pPr>
+            <a:r>
+              <a:rPr lang="en-US" dirty="0"/>
+              <a:t>Same list of words removed from Word Clouds</a:t>
+            </a:r>
+          </a:p>
+          <a:p>
+            <a:pPr marL="285750" indent="-228600">
+              <a:lnSpc>
+                <a:spcPct val="90000"/>
+              </a:lnSpc>
+              <a:spcAft>
+                <a:spcPts val="600"/>
+              </a:spcAft>
+              <a:buFont typeface="Arial" panose="020B0604020202020204" pitchFamily="34" charset="0"/>
+              <a:buChar char="•"/>
+            </a:pPr>
+            <a:r>
+              <a:rPr lang="en-US" dirty="0"/>
+              <a:t>Results speak to unique skew of review dataset</a:t>
+            </a:r>
+          </a:p>
+          <a:p>
+            <a:pPr marL="742950" lvl="1" indent="-228600">
+              <a:lnSpc>
+                <a:spcPct val="90000"/>
+              </a:lnSpc>
+              <a:spcAft>
+                <a:spcPts val="600"/>
+              </a:spcAft>
+              <a:buFont typeface="Arial" panose="020B0604020202020204" pitchFamily="34" charset="0"/>
+              <a:buChar char="•"/>
+            </a:pPr>
+            <a:r>
+              <a:rPr lang="en-US" dirty="0"/>
+              <a:t>“William H Macy”</a:t>
+            </a:r>
+          </a:p>
+          <a:p>
+            <a:pPr marL="742950" lvl="1" indent="-228600">
+              <a:lnSpc>
+                <a:spcPct val="90000"/>
+              </a:lnSpc>
+              <a:spcAft>
+                <a:spcPts val="600"/>
+              </a:spcAft>
+              <a:buFont typeface="Arial" panose="020B0604020202020204" pitchFamily="34" charset="0"/>
+              <a:buChar char="•"/>
+            </a:pPr>
+            <a:r>
+              <a:rPr lang="en-US" dirty="0"/>
+              <a:t>“Mystery Science Theater”</a:t>
+            </a:r>
+          </a:p>
+        </p:txBody>
+      </p:sp>
+      <p:sp>
+        <p:nvSpPr>
+          <p:cNvPr id="75" name="Rectangle 74">
+            <a:extLst>
+              <a:ext uri="{FF2B5EF4-FFF2-40B4-BE49-F238E27FC236}">
+                <a16:creationId xmlns:a16="http://schemas.microsoft.com/office/drawing/2014/main" id="{55222F96-971A-4F90-B841-6BAB416C7AC1}"/>
+              </a:ext>
+              <a:ext uri="{C183D7F6-B498-43B3-948B-1728B52AA6E4}">
+                <adec:decorative xmlns:adec="http://schemas.microsoft.com/office/drawing/2017/decorative" val="1"/>
+              </a:ext>
+            </a:extLst>
+          </p:cNvPr>
+          <p:cNvSpPr>
+            <a:spLocks noGrp="1" noRot="1" noChangeAspect="1" noMove="1" noResize="1" noEditPoints="1" noAdjustHandles="1" noChangeArrowheads="1" noChangeShapeType="1" noTextEdit="1"/>
+          </p:cNvSpPr>
+          <p:nvPr>
+            <p:extLst>
+              <p:ext uri="{386F3935-93C4-4BCD-93E2-E3B085C9AB24}">
+                <p16:designElem xmlns:p16="http://schemas.microsoft.com/office/powerpoint/2015/main" val="1"/>
+              </p:ext>
+            </p:extLst>
+          </p:nvPr>
+        </p:nvSpPr>
+        <p:spPr>
+          <a:xfrm rot="5400000">
+            <a:off x="-225843" y="6053360"/>
+            <a:ext cx="740664" cy="154124"/>
+          </a:xfrm>
+          <a:prstGeom prst="rect">
+            <a:avLst/>
+          </a:prstGeom>
+          <a:solidFill>
+            <a:schemeClr val="accent4"/>
+          </a:solidFill>
+          <a:ln>
+            <a:noFill/>
+          </a:ln>
+        </p:spPr>
+        <p:style>
+          <a:lnRef idx="2">
+            <a:schemeClr val="accent1">
+              <a:shade val="50000"/>
+            </a:schemeClr>
+          </a:lnRef>
+          <a:fillRef idx="1">
+            <a:schemeClr val="accent1"/>
+          </a:fillRef>
+          <a:effectRef idx="0">
+            <a:schemeClr val="accent1"/>
+          </a:effectRef>
+          <a:fontRef idx="minor">
+            <a:schemeClr val="lt1"/>
+          </a:fontRef>
+        </p:style>
+        <p:txBody>
+          <a:bodyPr rtlCol="0" anchor="ctr"/>
+          <a:lstStyle/>
+          <a:p>
+            <a:pPr algn="ctr"/>
+            <a:endParaRPr lang="en-US"/>
+          </a:p>
+        </p:txBody>
+      </p:sp>
+      <p:sp>
+        <p:nvSpPr>
+          <p:cNvPr id="77" name="Rectangle 76">
             <a:extLst>
               <a:ext uri="{FF2B5EF4-FFF2-40B4-BE49-F238E27FC236}">
                 <a16:creationId xmlns:a16="http://schemas.microsoft.com/office/drawing/2014/main" id="{08980754-6F4B-43C9-B9BE-127B6BED6586}"/>
@@ -11889,7 +16857,7 @@
         </p:nvSpPr>
         <p:spPr>
           <a:xfrm rot="5400000">
-            <a:off x="5546413" y="215201"/>
+            <a:off x="5904923" y="215201"/>
             <a:ext cx="740664" cy="11833491"/>
           </a:xfrm>
           <a:prstGeom prst="rect">
@@ -11929,7 +16897,7 @@
       </p:sp>
       <p:sp>
         <p:nvSpPr>
-          <p:cNvPr id="4104" name="Rectangle 76">
+          <p:cNvPr id="79" name="Rectangle 78">
             <a:extLst>
               <a:ext uri="{FF2B5EF4-FFF2-40B4-BE49-F238E27FC236}">
                 <a16:creationId xmlns:a16="http://schemas.microsoft.com/office/drawing/2014/main" id="{2C1BBA94-3F40-40AA-8BB9-E69E25E537C1}"/>
@@ -11952,7 +16920,7 @@
         </p:nvSpPr>
         <p:spPr>
           <a:xfrm>
-            <a:off x="310234" y="354959"/>
+            <a:off x="5696793" y="354959"/>
             <a:ext cx="6184973" cy="5915212"/>
           </a:xfrm>
           <a:prstGeom prst="rect">
@@ -11999,10 +16967,10 @@
       </p:sp>
       <p:pic>
         <p:nvPicPr>
-          <p:cNvPr id="4100" name="Picture 4">
+          <p:cNvPr id="1026" name="Picture 2">
             <a:extLst>
               <a:ext uri="{FF2B5EF4-FFF2-40B4-BE49-F238E27FC236}">
-                <a16:creationId xmlns:a16="http://schemas.microsoft.com/office/drawing/2014/main" id="{00E8C204-610A-4885-9AC6-D83C2AAC8DDD}"/>
+                <a16:creationId xmlns:a16="http://schemas.microsoft.com/office/drawing/2014/main" id="{73CF5541-A546-4CE2-9A0A-4A179DEC1543}"/>
               </a:ext>
             </a:extLst>
           </p:cNvPr>
@@ -12012,21 +16980,22 @@
           <p:nvPr/>
         </p:nvPicPr>
         <p:blipFill>
-          <a:blip r:embed="rId2">
+          <a:blip r:embed="rId3">
             <a:extLst>
               <a:ext uri="{28A0092B-C50C-407E-A947-70E740481C1C}">
                 <a14:useLocalDpi xmlns:a14="http://schemas.microsoft.com/office/drawing/2010/main" val="0"/>
               </a:ext>
             </a:extLst>
           </a:blip>
+          <a:srcRect/>
           <a:stretch>
             <a:fillRect/>
           </a:stretch>
         </p:blipFill>
         <p:spPr bwMode="auto">
           <a:xfrm>
-            <a:off x="576244" y="983973"/>
-            <a:ext cx="5628018" cy="4657184"/>
+            <a:off x="5777177" y="139689"/>
+            <a:ext cx="5878676" cy="5990733"/>
           </a:xfrm>
           <a:prstGeom prst="rect">
             <a:avLst/>
@@ -12043,12 +17012,264 @@
           </a:extLst>
         </p:spPr>
       </p:pic>
+    </p:spTree>
+    <p:extLst>
+      <p:ext uri="{BB962C8B-B14F-4D97-AF65-F5344CB8AC3E}">
+        <p14:creationId xmlns:p14="http://schemas.microsoft.com/office/powerpoint/2010/main" val="3769370927"/>
+      </p:ext>
+    </p:extLst>
+  </p:cSld>
+  <p:clrMapOvr>
+    <a:masterClrMapping/>
+  </p:clrMapOvr>
+</p:sld>
+</file>
+
+<file path=ppt/slides/slide8.xml><?xml version="1.0" encoding="utf-8"?>
+<p:sld xmlns:a="http://schemas.openxmlformats.org/drawingml/2006/main" xmlns:r="http://schemas.openxmlformats.org/officeDocument/2006/relationships" xmlns:p="http://schemas.openxmlformats.org/presentationml/2006/main">
+  <p:cSld>
+    <p:bg>
+      <p:bgPr>
+        <a:solidFill>
+          <a:schemeClr val="bg1"/>
+        </a:solidFill>
+        <a:effectLst/>
+      </p:bgPr>
+    </p:bg>
+    <p:spTree>
+      <p:nvGrpSpPr>
+        <p:cNvPr id="1" name=""/>
+        <p:cNvGrpSpPr/>
+        <p:nvPr/>
+      </p:nvGrpSpPr>
+      <p:grpSpPr>
+        <a:xfrm>
+          <a:off x="0" y="0"/>
+          <a:ext cx="0" cy="0"/>
+          <a:chOff x="0" y="0"/>
+          <a:chExt cx="0" cy="0"/>
+        </a:xfrm>
+      </p:grpSpPr>
+      <p:sp useBgFill="1">
+        <p:nvSpPr>
+          <p:cNvPr id="98" name="Rectangle 97">
+            <a:extLst>
+              <a:ext uri="{FF2B5EF4-FFF2-40B4-BE49-F238E27FC236}">
+                <a16:creationId xmlns:a16="http://schemas.microsoft.com/office/drawing/2014/main" id="{201CC55D-ED54-4C5C-95E6-10947BD1103B}"/>
+              </a:ext>
+              <a:ext uri="{C183D7F6-B498-43B3-948B-1728B52AA6E4}">
+                <adec:decorative xmlns:adec="http://schemas.microsoft.com/office/drawing/2017/decorative" val="1"/>
+              </a:ext>
+            </a:extLst>
+          </p:cNvPr>
+          <p:cNvSpPr>
+            <a:spLocks noGrp="1" noRot="1" noChangeAspect="1" noMove="1" noResize="1" noEditPoints="1" noAdjustHandles="1" noChangeArrowheads="1" noChangeShapeType="1" noTextEdit="1"/>
+          </p:cNvSpPr>
+          <p:nvPr>
+            <p:extLst>
+              <p:ext uri="{386F3935-93C4-4BCD-93E2-E3B085C9AB24}">
+                <p16:designElem xmlns:p16="http://schemas.microsoft.com/office/powerpoint/2015/main" val="1"/>
+              </p:ext>
+            </p:extLst>
+          </p:nvPr>
+        </p:nvSpPr>
+        <p:spPr>
+          <a:xfrm>
+            <a:off x="0" y="0"/>
+            <a:ext cx="12191999" cy="6857365"/>
+          </a:xfrm>
+          <a:prstGeom prst="rect">
+            <a:avLst/>
+          </a:prstGeom>
+          <a:ln>
+            <a:noFill/>
+          </a:ln>
+        </p:spPr>
+        <p:style>
+          <a:lnRef idx="2">
+            <a:schemeClr val="accent1">
+              <a:shade val="50000"/>
+            </a:schemeClr>
+          </a:lnRef>
+          <a:fillRef idx="1">
+            <a:schemeClr val="accent1"/>
+          </a:fillRef>
+          <a:effectRef idx="0">
+            <a:schemeClr val="accent1"/>
+          </a:effectRef>
+          <a:fontRef idx="minor">
+            <a:schemeClr val="lt1"/>
+          </a:fontRef>
+        </p:style>
+        <p:txBody>
+          <a:bodyPr rtlCol="0" anchor="ctr"/>
+          <a:lstStyle/>
+          <a:p>
+            <a:pPr algn="ctr"/>
+            <a:endParaRPr lang="en-US"/>
+          </a:p>
+        </p:txBody>
+      </p:sp>
+      <p:grpSp>
+        <p:nvGrpSpPr>
+          <p:cNvPr id="100" name="Group 99">
+            <a:extLst>
+              <a:ext uri="{FF2B5EF4-FFF2-40B4-BE49-F238E27FC236}">
+                <a16:creationId xmlns:a16="http://schemas.microsoft.com/office/drawing/2014/main" id="{1DE889C7-FAD6-4397-98E2-05D503484459}"/>
+              </a:ext>
+              <a:ext uri="{C183D7F6-B498-43B3-948B-1728B52AA6E4}">
+                <adec:decorative xmlns:adec="http://schemas.microsoft.com/office/drawing/2017/decorative" val="1"/>
+              </a:ext>
+            </a:extLst>
+          </p:cNvPr>
+          <p:cNvGrpSpPr>
+            <a:grpSpLocks noGrp="1" noUngrp="1" noRot="1" noChangeAspect="1" noMove="1" noResize="1"/>
+          </p:cNvGrpSpPr>
+          <p:nvPr>
+            <p:extLst>
+              <p:ext uri="{386F3935-93C4-4BCD-93E2-E3B085C9AB24}">
+                <p16:designElem xmlns:p16="http://schemas.microsoft.com/office/powerpoint/2015/main" val="1"/>
+              </p:ext>
+            </p:extLst>
+          </p:nvPr>
+        </p:nvGrpSpPr>
+        <p:grpSpPr>
+          <a:xfrm>
+            <a:off x="0" y="1083484"/>
+            <a:ext cx="355196" cy="673460"/>
+            <a:chOff x="0" y="823811"/>
+            <a:chExt cx="355196" cy="673460"/>
+          </a:xfrm>
+        </p:grpSpPr>
+        <p:sp>
+          <p:nvSpPr>
+            <p:cNvPr id="95" name="Rectangle 100">
+              <a:extLst>
+                <a:ext uri="{FF2B5EF4-FFF2-40B4-BE49-F238E27FC236}">
+                  <a16:creationId xmlns:a16="http://schemas.microsoft.com/office/drawing/2014/main" id="{F399A70F-F8CD-4992-9EF5-6CF15472E73F}"/>
+                </a:ext>
+                <a:ext uri="{C183D7F6-B498-43B3-948B-1728B52AA6E4}">
+                  <adec:decorative xmlns:adec="http://schemas.microsoft.com/office/drawing/2017/decorative" val="1"/>
+                </a:ext>
+              </a:extLst>
+            </p:cNvPr>
+            <p:cNvSpPr/>
+            <p:nvPr>
+              <p:extLst>
+                <p:ext uri="{386F3935-93C4-4BCD-93E2-E3B085C9AB24}">
+                  <p16:designElem xmlns:p16="http://schemas.microsoft.com/office/powerpoint/2015/main" val="1"/>
+                </p:ext>
+              </p:extLst>
+            </p:nvPr>
+          </p:nvSpPr>
+          <p:spPr>
+            <a:xfrm>
+              <a:off x="0" y="823811"/>
+              <a:ext cx="87363" cy="673460"/>
+            </a:xfrm>
+            <a:prstGeom prst="rect">
+              <a:avLst/>
+            </a:prstGeom>
+            <a:solidFill>
+              <a:schemeClr val="accent4"/>
+            </a:solidFill>
+            <a:ln>
+              <a:noFill/>
+            </a:ln>
+          </p:spPr>
+          <p:style>
+            <a:lnRef idx="2">
+              <a:schemeClr val="accent1">
+                <a:shade val="50000"/>
+              </a:schemeClr>
+            </a:lnRef>
+            <a:fillRef idx="1">
+              <a:schemeClr val="accent1"/>
+            </a:fillRef>
+            <a:effectRef idx="0">
+              <a:schemeClr val="accent1"/>
+            </a:effectRef>
+            <a:fontRef idx="minor">
+              <a:schemeClr val="lt1"/>
+            </a:fontRef>
+          </p:style>
+          <p:txBody>
+            <a:bodyPr rtlCol="0" anchor="ctr"/>
+            <a:lstStyle/>
+            <a:p>
+              <a:pPr algn="ctr"/>
+              <a:endParaRPr lang="en-US"/>
+            </a:p>
+          </p:txBody>
+        </p:sp>
+        <p:sp>
+          <p:nvSpPr>
+            <p:cNvPr id="96" name="Rectangle 101">
+              <a:extLst>
+                <a:ext uri="{FF2B5EF4-FFF2-40B4-BE49-F238E27FC236}">
+                  <a16:creationId xmlns:a16="http://schemas.microsoft.com/office/drawing/2014/main" id="{48F4FEDC-6D80-458C-A665-075D9B9500FD}"/>
+                </a:ext>
+                <a:ext uri="{C183D7F6-B498-43B3-948B-1728B52AA6E4}">
+                  <adec:decorative xmlns:adec="http://schemas.microsoft.com/office/drawing/2017/decorative" val="1"/>
+                </a:ext>
+              </a:extLst>
+            </p:cNvPr>
+            <p:cNvSpPr/>
+            <p:nvPr>
+              <p:extLst>
+                <p:ext uri="{386F3935-93C4-4BCD-93E2-E3B085C9AB24}">
+                  <p16:designElem xmlns:p16="http://schemas.microsoft.com/office/powerpoint/2015/main" val="1"/>
+                </p:ext>
+              </p:extLst>
+            </p:nvPr>
+          </p:nvSpPr>
+          <p:spPr>
+            <a:xfrm>
+              <a:off x="159341" y="823811"/>
+              <a:ext cx="195855" cy="673460"/>
+            </a:xfrm>
+            <a:prstGeom prst="rect">
+              <a:avLst/>
+            </a:prstGeom>
+            <a:solidFill>
+              <a:schemeClr val="accent4"/>
+            </a:solidFill>
+            <a:ln>
+              <a:noFill/>
+            </a:ln>
+          </p:spPr>
+          <p:style>
+            <a:lnRef idx="2">
+              <a:schemeClr val="accent1">
+                <a:shade val="50000"/>
+              </a:schemeClr>
+            </a:lnRef>
+            <a:fillRef idx="1">
+              <a:schemeClr val="accent1"/>
+            </a:fillRef>
+            <a:effectRef idx="0">
+              <a:schemeClr val="accent1"/>
+            </a:effectRef>
+            <a:fontRef idx="minor">
+              <a:schemeClr val="lt1"/>
+            </a:fontRef>
+          </p:style>
+          <p:txBody>
+            <a:bodyPr rtlCol="0" anchor="ctr"/>
+            <a:lstStyle/>
+            <a:p>
+              <a:pPr algn="ctr"/>
+              <a:endParaRPr lang="en-US"/>
+            </a:p>
+          </p:txBody>
+        </p:sp>
+      </p:grpSp>
       <p:sp>
         <p:nvSpPr>
-          <p:cNvPr id="4105" name="Rectangle 78">
+          <p:cNvPr id="104" name="Rectangle 103">
             <a:extLst>
               <a:ext uri="{FF2B5EF4-FFF2-40B4-BE49-F238E27FC236}">
-                <a16:creationId xmlns:a16="http://schemas.microsoft.com/office/drawing/2014/main" id="{169CC832-2974-4E8D-90ED-3E2941BA7336}"/>
+                <a16:creationId xmlns:a16="http://schemas.microsoft.com/office/drawing/2014/main" id="{3873B707-463F-40B0-8227-E8CC6C67EB25}"/>
               </a:ext>
               <a:ext uri="{C183D7F6-B498-43B3-948B-1728B52AA6E4}">
                 <adec:decorative xmlns:adec="http://schemas.microsoft.com/office/drawing/2017/decorative" val="1"/>
@@ -12068,8 +17289,8 @@
         </p:nvSpPr>
         <p:spPr>
           <a:xfrm flipH="1">
-            <a:off x="7277786" y="1944913"/>
-            <a:ext cx="4023360" cy="27432"/>
+            <a:off x="665085" y="2090569"/>
+            <a:ext cx="4297680" cy="27432"/>
           </a:xfrm>
           <a:prstGeom prst="rect">
             <a:avLst/>
@@ -12120,8 +17341,8 @@
         </p:nvSpPr>
         <p:spPr>
           <a:xfrm>
-            <a:off x="7239012" y="2031101"/>
-            <a:ext cx="4282984" cy="3511943"/>
+            <a:off x="590719" y="2330505"/>
+            <a:ext cx="4559425" cy="3979585"/>
           </a:xfrm>
           <a:prstGeom prst="rect">
             <a:avLst/>
@@ -12144,11 +17365,11 @@
               <a:buChar char="•"/>
             </a:pPr>
             <a:r>
-              <a:rPr lang="en-US" b="1" u="sng" dirty="0"/>
+              <a:rPr lang="en-US" sz="2000" b="1" u="sng" dirty="0"/>
               <a:t>Best Model: </a:t>
             </a:r>
             <a:r>
-              <a:rPr lang="en-US" b="1" dirty="0"/>
+              <a:rPr lang="en-US" sz="2000" b="1" dirty="0"/>
               <a:t>Linear Regression</a:t>
             </a:r>
           </a:p>
@@ -12163,7 +17384,7 @@
               <a:buFont typeface="Arial" panose="020B0604020202020204" pitchFamily="34" charset="0"/>
               <a:buChar char="•"/>
             </a:pPr>
-            <a:endParaRPr lang="en-US" b="1" u="sng" dirty="0"/>
+            <a:endParaRPr lang="en-US" sz="2000" b="1" u="sng" dirty="0"/>
           </a:p>
           <a:p>
             <a:pPr indent="-228600">
@@ -12177,11 +17398,11 @@
               <a:buChar char="•"/>
             </a:pPr>
             <a:r>
-              <a:rPr lang="en-US" dirty="0"/>
+              <a:rPr lang="en-US" sz="2000" dirty="0"/>
               <a:t>Model Accuracy: </a:t>
             </a:r>
             <a:r>
-              <a:rPr lang="en-US" b="1" u="sng" dirty="0"/>
+              <a:rPr lang="en-US" sz="2000" b="1" u="sng" dirty="0"/>
               <a:t>89.51%</a:t>
             </a:r>
           </a:p>
@@ -12196,7 +17417,7 @@
               <a:buFont typeface="Arial" panose="020B0604020202020204" pitchFamily="34" charset="0"/>
               <a:buChar char="•"/>
             </a:pPr>
-            <a:endParaRPr lang="en-US" dirty="0"/>
+            <a:endParaRPr lang="en-US" sz="2000" dirty="0"/>
           </a:p>
           <a:p>
             <a:pPr indent="-228600">
@@ -12210,7 +17431,7 @@
               <a:buChar char="•"/>
             </a:pPr>
             <a:r>
-              <a:rPr lang="en-US" b="1" dirty="0"/>
+              <a:rPr lang="en-US" sz="2000" b="1" dirty="0"/>
               <a:t>Coefficients:</a:t>
             </a:r>
           </a:p>
@@ -12226,18 +17447,30 @@
               <a:buChar char="•"/>
             </a:pPr>
             <a:r>
-              <a:rPr lang="en-US" b="1" dirty="0"/>
+              <a:rPr lang="en-US" sz="2000" b="1" dirty="0">
+                <a:solidFill>
+                  <a:srgbClr val="5A6CC1"/>
+                </a:solidFill>
+              </a:rPr>
               <a:t>Positive</a:t>
             </a:r>
             <a:r>
-              <a:rPr lang="en-US" dirty="0"/>
+              <a:rPr lang="en-US" sz="2000" dirty="0"/>
               <a:t> and </a:t>
             </a:r>
             <a:r>
-              <a:rPr lang="en-US" b="1" dirty="0"/>
+              <a:rPr lang="en-US" sz="2000" b="1" dirty="0">
+                <a:solidFill>
+                  <a:srgbClr val="B34546"/>
+                </a:solidFill>
+              </a:rPr>
               <a:t>Negative</a:t>
             </a:r>
-            <a:endParaRPr lang="en-US" dirty="0"/>
+            <a:endParaRPr lang="en-US" sz="2000" dirty="0">
+              <a:solidFill>
+                <a:srgbClr val="B34546"/>
+              </a:solidFill>
+            </a:endParaRPr>
           </a:p>
           <a:p>
             <a:pPr marL="285750" indent="-228600">
@@ -12251,7 +17484,7 @@
               <a:buChar char="•"/>
             </a:pPr>
             <a:r>
-              <a:rPr lang="en-US" dirty="0"/>
+              <a:rPr lang="en-US" sz="2000" dirty="0"/>
               <a:t>Words that influenced towards or away from classifying a review as ‘positive’</a:t>
             </a:r>
           </a:p>
@@ -12267,7 +17500,7 @@
               <a:buChar char="•"/>
             </a:pPr>
             <a:r>
-              <a:rPr lang="en-US" dirty="0"/>
+              <a:rPr lang="en-US" sz="2000" dirty="0"/>
               <a:t>Mostly strong positive or strong negative adjectives</a:t>
             </a:r>
           </a:p>
@@ -12275,10 +17508,10 @@
       </p:sp>
       <p:sp>
         <p:nvSpPr>
-          <p:cNvPr id="4106" name="Rectangle 80">
+          <p:cNvPr id="106" name="Rectangle 105">
             <a:extLst>
               <a:ext uri="{FF2B5EF4-FFF2-40B4-BE49-F238E27FC236}">
-                <a16:creationId xmlns:a16="http://schemas.microsoft.com/office/drawing/2014/main" id="{55222F96-971A-4F90-B841-6BAB416C7AC1}"/>
+                <a16:creationId xmlns:a16="http://schemas.microsoft.com/office/drawing/2014/main" id="{C13237C8-E62C-4F0D-A318-BD6FB6C2D138}"/>
               </a:ext>
               <a:ext uri="{C183D7F6-B498-43B3-948B-1728B52AA6E4}">
                 <adec:decorative xmlns:adec="http://schemas.microsoft.com/office/drawing/2017/decorative" val="1"/>
@@ -12297,9 +17530,9 @@
           </p:nvPr>
         </p:nvSpPr>
         <p:spPr>
-          <a:xfrm rot="5400000">
-            <a:off x="11677179" y="6053360"/>
-            <a:ext cx="740664" cy="154124"/>
+          <a:xfrm flipH="1">
+            <a:off x="10697670" y="0"/>
+            <a:ext cx="1494330" cy="6858000"/>
           </a:xfrm>
           <a:prstGeom prst="rect">
             <a:avLst/>
@@ -12336,6 +17569,121 @@
           </a:p>
         </p:txBody>
       </p:sp>
+      <p:sp>
+        <p:nvSpPr>
+          <p:cNvPr id="108" name="Rectangle 107">
+            <a:extLst>
+              <a:ext uri="{FF2B5EF4-FFF2-40B4-BE49-F238E27FC236}">
+                <a16:creationId xmlns:a16="http://schemas.microsoft.com/office/drawing/2014/main" id="{19C9EAEA-39D0-4B0E-A0EB-51E7B26740B1}"/>
+              </a:ext>
+              <a:ext uri="{C183D7F6-B498-43B3-948B-1728B52AA6E4}">
+                <adec:decorative xmlns:adec="http://schemas.microsoft.com/office/drawing/2017/decorative" val="1"/>
+              </a:ext>
+            </a:extLst>
+          </p:cNvPr>
+          <p:cNvSpPr>
+            <a:spLocks noGrp="1" noRot="1" noChangeAspect="1" noMove="1" noResize="1" noEditPoints="1" noAdjustHandles="1" noChangeArrowheads="1" noChangeShapeType="1" noTextEdit="1"/>
+          </p:cNvSpPr>
+          <p:nvPr>
+            <p:extLst>
+              <p:ext uri="{386F3935-93C4-4BCD-93E2-E3B085C9AB24}">
+                <p16:designElem xmlns:p16="http://schemas.microsoft.com/office/powerpoint/2015/main" val="1"/>
+              </p:ext>
+            </p:extLst>
+          </p:nvPr>
+        </p:nvSpPr>
+        <p:spPr>
+          <a:xfrm>
+            <a:off x="5685810" y="513853"/>
+            <a:ext cx="6009366" cy="5834577"/>
+          </a:xfrm>
+          <a:prstGeom prst="rect">
+            <a:avLst/>
+          </a:prstGeom>
+          <a:solidFill>
+            <a:schemeClr val="bg1"/>
+          </a:solidFill>
+          <a:ln>
+            <a:noFill/>
+          </a:ln>
+          <a:effectLst>
+            <a:outerShdw blurRad="139700" dist="127000" dir="5400000" algn="t" rotWithShape="0">
+              <a:prstClr val="black">
+                <a:alpha val="15000"/>
+              </a:prstClr>
+            </a:outerShdw>
+          </a:effectLst>
+        </p:spPr>
+        <p:style>
+          <a:lnRef idx="2">
+            <a:schemeClr val="accent1">
+              <a:shade val="50000"/>
+            </a:schemeClr>
+          </a:lnRef>
+          <a:fillRef idx="1">
+            <a:schemeClr val="accent1"/>
+          </a:fillRef>
+          <a:effectRef idx="0">
+            <a:schemeClr val="accent1"/>
+          </a:effectRef>
+          <a:fontRef idx="minor">
+            <a:schemeClr val="lt1"/>
+          </a:fontRef>
+        </p:style>
+        <p:txBody>
+          <a:bodyPr rtlCol="0" anchor="ctr"/>
+          <a:lstStyle/>
+          <a:p>
+            <a:pPr algn="ctr"/>
+            <a:endParaRPr lang="en-US"/>
+          </a:p>
+        </p:txBody>
+      </p:sp>
+      <p:pic>
+        <p:nvPicPr>
+          <p:cNvPr id="3" name="Picture 6">
+            <a:extLst>
+              <a:ext uri="{FF2B5EF4-FFF2-40B4-BE49-F238E27FC236}">
+                <a16:creationId xmlns:a16="http://schemas.microsoft.com/office/drawing/2014/main" id="{C1510B14-8CF2-40A7-8FBB-E54BC95C60E8}"/>
+              </a:ext>
+            </a:extLst>
+          </p:cNvPr>
+          <p:cNvPicPr>
+            <a:picLocks noChangeAspect="1" noChangeArrowheads="1"/>
+          </p:cNvPicPr>
+          <p:nvPr/>
+        </p:nvPicPr>
+        <p:blipFill rotWithShape="1">
+          <a:blip r:embed="rId3">
+            <a:extLst>
+              <a:ext uri="{28A0092B-C50C-407E-A947-70E740481C1C}">
+                <a14:useLocalDpi xmlns:a14="http://schemas.microsoft.com/office/drawing/2010/main" val="0"/>
+              </a:ext>
+            </a:extLst>
+          </a:blip>
+          <a:srcRect l="6505" r="5552" b="-1"/>
+          <a:stretch/>
+        </p:blipFill>
+        <p:spPr bwMode="auto">
+          <a:xfrm>
+            <a:off x="5977788" y="799352"/>
+            <a:ext cx="5425410" cy="5259296"/>
+          </a:xfrm>
+          <a:prstGeom prst="rect">
+            <a:avLst/>
+          </a:prstGeom>
+          <a:noFill/>
+          <a:extLst>
+            <a:ext uri="{909E8E84-426E-40DD-AFC4-6F175D3DCCD1}">
+              <a14:hiddenFill xmlns:a14="http://schemas.microsoft.com/office/drawing/2010/main">
+                <a:solidFill>
+                  <a:srgbClr val="FFFFFF"/>
+                </a:solidFill>
+              </a14:hiddenFill>
+            </a:ext>
+          </a:extLst>
+        </p:spPr>
+      </p:pic>
     </p:spTree>
     <p:extLst>
       <p:ext uri="{BB962C8B-B14F-4D97-AF65-F5344CB8AC3E}">
@@ -12349,7 +17697,7 @@
 </p:sld>
 </file>
 
-<file path=ppt/slides/slide7.xml><?xml version="1.0" encoding="utf-8"?>
+<file path=ppt/slides/slide9.xml><?xml version="1.0" encoding="utf-8"?>
 <p:sld xmlns:a="http://schemas.openxmlformats.org/drawingml/2006/main" xmlns:r="http://schemas.openxmlformats.org/officeDocument/2006/relationships" xmlns:p="http://schemas.openxmlformats.org/presentationml/2006/main">
   <p:cSld>
     <p:bg>
@@ -12505,1054 +17853,6 @@
     <p:extLst>
       <p:ext uri="{BB962C8B-B14F-4D97-AF65-F5344CB8AC3E}">
         <p14:creationId xmlns:p14="http://schemas.microsoft.com/office/powerpoint/2010/main" val="3720904147"/>
-      </p:ext>
-    </p:extLst>
-  </p:cSld>
-  <p:clrMapOvr>
-    <a:masterClrMapping/>
-  </p:clrMapOvr>
-</p:sld>
-</file>
-
-<file path=ppt/slides/slide8.xml><?xml version="1.0" encoding="utf-8"?>
-<p:sld xmlns:a="http://schemas.openxmlformats.org/drawingml/2006/main" xmlns:r="http://schemas.openxmlformats.org/officeDocument/2006/relationships" xmlns:p="http://schemas.openxmlformats.org/presentationml/2006/main">
-  <p:cSld>
-    <p:bg>
-      <p:bgPr>
-        <a:solidFill>
-          <a:schemeClr val="bg1"/>
-        </a:solidFill>
-        <a:effectLst/>
-      </p:bgPr>
-    </p:bg>
-    <p:spTree>
-      <p:nvGrpSpPr>
-        <p:cNvPr id="1" name=""/>
-        <p:cNvGrpSpPr/>
-        <p:nvPr/>
-      </p:nvGrpSpPr>
-      <p:grpSpPr>
-        <a:xfrm>
-          <a:off x="0" y="0"/>
-          <a:ext cx="0" cy="0"/>
-          <a:chOff x="0" y="0"/>
-          <a:chExt cx="0" cy="0"/>
-        </a:xfrm>
-      </p:grpSpPr>
-      <p:sp useBgFill="1">
-        <p:nvSpPr>
-          <p:cNvPr id="8" name="Rectangle 7">
-            <a:extLst>
-              <a:ext uri="{FF2B5EF4-FFF2-40B4-BE49-F238E27FC236}">
-                <a16:creationId xmlns:a16="http://schemas.microsoft.com/office/drawing/2014/main" id="{DBF61EA3-B236-439E-9C0B-340980D56BEE}"/>
-              </a:ext>
-              <a:ext uri="{C183D7F6-B498-43B3-948B-1728B52AA6E4}">
-                <adec:decorative xmlns:adec="http://schemas.microsoft.com/office/drawing/2017/decorative" val="1"/>
-              </a:ext>
-            </a:extLst>
-          </p:cNvPr>
-          <p:cNvSpPr>
-            <a:spLocks noGrp="1" noRot="1" noChangeAspect="1" noMove="1" noResize="1" noEditPoints="1" noAdjustHandles="1" noChangeArrowheads="1" noChangeShapeType="1" noTextEdit="1"/>
-          </p:cNvSpPr>
-          <p:nvPr>
-            <p:extLst>
-              <p:ext uri="{386F3935-93C4-4BCD-93E2-E3B085C9AB24}">
-                <p16:designElem xmlns:p16="http://schemas.microsoft.com/office/powerpoint/2015/main" val="1"/>
-              </p:ext>
-            </p:extLst>
-          </p:nvPr>
-        </p:nvSpPr>
-        <p:spPr>
-          <a:xfrm>
-            <a:off x="0" y="0"/>
-            <a:ext cx="12191999" cy="6857365"/>
-          </a:xfrm>
-          <a:prstGeom prst="rect">
-            <a:avLst/>
-          </a:prstGeom>
-          <a:ln>
-            <a:noFill/>
-          </a:ln>
-        </p:spPr>
-        <p:style>
-          <a:lnRef idx="2">
-            <a:schemeClr val="accent1">
-              <a:shade val="50000"/>
-            </a:schemeClr>
-          </a:lnRef>
-          <a:fillRef idx="1">
-            <a:schemeClr val="accent1"/>
-          </a:fillRef>
-          <a:effectRef idx="0">
-            <a:schemeClr val="accent1"/>
-          </a:effectRef>
-          <a:fontRef idx="minor">
-            <a:schemeClr val="lt1"/>
-          </a:fontRef>
-        </p:style>
-        <p:txBody>
-          <a:bodyPr rtlCol="0" anchor="ctr"/>
-          <a:lstStyle/>
-          <a:p>
-            <a:pPr algn="ctr"/>
-            <a:endParaRPr lang="en-US"/>
-          </a:p>
-        </p:txBody>
-      </p:sp>
-      <p:sp>
-        <p:nvSpPr>
-          <p:cNvPr id="2" name="Title 1">
-            <a:extLst>
-              <a:ext uri="{FF2B5EF4-FFF2-40B4-BE49-F238E27FC236}">
-                <a16:creationId xmlns:a16="http://schemas.microsoft.com/office/drawing/2014/main" id="{D2E5643F-5B77-47DE-81FC-29E7D1799848}"/>
-              </a:ext>
-            </a:extLst>
-          </p:cNvPr>
-          <p:cNvSpPr>
-            <a:spLocks noGrp="1"/>
-          </p:cNvSpPr>
-          <p:nvPr>
-            <p:ph type="title"/>
-          </p:nvPr>
-        </p:nvSpPr>
-        <p:spPr>
-          <a:xfrm>
-            <a:off x="808638" y="386930"/>
-            <a:ext cx="9236700" cy="1188950"/>
-          </a:xfrm>
-        </p:spPr>
-        <p:txBody>
-          <a:bodyPr anchor="b">
-            <a:normAutofit/>
-          </a:bodyPr>
-          <a:lstStyle/>
-          <a:p>
-            <a:r>
-              <a:rPr lang="en-US" sz="5400"/>
-              <a:t>Recommendations</a:t>
-            </a:r>
-          </a:p>
-        </p:txBody>
-      </p:sp>
-      <p:grpSp>
-        <p:nvGrpSpPr>
-          <p:cNvPr id="10" name="Group 9">
-            <a:extLst>
-              <a:ext uri="{FF2B5EF4-FFF2-40B4-BE49-F238E27FC236}">
-                <a16:creationId xmlns:a16="http://schemas.microsoft.com/office/drawing/2014/main" id="{28FAF094-D087-493F-8DF9-A486C2D6BBAA}"/>
-              </a:ext>
-              <a:ext uri="{C183D7F6-B498-43B3-948B-1728B52AA6E4}">
-                <adec:decorative xmlns:adec="http://schemas.microsoft.com/office/drawing/2017/decorative" val="1"/>
-              </a:ext>
-            </a:extLst>
-          </p:cNvPr>
-          <p:cNvGrpSpPr>
-            <a:grpSpLocks noGrp="1" noUngrp="1" noRot="1" noChangeAspect="1" noMove="1" noResize="1"/>
-          </p:cNvGrpSpPr>
-          <p:nvPr>
-            <p:extLst>
-              <p:ext uri="{386F3935-93C4-4BCD-93E2-E3B085C9AB24}">
-                <p16:designElem xmlns:p16="http://schemas.microsoft.com/office/powerpoint/2015/main" val="1"/>
-              </p:ext>
-            </p:extLst>
-          </p:nvPr>
-        </p:nvGrpSpPr>
-        <p:grpSpPr>
-          <a:xfrm>
-            <a:off x="-2" y="1998368"/>
-            <a:ext cx="11695083" cy="782176"/>
-            <a:chOff x="-2" y="1998368"/>
-            <a:chExt cx="11695083" cy="782176"/>
-          </a:xfrm>
-        </p:grpSpPr>
-        <p:sp>
-          <p:nvSpPr>
-            <p:cNvPr id="11" name="Rectangle 10">
-              <a:extLst>
-                <a:ext uri="{FF2B5EF4-FFF2-40B4-BE49-F238E27FC236}">
-                  <a16:creationId xmlns:a16="http://schemas.microsoft.com/office/drawing/2014/main" id="{8D7C88D8-5509-4514-925A-9CE148E5CBD6}"/>
-                </a:ext>
-                <a:ext uri="{C183D7F6-B498-43B3-948B-1728B52AA6E4}">
-                  <adec:decorative xmlns:adec="http://schemas.microsoft.com/office/drawing/2017/decorative" val="1"/>
-                </a:ext>
-              </a:extLst>
-            </p:cNvPr>
-            <p:cNvSpPr/>
-            <p:nvPr>
-              <p:extLst>
-                <p:ext uri="{386F3935-93C4-4BCD-93E2-E3B085C9AB24}">
-                  <p16:designElem xmlns:p16="http://schemas.microsoft.com/office/powerpoint/2015/main" val="1"/>
-                </p:ext>
-              </p:extLst>
-            </p:nvPr>
-          </p:nvSpPr>
-          <p:spPr>
-            <a:xfrm rot="5400000">
-              <a:off x="11228040" y="2313027"/>
-              <a:ext cx="781700" cy="152382"/>
-            </a:xfrm>
-            <a:prstGeom prst="rect">
-              <a:avLst/>
-            </a:prstGeom>
-            <a:solidFill>
-              <a:schemeClr val="accent4"/>
-            </a:solidFill>
-            <a:ln>
-              <a:noFill/>
-            </a:ln>
-          </p:spPr>
-          <p:style>
-            <a:lnRef idx="2">
-              <a:schemeClr val="accent1">
-                <a:shade val="50000"/>
-              </a:schemeClr>
-            </a:lnRef>
-            <a:fillRef idx="1">
-              <a:schemeClr val="accent1"/>
-            </a:fillRef>
-            <a:effectRef idx="0">
-              <a:schemeClr val="accent1"/>
-            </a:effectRef>
-            <a:fontRef idx="minor">
-              <a:schemeClr val="lt1"/>
-            </a:fontRef>
-          </p:style>
-          <p:txBody>
-            <a:bodyPr rtlCol="0" anchor="ctr"/>
-            <a:lstStyle/>
-            <a:p>
-              <a:pPr algn="ctr"/>
-              <a:endParaRPr lang="en-US"/>
-            </a:p>
-          </p:txBody>
-        </p:sp>
-        <p:sp>
-          <p:nvSpPr>
-            <p:cNvPr id="12" name="Rectangle 11">
-              <a:extLst>
-                <a:ext uri="{FF2B5EF4-FFF2-40B4-BE49-F238E27FC236}">
-                  <a16:creationId xmlns:a16="http://schemas.microsoft.com/office/drawing/2014/main" id="{7275593D-F75E-4426-AE3E-2CDEFD228D25}"/>
-                </a:ext>
-                <a:ext uri="{C183D7F6-B498-43B3-948B-1728B52AA6E4}">
-                  <adec:decorative xmlns:adec="http://schemas.microsoft.com/office/drawing/2017/decorative" val="1"/>
-                </a:ext>
-              </a:extLst>
-            </p:cNvPr>
-            <p:cNvSpPr/>
-            <p:nvPr>
-              <p:extLst>
-                <p:ext uri="{386F3935-93C4-4BCD-93E2-E3B085C9AB24}">
-                  <p16:designElem xmlns:p16="http://schemas.microsoft.com/office/powerpoint/2015/main" val="1"/>
-                </p:ext>
-              </p:extLst>
-            </p:nvPr>
-          </p:nvSpPr>
-          <p:spPr>
-            <a:xfrm flipH="1" flipV="1">
-              <a:off x="-2" y="1998845"/>
-              <a:ext cx="11454595" cy="781699"/>
-            </a:xfrm>
-            <a:prstGeom prst="rect">
-              <a:avLst/>
-            </a:prstGeom>
-            <a:solidFill>
-              <a:schemeClr val="accent4"/>
-            </a:solidFill>
-            <a:ln>
-              <a:noFill/>
-            </a:ln>
-          </p:spPr>
-          <p:style>
-            <a:lnRef idx="2">
-              <a:schemeClr val="accent1">
-                <a:shade val="50000"/>
-              </a:schemeClr>
-            </a:lnRef>
-            <a:fillRef idx="1">
-              <a:schemeClr val="accent1"/>
-            </a:fillRef>
-            <a:effectRef idx="0">
-              <a:schemeClr val="accent1"/>
-            </a:effectRef>
-            <a:fontRef idx="minor">
-              <a:schemeClr val="lt1"/>
-            </a:fontRef>
-          </p:style>
-          <p:txBody>
-            <a:bodyPr rtlCol="0" anchor="ctr"/>
-            <a:lstStyle/>
-            <a:p>
-              <a:pPr algn="ctr"/>
-              <a:endParaRPr lang="en-US"/>
-            </a:p>
-          </p:txBody>
-        </p:sp>
-      </p:grpSp>
-      <p:sp>
-        <p:nvSpPr>
-          <p:cNvPr id="14" name="Rectangle 13">
-            <a:extLst>
-              <a:ext uri="{FF2B5EF4-FFF2-40B4-BE49-F238E27FC236}">
-                <a16:creationId xmlns:a16="http://schemas.microsoft.com/office/drawing/2014/main" id="{E659831F-0D9A-4C63-9EBB-8435B85A440F}"/>
-              </a:ext>
-              <a:ext uri="{C183D7F6-B498-43B3-948B-1728B52AA6E4}">
-                <adec:decorative xmlns:adec="http://schemas.microsoft.com/office/drawing/2017/decorative" val="1"/>
-              </a:ext>
-            </a:extLst>
-          </p:cNvPr>
-          <p:cNvSpPr>
-            <a:spLocks noGrp="1" noRot="1" noChangeAspect="1" noMove="1" noResize="1" noEditPoints="1" noAdjustHandles="1" noChangeArrowheads="1" noChangeShapeType="1" noTextEdit="1"/>
-          </p:cNvSpPr>
-          <p:nvPr>
-            <p:extLst>
-              <p:ext uri="{386F3935-93C4-4BCD-93E2-E3B085C9AB24}">
-                <p16:designElem xmlns:p16="http://schemas.microsoft.com/office/powerpoint/2015/main" val="1"/>
-              </p:ext>
-            </p:extLst>
-          </p:nvPr>
-        </p:nvSpPr>
-        <p:spPr>
-          <a:xfrm>
-            <a:off x="0" y="2203079"/>
-            <a:ext cx="11383362" cy="4147845"/>
-          </a:xfrm>
-          <a:prstGeom prst="rect">
-            <a:avLst/>
-          </a:prstGeom>
-          <a:solidFill>
-            <a:schemeClr val="bg1"/>
-          </a:solidFill>
-          <a:ln>
-            <a:noFill/>
-          </a:ln>
-          <a:effectLst>
-            <a:outerShdw blurRad="139700" dist="127000" dir="5400000" algn="t" rotWithShape="0">
-              <a:prstClr val="black">
-                <a:alpha val="15000"/>
-              </a:prstClr>
-            </a:outerShdw>
-          </a:effectLst>
-        </p:spPr>
-        <p:style>
-          <a:lnRef idx="2">
-            <a:schemeClr val="accent1">
-              <a:shade val="50000"/>
-            </a:schemeClr>
-          </a:lnRef>
-          <a:fillRef idx="1">
-            <a:schemeClr val="accent1"/>
-          </a:fillRef>
-          <a:effectRef idx="0">
-            <a:schemeClr val="accent1"/>
-          </a:effectRef>
-          <a:fontRef idx="minor">
-            <a:schemeClr val="lt1"/>
-          </a:fontRef>
-        </p:style>
-        <p:txBody>
-          <a:bodyPr rtlCol="0" anchor="ctr"/>
-          <a:lstStyle/>
-          <a:p>
-            <a:pPr algn="ctr"/>
-            <a:endParaRPr lang="en-US"/>
-          </a:p>
-        </p:txBody>
-      </p:sp>
-      <p:sp>
-        <p:nvSpPr>
-          <p:cNvPr id="3" name="Content Placeholder 2">
-            <a:extLst>
-              <a:ext uri="{FF2B5EF4-FFF2-40B4-BE49-F238E27FC236}">
-                <a16:creationId xmlns:a16="http://schemas.microsoft.com/office/drawing/2014/main" id="{24484FFC-69F5-4B16-B91A-9F8EDD88B82B}"/>
-              </a:ext>
-            </a:extLst>
-          </p:cNvPr>
-          <p:cNvSpPr>
-            <a:spLocks noGrp="1"/>
-          </p:cNvSpPr>
-          <p:nvPr>
-            <p:ph idx="1"/>
-          </p:nvPr>
-        </p:nvSpPr>
-        <p:spPr>
-          <a:xfrm>
-            <a:off x="793660" y="2599509"/>
-            <a:ext cx="10143668" cy="3435531"/>
-          </a:xfrm>
-        </p:spPr>
-        <p:txBody>
-          <a:bodyPr anchor="ctr">
-            <a:normAutofit/>
-          </a:bodyPr>
-          <a:lstStyle/>
-          <a:p>
-            <a:r>
-              <a:rPr lang="en-US" sz="2400"/>
-              <a:t>Use ‘positive’ and ‘negative’ sentiment model to calculate new score for all movies in database</a:t>
-            </a:r>
-          </a:p>
-          <a:p>
-            <a:r>
-              <a:rPr lang="en-US" sz="2400"/>
-              <a:t>Compile a new list of top 250 movies</a:t>
-            </a:r>
-          </a:p>
-          <a:p>
-            <a:r>
-              <a:rPr lang="en-US" sz="2400"/>
-              <a:t>Compare user scored top 250 with top 250 as calculated by sentiment analysis</a:t>
-            </a:r>
-          </a:p>
-          <a:p>
-            <a:r>
-              <a:rPr lang="en-US" sz="2400"/>
-              <a:t>Depending on results, release to public</a:t>
-            </a:r>
-          </a:p>
-        </p:txBody>
-      </p:sp>
-    </p:spTree>
-    <p:extLst>
-      <p:ext uri="{BB962C8B-B14F-4D97-AF65-F5344CB8AC3E}">
-        <p14:creationId xmlns:p14="http://schemas.microsoft.com/office/powerpoint/2010/main" val="3395450070"/>
-      </p:ext>
-    </p:extLst>
-  </p:cSld>
-  <p:clrMapOvr>
-    <a:masterClrMapping/>
-  </p:clrMapOvr>
-</p:sld>
-</file>
-
-<file path=ppt/slides/slide9.xml><?xml version="1.0" encoding="utf-8"?>
-<p:sld xmlns:a="http://schemas.openxmlformats.org/drawingml/2006/main" xmlns:r="http://schemas.openxmlformats.org/officeDocument/2006/relationships" xmlns:p="http://schemas.openxmlformats.org/presentationml/2006/main">
-  <p:cSld>
-    <p:bg>
-      <p:bgPr>
-        <a:solidFill>
-          <a:schemeClr val="bg1"/>
-        </a:solidFill>
-        <a:effectLst/>
-      </p:bgPr>
-    </p:bg>
-    <p:spTree>
-      <p:nvGrpSpPr>
-        <p:cNvPr id="1" name=""/>
-        <p:cNvGrpSpPr/>
-        <p:nvPr/>
-      </p:nvGrpSpPr>
-      <p:grpSpPr>
-        <a:xfrm>
-          <a:off x="0" y="0"/>
-          <a:ext cx="0" cy="0"/>
-          <a:chOff x="0" y="0"/>
-          <a:chExt cx="0" cy="0"/>
-        </a:xfrm>
-      </p:grpSpPr>
-      <p:sp>
-        <p:nvSpPr>
-          <p:cNvPr id="2" name="Title 1">
-            <a:extLst>
-              <a:ext uri="{FF2B5EF4-FFF2-40B4-BE49-F238E27FC236}">
-                <a16:creationId xmlns:a16="http://schemas.microsoft.com/office/drawing/2014/main" id="{D2E5643F-5B77-47DE-81FC-29E7D1799848}"/>
-              </a:ext>
-            </a:extLst>
-          </p:cNvPr>
-          <p:cNvSpPr>
-            <a:spLocks noGrp="1"/>
-          </p:cNvSpPr>
-          <p:nvPr>
-            <p:ph type="title"/>
-          </p:nvPr>
-        </p:nvSpPr>
-        <p:spPr>
-          <a:xfrm>
-            <a:off x="1653363" y="365760"/>
-            <a:ext cx="9367203" cy="1188720"/>
-          </a:xfrm>
-        </p:spPr>
-        <p:txBody>
-          <a:bodyPr>
-            <a:normAutofit/>
-          </a:bodyPr>
-          <a:lstStyle/>
-          <a:p>
-            <a:r>
-              <a:rPr lang="en-US" dirty="0"/>
-              <a:t>Next Steps</a:t>
-            </a:r>
-          </a:p>
-        </p:txBody>
-      </p:sp>
-      <p:sp>
-        <p:nvSpPr>
-          <p:cNvPr id="8" name="Freeform: Shape 7">
-            <a:extLst>
-              <a:ext uri="{FF2B5EF4-FFF2-40B4-BE49-F238E27FC236}">
-                <a16:creationId xmlns:a16="http://schemas.microsoft.com/office/drawing/2014/main" id="{7CB4857B-ED7C-444D-9F04-2F885114A1C2}"/>
-              </a:ext>
-              <a:ext uri="{C183D7F6-B498-43B3-948B-1728B52AA6E4}">
-                <adec:decorative xmlns:adec="http://schemas.microsoft.com/office/drawing/2017/decorative" val="1"/>
-              </a:ext>
-            </a:extLst>
-          </p:cNvPr>
-          <p:cNvSpPr>
-            <a:spLocks noGrp="1" noRot="1" noChangeAspect="1" noMove="1" noResize="1" noEditPoints="1" noAdjustHandles="1" noChangeArrowheads="1" noChangeShapeType="1" noTextEdit="1"/>
-          </p:cNvSpPr>
-          <p:nvPr>
-            <p:extLst>
-              <p:ext uri="{386F3935-93C4-4BCD-93E2-E3B085C9AB24}">
-                <p16:designElem xmlns:p16="http://schemas.microsoft.com/office/powerpoint/2015/main" val="1"/>
-              </p:ext>
-            </p:extLst>
-          </p:nvPr>
-        </p:nvSpPr>
-        <p:spPr>
-          <a:xfrm>
-            <a:off x="1" y="0"/>
-            <a:ext cx="1764099" cy="1558212"/>
-          </a:xfrm>
-          <a:custGeom>
-            <a:avLst/>
-            <a:gdLst>
-              <a:gd name="connsiteX0" fmla="*/ 0 w 1764099"/>
-              <a:gd name="connsiteY0" fmla="*/ 0 h 1558212"/>
-              <a:gd name="connsiteX1" fmla="*/ 1764099 w 1764099"/>
-              <a:gd name="connsiteY1" fmla="*/ 0 h 1558212"/>
-              <a:gd name="connsiteX2" fmla="*/ 1042087 w 1764099"/>
-              <a:gd name="connsiteY2" fmla="*/ 1558212 h 1558212"/>
-              <a:gd name="connsiteX3" fmla="*/ 0 w 1764099"/>
-              <a:gd name="connsiteY3" fmla="*/ 1558212 h 1558212"/>
-            </a:gdLst>
-            <a:ahLst/>
-            <a:cxnLst>
-              <a:cxn ang="0">
-                <a:pos x="connsiteX0" y="connsiteY0"/>
-              </a:cxn>
-              <a:cxn ang="0">
-                <a:pos x="connsiteX1" y="connsiteY1"/>
-              </a:cxn>
-              <a:cxn ang="0">
-                <a:pos x="connsiteX2" y="connsiteY2"/>
-              </a:cxn>
-              <a:cxn ang="0">
-                <a:pos x="connsiteX3" y="connsiteY3"/>
-              </a:cxn>
-            </a:cxnLst>
-            <a:rect l="l" t="t" r="r" b="b"/>
-            <a:pathLst>
-              <a:path w="1764099" h="1558212">
-                <a:moveTo>
-                  <a:pt x="0" y="0"/>
-                </a:moveTo>
-                <a:lnTo>
-                  <a:pt x="1764099" y="0"/>
-                </a:lnTo>
-                <a:lnTo>
-                  <a:pt x="1042087" y="1558212"/>
-                </a:lnTo>
-                <a:lnTo>
-                  <a:pt x="0" y="1558212"/>
-                </a:lnTo>
-                <a:close/>
-              </a:path>
-            </a:pathLst>
-          </a:custGeom>
-          <a:solidFill>
-            <a:schemeClr val="accent4"/>
-          </a:solidFill>
-          <a:ln>
-            <a:noFill/>
-          </a:ln>
-        </p:spPr>
-        <p:style>
-          <a:lnRef idx="2">
-            <a:schemeClr val="accent1">
-              <a:shade val="50000"/>
-            </a:schemeClr>
-          </a:lnRef>
-          <a:fillRef idx="1">
-            <a:schemeClr val="accent1"/>
-          </a:fillRef>
-          <a:effectRef idx="0">
-            <a:schemeClr val="accent1"/>
-          </a:effectRef>
-          <a:fontRef idx="minor">
-            <a:schemeClr val="lt1"/>
-          </a:fontRef>
-        </p:style>
-        <p:txBody>
-          <a:bodyPr wrap="square" rtlCol="0" anchor="ctr">
-            <a:noAutofit/>
-          </a:bodyPr>
-          <a:lstStyle/>
-          <a:p>
-            <a:pPr algn="ctr"/>
-            <a:endParaRPr lang="en-US"/>
-          </a:p>
-        </p:txBody>
-      </p:sp>
-      <p:sp>
-        <p:nvSpPr>
-          <p:cNvPr id="10" name="Freeform: Shape 9">
-            <a:extLst>
-              <a:ext uri="{FF2B5EF4-FFF2-40B4-BE49-F238E27FC236}">
-                <a16:creationId xmlns:a16="http://schemas.microsoft.com/office/drawing/2014/main" id="{D18046FB-44EA-4FD8-A585-EA09A319B2D0}"/>
-              </a:ext>
-              <a:ext uri="{C183D7F6-B498-43B3-948B-1728B52AA6E4}">
-                <adec:decorative xmlns:adec="http://schemas.microsoft.com/office/drawing/2017/decorative" val="1"/>
-              </a:ext>
-            </a:extLst>
-          </p:cNvPr>
-          <p:cNvSpPr>
-            <a:spLocks noGrp="1" noRot="1" noChangeAspect="1" noMove="1" noResize="1" noEditPoints="1" noAdjustHandles="1" noChangeArrowheads="1" noChangeShapeType="1" noTextEdit="1"/>
-          </p:cNvSpPr>
-          <p:nvPr>
-            <p:extLst>
-              <p:ext uri="{386F3935-93C4-4BCD-93E2-E3B085C9AB24}">
-                <p16:designElem xmlns:p16="http://schemas.microsoft.com/office/powerpoint/2015/main" val="1"/>
-              </p:ext>
-            </p:extLst>
-          </p:nvPr>
-        </p:nvSpPr>
-        <p:spPr>
-          <a:xfrm>
-            <a:off x="1" y="1691640"/>
-            <a:ext cx="12191999" cy="5166360"/>
-          </a:xfrm>
-          <a:custGeom>
-            <a:avLst/>
-            <a:gdLst>
-              <a:gd name="connsiteX0" fmla="*/ 0 w 12191999"/>
-              <a:gd name="connsiteY0" fmla="*/ 0 h 5166360"/>
-              <a:gd name="connsiteX1" fmla="*/ 1822388 w 12191999"/>
-              <a:gd name="connsiteY1" fmla="*/ 0 h 5166360"/>
-              <a:gd name="connsiteX2" fmla="*/ 6468290 w 12191999"/>
-              <a:gd name="connsiteY2" fmla="*/ 0 h 5166360"/>
-              <a:gd name="connsiteX3" fmla="*/ 7796394 w 12191999"/>
-              <a:gd name="connsiteY3" fmla="*/ 0 h 5166360"/>
-              <a:gd name="connsiteX4" fmla="*/ 8376834 w 12191999"/>
-              <a:gd name="connsiteY4" fmla="*/ 0 h 5166360"/>
-              <a:gd name="connsiteX5" fmla="*/ 9704938 w 12191999"/>
-              <a:gd name="connsiteY5" fmla="*/ 0 h 5166360"/>
-              <a:gd name="connsiteX6" fmla="*/ 9704938 w 12191999"/>
-              <a:gd name="connsiteY6" fmla="*/ 2 h 5166360"/>
-              <a:gd name="connsiteX7" fmla="*/ 10283456 w 12191999"/>
-              <a:gd name="connsiteY7" fmla="*/ 2 h 5166360"/>
-              <a:gd name="connsiteX8" fmla="*/ 10863897 w 12191999"/>
-              <a:gd name="connsiteY8" fmla="*/ 2 h 5166360"/>
-              <a:gd name="connsiteX9" fmla="*/ 12191999 w 12191999"/>
-              <a:gd name="connsiteY9" fmla="*/ 2 h 5166360"/>
-              <a:gd name="connsiteX10" fmla="*/ 12191999 w 12191999"/>
-              <a:gd name="connsiteY10" fmla="*/ 5166360 h 5166360"/>
-              <a:gd name="connsiteX11" fmla="*/ 0 w 12191999"/>
-              <a:gd name="connsiteY11" fmla="*/ 5166360 h 5166360"/>
-              <a:gd name="connsiteX12" fmla="*/ 0 w 12191999"/>
-              <a:gd name="connsiteY12" fmla="*/ 2604436 h 5166360"/>
-              <a:gd name="connsiteX13" fmla="*/ 862341 w 12191999"/>
-              <a:gd name="connsiteY13" fmla="*/ 743371 h 5166360"/>
-              <a:gd name="connsiteX14" fmla="*/ 0 w 12191999"/>
-              <a:gd name="connsiteY14" fmla="*/ 743371 h 5166360"/>
-              <a:gd name="connsiteX15" fmla="*/ 0 w 12191999"/>
-              <a:gd name="connsiteY15" fmla="*/ 742508 h 5166360"/>
-              <a:gd name="connsiteX16" fmla="*/ 92826 w 12191999"/>
-              <a:gd name="connsiteY16" fmla="*/ 742508 h 5166360"/>
-              <a:gd name="connsiteX17" fmla="*/ 406486 w 12191999"/>
-              <a:gd name="connsiteY17" fmla="*/ 742508 h 5166360"/>
-              <a:gd name="connsiteX18" fmla="*/ 406486 w 12191999"/>
-              <a:gd name="connsiteY18" fmla="*/ 742507 h 5166360"/>
-              <a:gd name="connsiteX19" fmla="*/ 862741 w 12191999"/>
-              <a:gd name="connsiteY19" fmla="*/ 742507 h 5166360"/>
-              <a:gd name="connsiteX20" fmla="*/ 1206388 w 12191999"/>
-              <a:gd name="connsiteY20" fmla="*/ 864 h 5166360"/>
-              <a:gd name="connsiteX21" fmla="*/ 748500 w 12191999"/>
-              <a:gd name="connsiteY21" fmla="*/ 864 h 5166360"/>
-              <a:gd name="connsiteX22" fmla="*/ 0 w 12191999"/>
-              <a:gd name="connsiteY22" fmla="*/ 864 h 5166360"/>
-            </a:gdLst>
-            <a:ahLst/>
-            <a:cxnLst>
-              <a:cxn ang="0">
-                <a:pos x="connsiteX0" y="connsiteY0"/>
-              </a:cxn>
-              <a:cxn ang="0">
-                <a:pos x="connsiteX1" y="connsiteY1"/>
-              </a:cxn>
-              <a:cxn ang="0">
-                <a:pos x="connsiteX2" y="connsiteY2"/>
-              </a:cxn>
-              <a:cxn ang="0">
-                <a:pos x="connsiteX3" y="connsiteY3"/>
-              </a:cxn>
-              <a:cxn ang="0">
-                <a:pos x="connsiteX4" y="connsiteY4"/>
-              </a:cxn>
-              <a:cxn ang="0">
-                <a:pos x="connsiteX5" y="connsiteY5"/>
-              </a:cxn>
-              <a:cxn ang="0">
-                <a:pos x="connsiteX6" y="connsiteY6"/>
-              </a:cxn>
-              <a:cxn ang="0">
-                <a:pos x="connsiteX7" y="connsiteY7"/>
-              </a:cxn>
-              <a:cxn ang="0">
-                <a:pos x="connsiteX8" y="connsiteY8"/>
-              </a:cxn>
-              <a:cxn ang="0">
-                <a:pos x="connsiteX9" y="connsiteY9"/>
-              </a:cxn>
-              <a:cxn ang="0">
-                <a:pos x="connsiteX10" y="connsiteY10"/>
-              </a:cxn>
-              <a:cxn ang="0">
-                <a:pos x="connsiteX11" y="connsiteY11"/>
-              </a:cxn>
-              <a:cxn ang="0">
-                <a:pos x="connsiteX12" y="connsiteY12"/>
-              </a:cxn>
-              <a:cxn ang="0">
-                <a:pos x="connsiteX13" y="connsiteY13"/>
-              </a:cxn>
-              <a:cxn ang="0">
-                <a:pos x="connsiteX14" y="connsiteY14"/>
-              </a:cxn>
-              <a:cxn ang="0">
-                <a:pos x="connsiteX15" y="connsiteY15"/>
-              </a:cxn>
-              <a:cxn ang="0">
-                <a:pos x="connsiteX16" y="connsiteY16"/>
-              </a:cxn>
-              <a:cxn ang="0">
-                <a:pos x="connsiteX17" y="connsiteY17"/>
-              </a:cxn>
-              <a:cxn ang="0">
-                <a:pos x="connsiteX18" y="connsiteY18"/>
-              </a:cxn>
-              <a:cxn ang="0">
-                <a:pos x="connsiteX19" y="connsiteY19"/>
-              </a:cxn>
-              <a:cxn ang="0">
-                <a:pos x="connsiteX20" y="connsiteY20"/>
-              </a:cxn>
-              <a:cxn ang="0">
-                <a:pos x="connsiteX21" y="connsiteY21"/>
-              </a:cxn>
-              <a:cxn ang="0">
-                <a:pos x="connsiteX22" y="connsiteY22"/>
-              </a:cxn>
-            </a:cxnLst>
-            <a:rect l="l" t="t" r="r" b="b"/>
-            <a:pathLst>
-              <a:path w="12191999" h="5166360">
-                <a:moveTo>
-                  <a:pt x="0" y="0"/>
-                </a:moveTo>
-                <a:lnTo>
-                  <a:pt x="1822388" y="0"/>
-                </a:lnTo>
-                <a:lnTo>
-                  <a:pt x="6468290" y="0"/>
-                </a:lnTo>
-                <a:lnTo>
-                  <a:pt x="7796394" y="0"/>
-                </a:lnTo>
-                <a:lnTo>
-                  <a:pt x="8376834" y="0"/>
-                </a:lnTo>
-                <a:lnTo>
-                  <a:pt x="9704938" y="0"/>
-                </a:lnTo>
-                <a:lnTo>
-                  <a:pt x="9704938" y="2"/>
-                </a:lnTo>
-                <a:lnTo>
-                  <a:pt x="10283456" y="2"/>
-                </a:lnTo>
-                <a:lnTo>
-                  <a:pt x="10863897" y="2"/>
-                </a:lnTo>
-                <a:lnTo>
-                  <a:pt x="12191999" y="2"/>
-                </a:lnTo>
-                <a:lnTo>
-                  <a:pt x="12191999" y="5166360"/>
-                </a:lnTo>
-                <a:lnTo>
-                  <a:pt x="0" y="5166360"/>
-                </a:lnTo>
-                <a:lnTo>
-                  <a:pt x="0" y="2604436"/>
-                </a:lnTo>
-                <a:lnTo>
-                  <a:pt x="862341" y="743371"/>
-                </a:lnTo>
-                <a:lnTo>
-                  <a:pt x="0" y="743371"/>
-                </a:lnTo>
-                <a:lnTo>
-                  <a:pt x="0" y="742508"/>
-                </a:lnTo>
-                <a:lnTo>
-                  <a:pt x="92826" y="742508"/>
-                </a:lnTo>
-                <a:lnTo>
-                  <a:pt x="406486" y="742508"/>
-                </a:lnTo>
-                <a:lnTo>
-                  <a:pt x="406486" y="742507"/>
-                </a:lnTo>
-                <a:lnTo>
-                  <a:pt x="862741" y="742507"/>
-                </a:lnTo>
-                <a:lnTo>
-                  <a:pt x="1206388" y="864"/>
-                </a:lnTo>
-                <a:lnTo>
-                  <a:pt x="748500" y="864"/>
-                </a:lnTo>
-                <a:lnTo>
-                  <a:pt x="0" y="864"/>
-                </a:lnTo>
-                <a:close/>
-              </a:path>
-            </a:pathLst>
-          </a:custGeom>
-          <a:solidFill>
-            <a:srgbClr val="A6A6A6">
-              <a:alpha val="49804"/>
-            </a:srgbClr>
-          </a:solidFill>
-          <a:ln>
-            <a:noFill/>
-          </a:ln>
-        </p:spPr>
-        <p:style>
-          <a:lnRef idx="2">
-            <a:schemeClr val="accent1">
-              <a:shade val="50000"/>
-            </a:schemeClr>
-          </a:lnRef>
-          <a:fillRef idx="1">
-            <a:schemeClr val="accent1"/>
-          </a:fillRef>
-          <a:effectRef idx="0">
-            <a:schemeClr val="accent1"/>
-          </a:effectRef>
-          <a:fontRef idx="minor">
-            <a:schemeClr val="lt1"/>
-          </a:fontRef>
-        </p:style>
-        <p:txBody>
-          <a:bodyPr wrap="square" rtlCol="0" anchor="ctr">
-            <a:noAutofit/>
-          </a:bodyPr>
-          <a:lstStyle/>
-          <a:p>
-            <a:pPr algn="ctr"/>
-            <a:endParaRPr lang="en-US"/>
-          </a:p>
-        </p:txBody>
-      </p:sp>
-      <p:sp>
-        <p:nvSpPr>
-          <p:cNvPr id="12" name="Freeform: Shape 11">
-            <a:extLst>
-              <a:ext uri="{FF2B5EF4-FFF2-40B4-BE49-F238E27FC236}">
-                <a16:creationId xmlns:a16="http://schemas.microsoft.com/office/drawing/2014/main" id="{479F5F2B-8B58-4140-AE6A-51F6C67B18D9}"/>
-              </a:ext>
-              <a:ext uri="{C183D7F6-B498-43B3-948B-1728B52AA6E4}">
-                <adec:decorative xmlns:adec="http://schemas.microsoft.com/office/drawing/2017/decorative" val="1"/>
-              </a:ext>
-            </a:extLst>
-          </p:cNvPr>
-          <p:cNvSpPr>
-            <a:spLocks noGrp="1" noRot="1" noChangeAspect="1" noMove="1" noResize="1" noEditPoints="1" noAdjustHandles="1" noChangeArrowheads="1" noChangeShapeType="1" noTextEdit="1"/>
-          </p:cNvSpPr>
-          <p:nvPr>
-            <p:extLst>
-              <p:ext uri="{386F3935-93C4-4BCD-93E2-E3B085C9AB24}">
-                <p16:designElem xmlns:p16="http://schemas.microsoft.com/office/powerpoint/2015/main" val="1"/>
-              </p:ext>
-            </p:extLst>
-          </p:nvPr>
-        </p:nvSpPr>
-        <p:spPr>
-          <a:xfrm>
-            <a:off x="0" y="1691641"/>
-            <a:ext cx="971654" cy="2096979"/>
-          </a:xfrm>
-          <a:custGeom>
-            <a:avLst/>
-            <a:gdLst>
-              <a:gd name="connsiteX0" fmla="*/ 0 w 971654"/>
-              <a:gd name="connsiteY0" fmla="*/ 0 h 2096979"/>
-              <a:gd name="connsiteX1" fmla="*/ 971654 w 971654"/>
-              <a:gd name="connsiteY1" fmla="*/ 0 h 2096979"/>
-              <a:gd name="connsiteX2" fmla="*/ 0 w 971654"/>
-              <a:gd name="connsiteY2" fmla="*/ 2096979 h 2096979"/>
-            </a:gdLst>
-            <a:ahLst/>
-            <a:cxnLst>
-              <a:cxn ang="0">
-                <a:pos x="connsiteX0" y="connsiteY0"/>
-              </a:cxn>
-              <a:cxn ang="0">
-                <a:pos x="connsiteX1" y="connsiteY1"/>
-              </a:cxn>
-              <a:cxn ang="0">
-                <a:pos x="connsiteX2" y="connsiteY2"/>
-              </a:cxn>
-            </a:cxnLst>
-            <a:rect l="l" t="t" r="r" b="b"/>
-            <a:pathLst>
-              <a:path w="971654" h="2096979">
-                <a:moveTo>
-                  <a:pt x="0" y="0"/>
-                </a:moveTo>
-                <a:lnTo>
-                  <a:pt x="971654" y="0"/>
-                </a:lnTo>
-                <a:lnTo>
-                  <a:pt x="0" y="2096979"/>
-                </a:lnTo>
-                <a:close/>
-              </a:path>
-            </a:pathLst>
-          </a:custGeom>
-          <a:solidFill>
-            <a:srgbClr val="404040"/>
-          </a:solidFill>
-          <a:ln>
-            <a:noFill/>
-          </a:ln>
-        </p:spPr>
-        <p:style>
-          <a:lnRef idx="2">
-            <a:schemeClr val="accent1">
-              <a:shade val="50000"/>
-            </a:schemeClr>
-          </a:lnRef>
-          <a:fillRef idx="1">
-            <a:schemeClr val="accent1"/>
-          </a:fillRef>
-          <a:effectRef idx="0">
-            <a:schemeClr val="accent1"/>
-          </a:effectRef>
-          <a:fontRef idx="minor">
-            <a:schemeClr val="lt1"/>
-          </a:fontRef>
-        </p:style>
-        <p:txBody>
-          <a:bodyPr wrap="square" rtlCol="0" anchor="ctr">
-            <a:noAutofit/>
-          </a:bodyPr>
-          <a:lstStyle/>
-          <a:p>
-            <a:pPr algn="ctr"/>
-            <a:endParaRPr lang="en-US"/>
-          </a:p>
-        </p:txBody>
-      </p:sp>
-      <p:sp>
-        <p:nvSpPr>
-          <p:cNvPr id="3" name="Content Placeholder 2">
-            <a:extLst>
-              <a:ext uri="{FF2B5EF4-FFF2-40B4-BE49-F238E27FC236}">
-                <a16:creationId xmlns:a16="http://schemas.microsoft.com/office/drawing/2014/main" id="{24484FFC-69F5-4B16-B91A-9F8EDD88B82B}"/>
-              </a:ext>
-            </a:extLst>
-          </p:cNvPr>
-          <p:cNvSpPr>
-            <a:spLocks noGrp="1"/>
-          </p:cNvSpPr>
-          <p:nvPr>
-            <p:ph idx="1"/>
-          </p:nvPr>
-        </p:nvSpPr>
-        <p:spPr>
-          <a:xfrm>
-            <a:off x="1653363" y="2176272"/>
-            <a:ext cx="9367204" cy="4041648"/>
-          </a:xfrm>
-        </p:spPr>
-        <p:txBody>
-          <a:bodyPr anchor="t">
-            <a:normAutofit/>
-          </a:bodyPr>
-          <a:lstStyle/>
-          <a:p>
-            <a:r>
-              <a:rPr lang="en-US" sz="2000"/>
-              <a:t>Experiment with different tokenizers and stop word lists</a:t>
-            </a:r>
-          </a:p>
-          <a:p>
-            <a:r>
-              <a:rPr lang="en-US" sz="2000"/>
-              <a:t>Reviews were added to dataset based on “highly polar” nature, quantify or qualify what this means</a:t>
-            </a:r>
-          </a:p>
-          <a:p>
-            <a:r>
-              <a:rPr lang="en-US" sz="2000"/>
-              <a:t>Compile new dataset with buckets for multiclassification</a:t>
-            </a:r>
-          </a:p>
-          <a:p>
-            <a:pPr lvl="1"/>
-            <a:r>
-              <a:rPr lang="en-US" sz="2000"/>
-              <a:t>Score of 1-3 / 10 = Negative</a:t>
-            </a:r>
-          </a:p>
-          <a:p>
-            <a:pPr lvl="1"/>
-            <a:r>
-              <a:rPr lang="en-US" sz="2000"/>
-              <a:t>Score of 4-6 / 10 = Neutral</a:t>
-            </a:r>
-          </a:p>
-          <a:p>
-            <a:pPr lvl="1"/>
-            <a:r>
-              <a:rPr lang="en-US" sz="2000"/>
-              <a:t>Score of  7-10 / 10 = Positive</a:t>
-            </a:r>
-          </a:p>
-          <a:p>
-            <a:r>
-              <a:rPr lang="en-US" sz="2000"/>
-              <a:t>Explore alternative machine learning models</a:t>
-            </a:r>
-          </a:p>
-          <a:p>
-            <a:pPr lvl="1"/>
-            <a:r>
-              <a:rPr lang="en-US" sz="2000"/>
-              <a:t>Support vector machines</a:t>
-            </a:r>
-          </a:p>
-          <a:p>
-            <a:pPr lvl="1"/>
-            <a:r>
-              <a:rPr lang="en-US" sz="2000"/>
-              <a:t>K nearest neighbors</a:t>
-            </a:r>
-          </a:p>
-          <a:p>
-            <a:pPr lvl="1"/>
-            <a:r>
-              <a:rPr lang="en-US" sz="2000"/>
-              <a:t>Deep learning / neural network models</a:t>
-            </a:r>
-          </a:p>
-        </p:txBody>
-      </p:sp>
-    </p:spTree>
-    <p:extLst>
-      <p:ext uri="{BB962C8B-B14F-4D97-AF65-F5344CB8AC3E}">
-        <p14:creationId xmlns:p14="http://schemas.microsoft.com/office/powerpoint/2010/main" val="1265478933"/>
       </p:ext>
     </p:extLst>
   </p:cSld>
@@ -13855,4 +18155,299 @@
     </a:ext>
   </a:extLst>
 </a:theme>
+</file>
+
+<file path=ppt/theme/theme2.xml><?xml version="1.0" encoding="utf-8"?>
+<a:theme xmlns:a="http://schemas.openxmlformats.org/drawingml/2006/main" name="Office Theme">
+  <a:themeElements>
+    <a:clrScheme name="Office">
+      <a:dk1>
+        <a:sysClr val="windowText" lastClr="000000"/>
+      </a:dk1>
+      <a:lt1>
+        <a:sysClr val="window" lastClr="FFFFFF"/>
+      </a:lt1>
+      <a:dk2>
+        <a:srgbClr val="44546A"/>
+      </a:dk2>
+      <a:lt2>
+        <a:srgbClr val="E7E6E6"/>
+      </a:lt2>
+      <a:accent1>
+        <a:srgbClr val="4472C4"/>
+      </a:accent1>
+      <a:accent2>
+        <a:srgbClr val="ED7D31"/>
+      </a:accent2>
+      <a:accent3>
+        <a:srgbClr val="A5A5A5"/>
+      </a:accent3>
+      <a:accent4>
+        <a:srgbClr val="FFC000"/>
+      </a:accent4>
+      <a:accent5>
+        <a:srgbClr val="5B9BD5"/>
+      </a:accent5>
+      <a:accent6>
+        <a:srgbClr val="70AD47"/>
+      </a:accent6>
+      <a:hlink>
+        <a:srgbClr val="0563C1"/>
+      </a:hlink>
+      <a:folHlink>
+        <a:srgbClr val="954F72"/>
+      </a:folHlink>
+    </a:clrScheme>
+    <a:fontScheme name="Office">
+      <a:majorFont>
+        <a:latin typeface="Calibri Light" panose="020F0302020204030204"/>
+        <a:ea typeface=""/>
+        <a:cs typeface=""/>
+        <a:font script="Jpan" typeface="游ゴシック Light"/>
+        <a:font script="Hang" typeface="맑은 고딕"/>
+        <a:font script="Hans" typeface="等线 Light"/>
+        <a:font script="Hant" typeface="新細明體"/>
+        <a:font script="Arab" typeface="Times New Roman"/>
+        <a:font script="Hebr" typeface="Times New Roman"/>
+        <a:font script="Thai" typeface="Angsana New"/>
+        <a:font script="Ethi" typeface="Nyala"/>
+        <a:font script="Beng" typeface="Vrinda"/>
+        <a:font script="Gujr" typeface="Shruti"/>
+        <a:font script="Khmr" typeface="MoolBoran"/>
+        <a:font script="Knda" typeface="Tunga"/>
+        <a:font script="Guru" typeface="Raavi"/>
+        <a:font script="Cans" typeface="Euphemia"/>
+        <a:font script="Cher" typeface="Plantagenet Cherokee"/>
+        <a:font script="Yiii" typeface="Microsoft Yi Baiti"/>
+        <a:font script="Tibt" typeface="Microsoft Himalaya"/>
+        <a:font script="Thaa" typeface="MV Boli"/>
+        <a:font script="Deva" typeface="Mangal"/>
+        <a:font script="Telu" typeface="Gautami"/>
+        <a:font script="Taml" typeface="Latha"/>
+        <a:font script="Syrc" typeface="Estrangelo Edessa"/>
+        <a:font script="Orya" typeface="Kalinga"/>
+        <a:font script="Mlym" typeface="Kartika"/>
+        <a:font script="Laoo" typeface="DokChampa"/>
+        <a:font script="Sinh" typeface="Iskoola Pota"/>
+        <a:font script="Mong" typeface="Mongolian Baiti"/>
+        <a:font script="Viet" typeface="Times New Roman"/>
+        <a:font script="Uigh" typeface="Microsoft Uighur"/>
+        <a:font script="Geor" typeface="Sylfaen"/>
+        <a:font script="Armn" typeface="Arial"/>
+        <a:font script="Bugi" typeface="Leelawadee UI"/>
+        <a:font script="Bopo" typeface="Microsoft JhengHei"/>
+        <a:font script="Java" typeface="Javanese Text"/>
+        <a:font script="Lisu" typeface="Segoe UI"/>
+        <a:font script="Mymr" typeface="Myanmar Text"/>
+        <a:font script="Nkoo" typeface="Ebrima"/>
+        <a:font script="Olck" typeface="Nirmala UI"/>
+        <a:font script="Osma" typeface="Ebrima"/>
+        <a:font script="Phag" typeface="Phagspa"/>
+        <a:font script="Syrn" typeface="Estrangelo Edessa"/>
+        <a:font script="Syrj" typeface="Estrangelo Edessa"/>
+        <a:font script="Syre" typeface="Estrangelo Edessa"/>
+        <a:font script="Sora" typeface="Nirmala UI"/>
+        <a:font script="Tale" typeface="Microsoft Tai Le"/>
+        <a:font script="Talu" typeface="Microsoft New Tai Lue"/>
+        <a:font script="Tfng" typeface="Ebrima"/>
+      </a:majorFont>
+      <a:minorFont>
+        <a:latin typeface="Calibri" panose="020F0502020204030204"/>
+        <a:ea typeface=""/>
+        <a:cs typeface=""/>
+        <a:font script="Jpan" typeface="游ゴシック"/>
+        <a:font script="Hang" typeface="맑은 고딕"/>
+        <a:font script="Hans" typeface="等线"/>
+        <a:font script="Hant" typeface="新細明體"/>
+        <a:font script="Arab" typeface="Arial"/>
+        <a:font script="Hebr" typeface="Arial"/>
+        <a:font script="Thai" typeface="Cordia New"/>
+        <a:font script="Ethi" typeface="Nyala"/>
+        <a:font script="Beng" typeface="Vrinda"/>
+        <a:font script="Gujr" typeface="Shruti"/>
+        <a:font script="Khmr" typeface="DaunPenh"/>
+        <a:font script="Knda" typeface="Tunga"/>
+        <a:font script="Guru" typeface="Raavi"/>
+        <a:font script="Cans" typeface="Euphemia"/>
+        <a:font script="Cher" typeface="Plantagenet Cherokee"/>
+        <a:font script="Yiii" typeface="Microsoft Yi Baiti"/>
+        <a:font script="Tibt" typeface="Microsoft Himalaya"/>
+        <a:font script="Thaa" typeface="MV Boli"/>
+        <a:font script="Deva" typeface="Mangal"/>
+        <a:font script="Telu" typeface="Gautami"/>
+        <a:font script="Taml" typeface="Latha"/>
+        <a:font script="Syrc" typeface="Estrangelo Edessa"/>
+        <a:font script="Orya" typeface="Kalinga"/>
+        <a:font script="Mlym" typeface="Kartika"/>
+        <a:font script="Laoo" typeface="DokChampa"/>
+        <a:font script="Sinh" typeface="Iskoola Pota"/>
+        <a:font script="Mong" typeface="Mongolian Baiti"/>
+        <a:font script="Viet" typeface="Arial"/>
+        <a:font script="Uigh" typeface="Microsoft Uighur"/>
+        <a:font script="Geor" typeface="Sylfaen"/>
+        <a:font script="Armn" typeface="Arial"/>
+        <a:font script="Bugi" typeface="Leelawadee UI"/>
+        <a:font script="Bopo" typeface="Microsoft JhengHei"/>
+        <a:font script="Java" typeface="Javanese Text"/>
+        <a:font script="Lisu" typeface="Segoe UI"/>
+        <a:font script="Mymr" typeface="Myanmar Text"/>
+        <a:font script="Nkoo" typeface="Ebrima"/>
+        <a:font script="Olck" typeface="Nirmala UI"/>
+        <a:font script="Osma" typeface="Ebrima"/>
+        <a:font script="Phag" typeface="Phagspa"/>
+        <a:font script="Syrn" typeface="Estrangelo Edessa"/>
+        <a:font script="Syrj" typeface="Estrangelo Edessa"/>
+        <a:font script="Syre" typeface="Estrangelo Edessa"/>
+        <a:font script="Sora" typeface="Nirmala UI"/>
+        <a:font script="Tale" typeface="Microsoft Tai Le"/>
+        <a:font script="Talu" typeface="Microsoft New Tai Lue"/>
+        <a:font script="Tfng" typeface="Ebrima"/>
+      </a:minorFont>
+    </a:fontScheme>
+    <a:fmtScheme name="Office">
+      <a:fillStyleLst>
+        <a:solidFill>
+          <a:schemeClr val="phClr"/>
+        </a:solidFill>
+        <a:gradFill rotWithShape="1">
+          <a:gsLst>
+            <a:gs pos="0">
+              <a:schemeClr val="phClr">
+                <a:lumMod val="110000"/>
+                <a:satMod val="105000"/>
+                <a:tint val="67000"/>
+              </a:schemeClr>
+            </a:gs>
+            <a:gs pos="50000">
+              <a:schemeClr val="phClr">
+                <a:lumMod val="105000"/>
+                <a:satMod val="103000"/>
+                <a:tint val="73000"/>
+              </a:schemeClr>
+            </a:gs>
+            <a:gs pos="100000">
+              <a:schemeClr val="phClr">
+                <a:lumMod val="105000"/>
+                <a:satMod val="109000"/>
+                <a:tint val="81000"/>
+              </a:schemeClr>
+            </a:gs>
+          </a:gsLst>
+          <a:lin ang="5400000" scaled="0"/>
+        </a:gradFill>
+        <a:gradFill rotWithShape="1">
+          <a:gsLst>
+            <a:gs pos="0">
+              <a:schemeClr val="phClr">
+                <a:satMod val="103000"/>
+                <a:lumMod val="102000"/>
+                <a:tint val="94000"/>
+              </a:schemeClr>
+            </a:gs>
+            <a:gs pos="50000">
+              <a:schemeClr val="phClr">
+                <a:satMod val="110000"/>
+                <a:lumMod val="100000"/>
+                <a:shade val="100000"/>
+              </a:schemeClr>
+            </a:gs>
+            <a:gs pos="100000">
+              <a:schemeClr val="phClr">
+                <a:lumMod val="99000"/>
+                <a:satMod val="120000"/>
+                <a:shade val="78000"/>
+              </a:schemeClr>
+            </a:gs>
+          </a:gsLst>
+          <a:lin ang="5400000" scaled="0"/>
+        </a:gradFill>
+      </a:fillStyleLst>
+      <a:lnStyleLst>
+        <a:ln w="6350" cap="flat" cmpd="sng" algn="ctr">
+          <a:solidFill>
+            <a:schemeClr val="phClr"/>
+          </a:solidFill>
+          <a:prstDash val="solid"/>
+          <a:miter lim="800000"/>
+        </a:ln>
+        <a:ln w="12700" cap="flat" cmpd="sng" algn="ctr">
+          <a:solidFill>
+            <a:schemeClr val="phClr"/>
+          </a:solidFill>
+          <a:prstDash val="solid"/>
+          <a:miter lim="800000"/>
+        </a:ln>
+        <a:ln w="19050" cap="flat" cmpd="sng" algn="ctr">
+          <a:solidFill>
+            <a:schemeClr val="phClr"/>
+          </a:solidFill>
+          <a:prstDash val="solid"/>
+          <a:miter lim="800000"/>
+        </a:ln>
+      </a:lnStyleLst>
+      <a:effectStyleLst>
+        <a:effectStyle>
+          <a:effectLst/>
+        </a:effectStyle>
+        <a:effectStyle>
+          <a:effectLst/>
+        </a:effectStyle>
+        <a:effectStyle>
+          <a:effectLst>
+            <a:outerShdw blurRad="57150" dist="19050" dir="5400000" algn="ctr" rotWithShape="0">
+              <a:srgbClr val="000000">
+                <a:alpha val="63000"/>
+              </a:srgbClr>
+            </a:outerShdw>
+          </a:effectLst>
+        </a:effectStyle>
+      </a:effectStyleLst>
+      <a:bgFillStyleLst>
+        <a:solidFill>
+          <a:schemeClr val="phClr"/>
+        </a:solidFill>
+        <a:solidFill>
+          <a:schemeClr val="phClr">
+            <a:tint val="95000"/>
+            <a:satMod val="170000"/>
+          </a:schemeClr>
+        </a:solidFill>
+        <a:gradFill rotWithShape="1">
+          <a:gsLst>
+            <a:gs pos="0">
+              <a:schemeClr val="phClr">
+                <a:tint val="93000"/>
+                <a:satMod val="150000"/>
+                <a:shade val="98000"/>
+                <a:lumMod val="102000"/>
+              </a:schemeClr>
+            </a:gs>
+            <a:gs pos="50000">
+              <a:schemeClr val="phClr">
+                <a:tint val="98000"/>
+                <a:satMod val="130000"/>
+                <a:shade val="90000"/>
+                <a:lumMod val="103000"/>
+              </a:schemeClr>
+            </a:gs>
+            <a:gs pos="100000">
+              <a:schemeClr val="phClr">
+                <a:shade val="63000"/>
+                <a:satMod val="120000"/>
+              </a:schemeClr>
+            </a:gs>
+          </a:gsLst>
+          <a:lin ang="5400000" scaled="0"/>
+        </a:gradFill>
+      </a:bgFillStyleLst>
+    </a:fmtScheme>
+  </a:themeElements>
+  <a:objectDefaults/>
+  <a:extraClrSchemeLst/>
+  <a:extLst>
+    <a:ext uri="{05A4C25C-085E-4340-85A3-A5531E510DB2}">
+      <thm15:themeFamily xmlns:thm15="http://schemas.microsoft.com/office/thememl/2012/main" name="Office Theme" id="{62F939B6-93AF-4DB8-9C6B-D6C7DFDC589F}" vid="{4A3C46E8-61CC-4603-A589-7422A47A8E4A}"/>
+    </a:ext>
+  </a:extLst>
+</a:theme>
 </file>